--- a/NewsNudge-updated.pptx
+++ b/NewsNudge-updated.pptx
@@ -12832,6 +12832,496 @@
               <a:rPr lang="en-US" dirty="0"/>
               <a:t>This took is for bankers </a:t>
             </a:r>
+          </a:p>
+          <a:p>
+            <a:pPr marL="628650" lvl="1" indent="-171450" algn="l" rtl="0">
+              <a:spcBef>
+                <a:spcPts val="0"/>
+              </a:spcBef>
+              <a:spcAft>
+                <a:spcPts val="0"/>
+              </a:spcAft>
+            </a:pPr>
+            <a:r>
+              <a:rPr lang="en-US" dirty="0"/>
+              <a:t>Our bankers need to </a:t>
+            </a:r>
+            <a:r>
+              <a:rPr lang="en-US" dirty="0" err="1"/>
+              <a:t>sta</a:t>
+            </a:r>
+            <a:endParaRPr lang="en-US" dirty="0"/>
+          </a:p>
+          <a:p>
+            <a:pPr marL="628650" lvl="1" indent="-171450" algn="l" rtl="0">
+              <a:spcBef>
+                <a:spcPts val="0"/>
+              </a:spcBef>
+              <a:spcAft>
+                <a:spcPts val="0"/>
+              </a:spcAft>
+            </a:pPr>
+            <a:r>
+              <a:rPr lang="en-US" dirty="0"/>
+              <a:t>The biggest challenge is that bankers need to be proactive on their own to search for news. </a:t>
+            </a:r>
+            <a:r>
+              <a:rPr lang="en-US" dirty="0" err="1"/>
+              <a:t>Theres</a:t>
+            </a:r>
+            <a:r>
+              <a:rPr lang="en-US" dirty="0"/>
+              <a:t> nothing that’s giving them content. They have to gout and seek that news for themselves </a:t>
+            </a:r>
+          </a:p>
+          <a:p>
+            <a:pPr marL="628650" lvl="1" indent="-171450" algn="l" rtl="0">
+              <a:spcBef>
+                <a:spcPts val="0"/>
+              </a:spcBef>
+              <a:spcAft>
+                <a:spcPts val="0"/>
+              </a:spcAft>
+            </a:pPr>
+            <a:r>
+              <a:rPr lang="en-US" dirty="0"/>
+              <a:t>Try to word in there the fact that information needs to be looked for instead of automatically received.</a:t>
+            </a:r>
+          </a:p>
+          <a:p>
+            <a:pPr marL="628650" lvl="1" indent="-171450" algn="l" rtl="0">
+              <a:spcBef>
+                <a:spcPts val="0"/>
+              </a:spcBef>
+              <a:spcAft>
+                <a:spcPts val="0"/>
+              </a:spcAft>
+            </a:pPr>
+            <a:r>
+              <a:rPr lang="en-US" dirty="0"/>
+              <a:t>Outcomes </a:t>
+            </a:r>
+          </a:p>
+          <a:p>
+            <a:pPr marL="1085850" lvl="2" indent="-171450" algn="l" rtl="0">
+              <a:spcBef>
+                <a:spcPts val="0"/>
+              </a:spcBef>
+              <a:spcAft>
+                <a:spcPts val="0"/>
+              </a:spcAft>
+            </a:pPr>
+            <a:r>
+              <a:rPr lang="en-US" dirty="0"/>
+              <a:t>Increased efficiency in monitoring covered </a:t>
+            </a:r>
+            <a:r>
+              <a:rPr lang="en-US" dirty="0" err="1"/>
+              <a:t>ccompaneis</a:t>
+            </a:r>
+            <a:r>
+              <a:rPr lang="en-US" dirty="0"/>
+              <a:t> </a:t>
+            </a:r>
+          </a:p>
+          <a:p>
+            <a:pPr marL="1085850" lvl="2" indent="-171450" algn="l" rtl="0">
+              <a:spcBef>
+                <a:spcPts val="0"/>
+              </a:spcBef>
+              <a:spcAft>
+                <a:spcPts val="0"/>
+              </a:spcAft>
+            </a:pPr>
+            <a:r>
+              <a:rPr lang="en-US" dirty="0"/>
+              <a:t>Replace last bullet with Improved advisory for clients </a:t>
+            </a:r>
+          </a:p>
+          <a:p>
+            <a:pPr marL="171450" lvl="0" indent="-171450" algn="l" rtl="0">
+              <a:spcBef>
+                <a:spcPts val="0"/>
+              </a:spcBef>
+              <a:spcAft>
+                <a:spcPts val="0"/>
+              </a:spcAft>
+            </a:pPr>
+            <a:r>
+              <a:rPr lang="en-US" dirty="0"/>
+              <a:t>Solution </a:t>
+            </a:r>
+          </a:p>
+          <a:p>
+            <a:pPr marL="628650" lvl="1" indent="-171450" algn="l" rtl="0">
+              <a:spcBef>
+                <a:spcPts val="0"/>
+              </a:spcBef>
+              <a:spcAft>
+                <a:spcPts val="0"/>
+              </a:spcAft>
+            </a:pPr>
+            <a:r>
+              <a:rPr lang="en-US" dirty="0"/>
+              <a:t>Don’t spend so much time talking through the specific features. </a:t>
+            </a:r>
+          </a:p>
+          <a:p>
+            <a:pPr marL="628650" lvl="1" indent="-171450" algn="l" rtl="0">
+              <a:spcBef>
+                <a:spcPts val="0"/>
+              </a:spcBef>
+              <a:spcAft>
+                <a:spcPts val="0"/>
+              </a:spcAft>
+            </a:pPr>
+            <a:r>
+              <a:rPr lang="en-US" dirty="0"/>
+              <a:t>Have a one pager on what the solution is </a:t>
+            </a:r>
+          </a:p>
+          <a:p>
+            <a:pPr marL="628650" lvl="1" indent="-171450" algn="l" rtl="0">
+              <a:spcBef>
+                <a:spcPts val="0"/>
+              </a:spcBef>
+              <a:spcAft>
+                <a:spcPts val="0"/>
+              </a:spcAft>
+            </a:pPr>
+            <a:r>
+              <a:rPr lang="en-US" dirty="0"/>
+              <a:t>Give a one liner. </a:t>
+            </a:r>
+          </a:p>
+          <a:p>
+            <a:pPr marL="1085850" lvl="2" indent="-171450" algn="l" rtl="0">
+              <a:spcBef>
+                <a:spcPts val="0"/>
+              </a:spcBef>
+              <a:spcAft>
+                <a:spcPts val="0"/>
+              </a:spcAft>
+            </a:pPr>
+            <a:r>
+              <a:rPr lang="en-US" dirty="0"/>
+              <a:t>A settings for preferences</a:t>
+            </a:r>
+          </a:p>
+          <a:p>
+            <a:pPr marL="1085850" lvl="2" indent="-171450" algn="l" rtl="0">
+              <a:spcBef>
+                <a:spcPts val="0"/>
+              </a:spcBef>
+              <a:spcAft>
+                <a:spcPts val="0"/>
+              </a:spcAft>
+            </a:pPr>
+            <a:r>
+              <a:rPr lang="en-US" dirty="0"/>
+              <a:t>Easy access to a alerts via a UI and from push notification</a:t>
+            </a:r>
+          </a:p>
+          <a:p>
+            <a:pPr marL="1085850" lvl="2" indent="-171450" algn="l" rtl="0">
+              <a:spcBef>
+                <a:spcPts val="0"/>
+              </a:spcBef>
+              <a:spcAft>
+                <a:spcPts val="0"/>
+              </a:spcAft>
+            </a:pPr>
+            <a:r>
+              <a:rPr lang="en-US" dirty="0"/>
+              <a:t>Talk about the all news page in the demo </a:t>
+            </a:r>
+          </a:p>
+          <a:p>
+            <a:pPr marL="628650" lvl="1" indent="-171450" algn="l" rtl="0">
+              <a:spcBef>
+                <a:spcPts val="0"/>
+              </a:spcBef>
+              <a:spcAft>
+                <a:spcPts val="0"/>
+              </a:spcAft>
+            </a:pPr>
+            <a:r>
+              <a:rPr lang="en-US" dirty="0"/>
+              <a:t>Keep everything high level in the deck </a:t>
+            </a:r>
+          </a:p>
+          <a:p>
+            <a:pPr marL="171450" lvl="0" indent="-171450" algn="l" rtl="0">
+              <a:spcBef>
+                <a:spcPts val="0"/>
+              </a:spcBef>
+              <a:spcAft>
+                <a:spcPts val="0"/>
+              </a:spcAft>
+            </a:pPr>
+            <a:r>
+              <a:rPr lang="en-US" dirty="0"/>
+              <a:t>Implementation </a:t>
+            </a:r>
+          </a:p>
+          <a:p>
+            <a:pPr marL="628650" lvl="1" indent="-171450" algn="l" rtl="0">
+              <a:spcBef>
+                <a:spcPts val="0"/>
+              </a:spcBef>
+              <a:spcAft>
+                <a:spcPts val="0"/>
+              </a:spcAft>
+            </a:pPr>
+            <a:r>
+              <a:rPr lang="en-US" dirty="0"/>
+              <a:t>Data should come first </a:t>
+            </a:r>
+          </a:p>
+          <a:p>
+            <a:pPr marL="628650" lvl="1" indent="-171450" algn="l" rtl="0">
+              <a:spcBef>
+                <a:spcPts val="0"/>
+              </a:spcBef>
+              <a:spcAft>
+                <a:spcPts val="0"/>
+              </a:spcAft>
+            </a:pPr>
+            <a:r>
+              <a:rPr lang="en-US" dirty="0"/>
+              <a:t>The line of business is currently in conversation with Moody’s to sign a contract for their real time news feed API </a:t>
+            </a:r>
+          </a:p>
+          <a:p>
+            <a:pPr marL="171450" lvl="0" indent="-171450" algn="l" rtl="0">
+              <a:spcBef>
+                <a:spcPts val="0"/>
+              </a:spcBef>
+              <a:spcAft>
+                <a:spcPts val="0"/>
+              </a:spcAft>
+            </a:pPr>
+            <a:r>
+              <a:rPr lang="en-US" dirty="0"/>
+              <a:t>Tech stack </a:t>
+            </a:r>
+          </a:p>
+          <a:p>
+            <a:pPr marL="628650" lvl="1" indent="-171450" algn="l" rtl="0">
+              <a:spcBef>
+                <a:spcPts val="0"/>
+              </a:spcBef>
+              <a:spcAft>
+                <a:spcPts val="0"/>
+              </a:spcAft>
+            </a:pPr>
+            <a:r>
+              <a:rPr lang="en-US" dirty="0"/>
+              <a:t>Make an architecture diagram </a:t>
+            </a:r>
+          </a:p>
+          <a:p>
+            <a:pPr marL="628650" lvl="1" indent="-171450" algn="l" rtl="0">
+              <a:spcBef>
+                <a:spcPts val="0"/>
+              </a:spcBef>
+              <a:spcAft>
+                <a:spcPts val="0"/>
+              </a:spcAft>
+            </a:pPr>
+            <a:r>
+              <a:rPr lang="en-US" dirty="0"/>
+              <a:t>Have a user &amp; computer that points to the business logic that points to the database schema </a:t>
+            </a:r>
+          </a:p>
+          <a:p>
+            <a:pPr marL="171450" lvl="0" indent="-171450" algn="l" rtl="0">
+              <a:spcBef>
+                <a:spcPts val="0"/>
+              </a:spcBef>
+              <a:spcAft>
+                <a:spcPts val="0"/>
+              </a:spcAft>
+            </a:pPr>
+            <a:r>
+              <a:rPr lang="en-US" dirty="0"/>
+              <a:t>Database schema </a:t>
+            </a:r>
+          </a:p>
+          <a:p>
+            <a:pPr marL="628650" lvl="1" indent="-171450" algn="l" rtl="0">
+              <a:spcBef>
+                <a:spcPts val="0"/>
+              </a:spcBef>
+              <a:spcAft>
+                <a:spcPts val="0"/>
+              </a:spcAft>
+            </a:pPr>
+            <a:r>
+              <a:rPr lang="en-US" dirty="0"/>
+              <a:t>Move to the appendix </a:t>
+            </a:r>
+          </a:p>
+          <a:p>
+            <a:pPr marL="171450" lvl="0" indent="-171450" algn="l" rtl="0">
+              <a:spcBef>
+                <a:spcPts val="0"/>
+              </a:spcBef>
+              <a:spcAft>
+                <a:spcPts val="0"/>
+              </a:spcAft>
+            </a:pPr>
+            <a:r>
+              <a:rPr lang="en-US" dirty="0"/>
+              <a:t>Duplication </a:t>
+            </a:r>
+          </a:p>
+          <a:p>
+            <a:pPr marL="628650" lvl="1" indent="-171450" algn="l" rtl="0">
+              <a:spcBef>
+                <a:spcPts val="0"/>
+              </a:spcBef>
+              <a:spcAft>
+                <a:spcPts val="0"/>
+              </a:spcAft>
+            </a:pPr>
+            <a:r>
+              <a:rPr lang="en-US" dirty="0"/>
+              <a:t>Don’t spend too much time on this </a:t>
+            </a:r>
+          </a:p>
+          <a:p>
+            <a:pPr marL="628650" lvl="1" indent="-171450" algn="l" rtl="0">
+              <a:spcBef>
+                <a:spcPts val="0"/>
+              </a:spcBef>
+              <a:spcAft>
+                <a:spcPts val="0"/>
+              </a:spcAft>
+            </a:pPr>
+            <a:r>
+              <a:rPr lang="en-US" dirty="0"/>
+              <a:t>Remove the three examples on the left </a:t>
+            </a:r>
+          </a:p>
+          <a:p>
+            <a:pPr marL="171450" lvl="0" indent="-171450" algn="l" rtl="0">
+              <a:spcBef>
+                <a:spcPts val="0"/>
+              </a:spcBef>
+              <a:spcAft>
+                <a:spcPts val="0"/>
+              </a:spcAft>
+            </a:pPr>
+            <a:r>
+              <a:rPr lang="en-US" dirty="0"/>
+              <a:t>Demo </a:t>
+            </a:r>
+          </a:p>
+          <a:p>
+            <a:pPr marL="628650" lvl="1" indent="-171450" algn="l" rtl="0">
+              <a:spcBef>
+                <a:spcPts val="0"/>
+              </a:spcBef>
+              <a:spcAft>
+                <a:spcPts val="0"/>
+              </a:spcAft>
+            </a:pPr>
+            <a:r>
+              <a:rPr lang="en-US" dirty="0"/>
+              <a:t>Showcase the proactive alerts before showing the all news page </a:t>
+            </a:r>
+          </a:p>
+          <a:p>
+            <a:pPr marL="628650" lvl="1" indent="-171450" algn="l" rtl="0">
+              <a:spcBef>
+                <a:spcPts val="0"/>
+              </a:spcBef>
+              <a:spcAft>
+                <a:spcPts val="0"/>
+              </a:spcAft>
+            </a:pPr>
+            <a:r>
+              <a:rPr lang="en-US" dirty="0"/>
+              <a:t>Go right into the settings first. </a:t>
+            </a:r>
+          </a:p>
+          <a:p>
+            <a:pPr marL="628650" lvl="1" indent="-171450" algn="l" rtl="0">
+              <a:spcBef>
+                <a:spcPts val="0"/>
+              </a:spcBef>
+              <a:spcAft>
+                <a:spcPts val="0"/>
+              </a:spcAft>
+            </a:pPr>
+            <a:r>
+              <a:rPr lang="en-US" dirty="0"/>
+              <a:t>Do the first alert for just one article. Then show multiple alerts </a:t>
+            </a:r>
+          </a:p>
+          <a:p>
+            <a:pPr marL="171450" lvl="0" indent="-171450" algn="l" rtl="0">
+              <a:spcBef>
+                <a:spcPts val="0"/>
+              </a:spcBef>
+              <a:spcAft>
+                <a:spcPts val="0"/>
+              </a:spcAft>
+            </a:pPr>
+            <a:r>
+              <a:rPr lang="en-US" dirty="0"/>
+              <a:t>Takeaways and next steps </a:t>
+            </a:r>
+          </a:p>
+          <a:p>
+            <a:pPr marL="171450" lvl="0" indent="-171450" algn="l" rtl="0">
+              <a:spcBef>
+                <a:spcPts val="0"/>
+              </a:spcBef>
+              <a:spcAft>
+                <a:spcPts val="0"/>
+              </a:spcAft>
+            </a:pPr>
+            <a:r>
+              <a:rPr lang="en-US" dirty="0"/>
+              <a:t>Do top three next steps and top three takeaways</a:t>
+            </a:r>
+          </a:p>
+          <a:p>
+            <a:pPr marL="171450" lvl="0" indent="-171450" algn="l" rtl="0">
+              <a:spcBef>
+                <a:spcPts val="0"/>
+              </a:spcBef>
+              <a:spcAft>
+                <a:spcPts val="0"/>
+              </a:spcAft>
+            </a:pPr>
+            <a:r>
+              <a:rPr lang="en-US" dirty="0"/>
+              <a:t>There’s keyword shortcut for switching between shared screens on Webex </a:t>
+            </a:r>
+          </a:p>
+          <a:p>
+            <a:pPr marL="171450" lvl="0" indent="-171450" algn="l" rtl="0">
+              <a:spcBef>
+                <a:spcPts val="0"/>
+              </a:spcBef>
+              <a:spcAft>
+                <a:spcPts val="0"/>
+              </a:spcAft>
+            </a:pPr>
+            <a:endParaRPr lang="en-US" dirty="0"/>
+          </a:p>
+          <a:p>
+            <a:pPr marL="1085850" lvl="2" indent="-171450" algn="l" rtl="0">
+              <a:spcBef>
+                <a:spcPts val="0"/>
+              </a:spcBef>
+              <a:spcAft>
+                <a:spcPts val="0"/>
+              </a:spcAft>
+            </a:pPr>
             <a:endParaRPr dirty="0"/>
           </a:p>
         </p:txBody>
@@ -34471,21 +34961,6 @@
 </file>
 
 <file path=customXml/item1.xml><?xml version="1.0" encoding="utf-8"?>
-<p:properties xmlns:p="http://schemas.microsoft.com/office/2006/metadata/properties" xmlns:xsi="http://www.w3.org/2001/XMLSchema-instance" xmlns:pc="http://schemas.microsoft.com/office/infopath/2007/PartnerControls">
-  <documentManagement/>
-</p:properties>
-</file>
-
-<file path=customXml/item2.xml><?xml version="1.0" encoding="utf-8"?>
-<?mso-contentType ?>
-<FormTemplates xmlns="http://schemas.microsoft.com/sharepoint/v3/contenttype/forms">
-  <Display>DocumentLibraryForm</Display>
-  <Edit>DocumentLibraryForm</Edit>
-  <New>DocumentLibraryForm</New>
-</FormTemplates>
-</file>
-
-<file path=customXml/item3.xml><?xml version="1.0" encoding="utf-8"?>
 <ct:contentTypeSchema xmlns:ct="http://schemas.microsoft.com/office/2006/metadata/contentType" xmlns:ma="http://schemas.microsoft.com/office/2006/metadata/properties/metaAttributes" ct:_="" ma:_="" ma:contentTypeName="Document" ma:contentTypeID="0x010100D6C0BBDC887FDD4CAFEA07CAD7255CE9" ma:contentTypeVersion="1" ma:contentTypeDescription="Create a new document." ma:contentTypeScope="" ma:versionID="9c5d60dfa2a24caef823009a60f160e0">
   <xsd:schema xmlns:xsd="http://www.w3.org/2001/XMLSchema" xmlns:xs="http://www.w3.org/2001/XMLSchema" xmlns:p="http://schemas.microsoft.com/office/2006/metadata/properties" xmlns:ns2="52c6f500-2ca6-46b2-8779-5257ae046308" targetNamespace="http://schemas.microsoft.com/office/2006/metadata/properties" ma:root="true" ma:fieldsID="29ad36cb64cb14339e843cf775132d58" ns2:_="">
     <xsd:import namespace="52c6f500-2ca6-46b2-8779-5257ae046308"/>
@@ -34625,31 +35100,22 @@
 </ct:contentTypeSchema>
 </file>
 
-<file path=customXml/itemProps1.xml><?xml version="1.0" encoding="utf-8"?>
-<ds:datastoreItem xmlns:ds="http://schemas.openxmlformats.org/officeDocument/2006/customXml" ds:itemID="{7D9F8A0A-E6C9-46CD-826C-4E72EB9E88B9}">
-  <ds:schemaRefs>
-    <ds:schemaRef ds:uri="52c6f500-2ca6-46b2-8779-5257ae046308"/>
-    <ds:schemaRef ds:uri="http://www.w3.org/XML/1998/namespace"/>
-    <ds:schemaRef ds:uri="http://schemas.microsoft.com/office/infopath/2007/PartnerControls"/>
-    <ds:schemaRef ds:uri="http://purl.org/dc/dcmitype/"/>
-    <ds:schemaRef ds:uri="http://purl.org/dc/terms/"/>
-    <ds:schemaRef ds:uri="http://schemas.microsoft.com/office/2006/documentManagement/types"/>
-    <ds:schemaRef ds:uri="http://schemas.openxmlformats.org/package/2006/metadata/core-properties"/>
-    <ds:schemaRef ds:uri="http://schemas.microsoft.com/office/2006/metadata/properties"/>
-    <ds:schemaRef ds:uri="http://purl.org/dc/elements/1.1/"/>
-  </ds:schemaRefs>
-</ds:datastoreItem>
+<file path=customXml/item2.xml><?xml version="1.0" encoding="utf-8"?>
+<?mso-contentType ?>
+<FormTemplates xmlns="http://schemas.microsoft.com/sharepoint/v3/contenttype/forms">
+  <Display>DocumentLibraryForm</Display>
+  <Edit>DocumentLibraryForm</Edit>
+  <New>DocumentLibraryForm</New>
+</FormTemplates>
 </file>
 
-<file path=customXml/itemProps2.xml><?xml version="1.0" encoding="utf-8"?>
-<ds:datastoreItem xmlns:ds="http://schemas.openxmlformats.org/officeDocument/2006/customXml" ds:itemID="{782F6D1A-3A69-4837-8E2E-4144070B2F84}">
-  <ds:schemaRefs>
-    <ds:schemaRef ds:uri="http://schemas.microsoft.com/sharepoint/v3/contenttype/forms"/>
-  </ds:schemaRefs>
-</ds:datastoreItem>
+<file path=customXml/item3.xml><?xml version="1.0" encoding="utf-8"?>
+<p:properties xmlns:p="http://schemas.microsoft.com/office/2006/metadata/properties" xmlns:xsi="http://www.w3.org/2001/XMLSchema-instance" xmlns:pc="http://schemas.microsoft.com/office/infopath/2007/PartnerControls">
+  <documentManagement/>
+</p:properties>
 </file>
 
-<file path=customXml/itemProps3.xml><?xml version="1.0" encoding="utf-8"?>
+<file path=customXml/itemProps1.xml><?xml version="1.0" encoding="utf-8"?>
 <ds:datastoreItem xmlns:ds="http://schemas.openxmlformats.org/officeDocument/2006/customXml" ds:itemID="{1AF2807D-BC03-401F-AD80-187BDE614406}">
   <ds:schemaRefs>
     <ds:schemaRef ds:uri="http://schemas.microsoft.com/office/2006/metadata/contentType"/>
@@ -34665,4 +35131,28 @@
     <ds:schemaRef ds:uri="http://schemas.microsoft.com/internal/obd"/>
   </ds:schemaRefs>
 </ds:datastoreItem>
+</file>
+
+<file path=customXml/itemProps2.xml><?xml version="1.0" encoding="utf-8"?>
+<ds:datastoreItem xmlns:ds="http://schemas.openxmlformats.org/officeDocument/2006/customXml" ds:itemID="{782F6D1A-3A69-4837-8E2E-4144070B2F84}">
+  <ds:schemaRefs>
+    <ds:schemaRef ds:uri="http://schemas.microsoft.com/sharepoint/v3/contenttype/forms"/>
+  </ds:schemaRefs>
+</ds:datastoreItem>
+</file>
+
+<file path=customXml/itemProps3.xml><?xml version="1.0" encoding="utf-8"?>
+<ds:datastoreItem xmlns:ds="http://schemas.openxmlformats.org/officeDocument/2006/customXml" ds:itemID="{7D9F8A0A-E6C9-46CD-826C-4E72EB9E88B9}">
+  <ds:schemaRefs>
+    <ds:schemaRef ds:uri="52c6f500-2ca6-46b2-8779-5257ae046308"/>
+    <ds:schemaRef ds:uri="http://www.w3.org/XML/1998/namespace"/>
+    <ds:schemaRef ds:uri="http://schemas.microsoft.com/office/infopath/2007/PartnerControls"/>
+    <ds:schemaRef ds:uri="http://purl.org/dc/dcmitype/"/>
+    <ds:schemaRef ds:uri="http://purl.org/dc/terms/"/>
+    <ds:schemaRef ds:uri="http://schemas.microsoft.com/office/2006/documentManagement/types"/>
+    <ds:schemaRef ds:uri="http://schemas.openxmlformats.org/package/2006/metadata/core-properties"/>
+    <ds:schemaRef ds:uri="http://schemas.microsoft.com/office/2006/metadata/properties"/>
+    <ds:schemaRef ds:uri="http://purl.org/dc/elements/1.1/"/>
+  </ds:schemaRefs>
+</ds:datastoreItem>
 </file>
--- a/NewsNudge-updated.pptx
+++ b/NewsNudge-updated.pptx
@@ -6,7 +6,7 @@
     <p:sldMasterId id="2147483677" r:id="rId5"/>
   </p:sldMasterIdLst>
   <p:notesMasterIdLst>
-    <p:notesMasterId r:id="rId21"/>
+    <p:notesMasterId r:id="rId22"/>
   </p:notesMasterIdLst>
   <p:sldIdLst>
     <p:sldId id="256" r:id="rId6"/>
@@ -15,15 +15,16 @@
     <p:sldId id="326" r:id="rId9"/>
     <p:sldId id="330" r:id="rId10"/>
     <p:sldId id="331" r:id="rId11"/>
-    <p:sldId id="322" r:id="rId12"/>
-    <p:sldId id="323" r:id="rId13"/>
-    <p:sldId id="327" r:id="rId14"/>
-    <p:sldId id="329" r:id="rId15"/>
-    <p:sldId id="324" r:id="rId16"/>
-    <p:sldId id="318" r:id="rId17"/>
-    <p:sldId id="319" r:id="rId18"/>
-    <p:sldId id="325" r:id="rId19"/>
-    <p:sldId id="321" r:id="rId20"/>
+    <p:sldId id="323" r:id="rId12"/>
+    <p:sldId id="332" r:id="rId13"/>
+    <p:sldId id="329" r:id="rId14"/>
+    <p:sldId id="324" r:id="rId15"/>
+    <p:sldId id="318" r:id="rId16"/>
+    <p:sldId id="319" r:id="rId17"/>
+    <p:sldId id="325" r:id="rId18"/>
+    <p:sldId id="321" r:id="rId19"/>
+    <p:sldId id="322" r:id="rId20"/>
+    <p:sldId id="327" r:id="rId21"/>
   </p:sldIdLst>
   <p:sldSz cx="9144000" cy="5143500" type="screen16x9"/>
   <p:notesSz cx="6858000" cy="9144000"/>
@@ -3288,10 +3289,10 @@
         <a:lstStyle/>
         <a:p>
           <a:r>
-            <a:rPr lang="en-US" b="0" i="0"/>
-            <a:t>Information overload: vast amount of news generated daily</a:t>
+            <a:rPr lang="en-US" b="0" i="0" dirty="0"/>
+            <a:t>Our bankers must seek out news themselves</a:t>
           </a:r>
-          <a:endParaRPr lang="en-US"/>
+          <a:endParaRPr lang="en-US" dirty="0"/>
         </a:p>
       </dgm:t>
     </dgm:pt>
@@ -3325,10 +3326,10 @@
         <a:lstStyle/>
         <a:p>
           <a:r>
-            <a:rPr lang="en-US" b="0" i="0"/>
-            <a:t>Difficulty filtering out irrelevant news</a:t>
+            <a:rPr lang="en-US" b="0" i="0" dirty="0"/>
+            <a:t>Information overload </a:t>
           </a:r>
-          <a:endParaRPr lang="en-US"/>
+          <a:endParaRPr lang="en-US" dirty="0"/>
         </a:p>
       </dgm:t>
     </dgm:pt>
@@ -3399,10 +3400,10 @@
         <a:lstStyle/>
         <a:p>
           <a:r>
-            <a:rPr lang="en-US" b="0" i="0"/>
-            <a:t>Inefficient use of analysts’ time in manual news monitoring</a:t>
+            <a:rPr lang="en-US" b="0" i="0" dirty="0"/>
+            <a:t>Inefficient use of time in manual news monitoring</a:t>
           </a:r>
-          <a:endParaRPr lang="en-US"/>
+          <a:endParaRPr lang="en-US" dirty="0"/>
         </a:p>
       </dgm:t>
     </dgm:pt>
@@ -3548,7 +3549,7 @@
         <a:p>
           <a:r>
             <a:rPr lang="en-US" b="0" i="0" dirty="0"/>
-            <a:t>Better time management for traders</a:t>
+            <a:t>Improved advisory for clients</a:t>
           </a:r>
           <a:endParaRPr lang="en-US" dirty="0"/>
         </a:p>
@@ -3585,7 +3586,7 @@
         <a:p>
           <a:r>
             <a:rPr lang="en-US" dirty="0"/>
-            <a:t>Target Users: Bank of America Traders &amp; Analysts </a:t>
+            <a:t>Target Users: GCB and BB Bankers</a:t>
           </a:r>
         </a:p>
       </dgm:t>
@@ -5640,7 +5641,7 @@
           </a:pPr>
           <a:r>
             <a:rPr lang="en-US" sz="2100" kern="1200" dirty="0"/>
-            <a:t>Target Users: Bank of America Traders &amp; Analysts </a:t>
+            <a:t>Target Users: GCB and BB Bankers</a:t>
           </a:r>
         </a:p>
       </dsp:txBody>
@@ -5777,10 +5778,10 @@
             <a:buChar char="•"/>
           </a:pPr>
           <a:r>
-            <a:rPr lang="en-US" sz="1600" b="0" i="0" kern="1200"/>
-            <a:t>Information overload: vast amount of news generated daily</a:t>
+            <a:rPr lang="en-US" sz="1600" b="0" i="0" kern="1200" dirty="0"/>
+            <a:t>Our bankers must seek out news themselves</a:t>
           </a:r>
-          <a:endParaRPr lang="en-US" sz="1600" kern="1200"/>
+          <a:endParaRPr lang="en-US" sz="1600" kern="1200" dirty="0"/>
         </a:p>
         <a:p>
           <a:pPr marL="171450" lvl="1" indent="-171450" algn="l" defTabSz="711200">
@@ -5796,10 +5797,10 @@
             <a:buChar char="•"/>
           </a:pPr>
           <a:r>
-            <a:rPr lang="en-US" sz="1600" b="0" i="0" kern="1200"/>
-            <a:t>Difficulty filtering out irrelevant news</a:t>
+            <a:rPr lang="en-US" sz="1600" b="0" i="0" kern="1200" dirty="0"/>
+            <a:t>Information overload </a:t>
           </a:r>
-          <a:endParaRPr lang="en-US" sz="1600" kern="1200"/>
+          <a:endParaRPr lang="en-US" sz="1600" kern="1200" dirty="0"/>
         </a:p>
         <a:p>
           <a:pPr marL="171450" lvl="1" indent="-171450" algn="l" defTabSz="711200">
@@ -5834,10 +5835,10 @@
             <a:buChar char="•"/>
           </a:pPr>
           <a:r>
-            <a:rPr lang="en-US" sz="1600" b="0" i="0" kern="1200"/>
-            <a:t>Inefficient use of analysts’ time in manual news monitoring</a:t>
+            <a:rPr lang="en-US" sz="1600" b="0" i="0" kern="1200" dirty="0"/>
+            <a:t>Inefficient use of time in manual news monitoring</a:t>
           </a:r>
-          <a:endParaRPr lang="en-US" sz="1600" kern="1200"/>
+          <a:endParaRPr lang="en-US" sz="1600" kern="1200" dirty="0"/>
         </a:p>
       </dsp:txBody>
       <dsp:txXfrm>
@@ -6012,7 +6013,7 @@
           </a:pPr>
           <a:r>
             <a:rPr lang="en-US" sz="1600" b="0" i="0" kern="1200" dirty="0"/>
-            <a:t>Better time management for traders</a:t>
+            <a:t>Improved advisory for clients</a:t>
           </a:r>
           <a:endParaRPr lang="en-US" sz="1600" kern="1200" dirty="0"/>
         </a:p>
@@ -6041,8 +6042,8 @@
       </dsp:nvSpPr>
       <dsp:spPr>
         <a:xfrm rot="5400000">
-          <a:off x="-141321" y="145524"/>
-          <a:ext cx="942142" cy="659499"/>
+          <a:off x="-139667" y="141349"/>
+          <a:ext cx="931119" cy="651783"/>
         </a:xfrm>
         <a:prstGeom prst="chevron">
           <a:avLst/>
@@ -6108,8 +6109,8 @@
         </a:p>
       </dsp:txBody>
       <dsp:txXfrm rot="-5400000">
-        <a:off x="1" y="333953"/>
-        <a:ext cx="659499" cy="282643"/>
+        <a:off x="2" y="327573"/>
+        <a:ext cx="651783" cy="279336"/>
       </dsp:txXfrm>
     </dsp:sp>
     <dsp:sp modelId="{CD05A819-377B-BE49-983D-5D06B54B3FAE}">
@@ -6119,8 +6120,8 @@
       </dsp:nvSpPr>
       <dsp:spPr>
         <a:xfrm rot="5400000">
-          <a:off x="1589209" y="-925506"/>
-          <a:ext cx="612392" cy="2471812"/>
+          <a:off x="2134560" y="-1481096"/>
+          <a:ext cx="605227" cy="3570782"/>
         </a:xfrm>
         <a:prstGeom prst="round2SameRect">
           <a:avLst/>
@@ -6202,8 +6203,8 @@
         </a:p>
       </dsp:txBody>
       <dsp:txXfrm rot="-5400000">
-        <a:off x="659500" y="34098"/>
-        <a:ext cx="2441917" cy="552602"/>
+        <a:off x="651783" y="31226"/>
+        <a:ext cx="3541237" cy="546137"/>
       </dsp:txXfrm>
     </dsp:sp>
     <dsp:sp modelId="{CB14EB9F-672C-0F4E-BFB6-E7F726BD595C}">
@@ -6213,8 +6214,8 @@
       </dsp:nvSpPr>
       <dsp:spPr>
         <a:xfrm rot="5400000">
-          <a:off x="-141321" y="953354"/>
-          <a:ext cx="942142" cy="659499"/>
+          <a:off x="-139667" y="953196"/>
+          <a:ext cx="931119" cy="651783"/>
         </a:xfrm>
         <a:prstGeom prst="chevron">
           <a:avLst/>
@@ -6280,8 +6281,8 @@
         </a:p>
       </dsp:txBody>
       <dsp:txXfrm rot="-5400000">
-        <a:off x="1" y="1141783"/>
-        <a:ext cx="659499" cy="282643"/>
+        <a:off x="2" y="1139420"/>
+        <a:ext cx="651783" cy="279336"/>
       </dsp:txXfrm>
     </dsp:sp>
     <dsp:sp modelId="{39BD5429-17CE-764B-B637-68C761D59F70}">
@@ -6291,8 +6292,8 @@
       </dsp:nvSpPr>
       <dsp:spPr>
         <a:xfrm rot="5400000">
-          <a:off x="1589209" y="-117676"/>
-          <a:ext cx="612392" cy="2471812"/>
+          <a:off x="2134560" y="-669249"/>
+          <a:ext cx="605227" cy="3570782"/>
         </a:xfrm>
         <a:prstGeom prst="round2SameRect">
           <a:avLst/>
@@ -6357,8 +6358,8 @@
         </a:p>
       </dsp:txBody>
       <dsp:txXfrm rot="-5400000">
-        <a:off x="659500" y="841928"/>
-        <a:ext cx="2441917" cy="552602"/>
+        <a:off x="651783" y="843073"/>
+        <a:ext cx="3541237" cy="546137"/>
       </dsp:txXfrm>
     </dsp:sp>
     <dsp:sp modelId="{3CBE76AE-D50D-7747-920D-420DAE8C68DB}">
@@ -6368,8 +6369,8 @@
       </dsp:nvSpPr>
       <dsp:spPr>
         <a:xfrm rot="5400000">
-          <a:off x="-141321" y="1761185"/>
-          <a:ext cx="942142" cy="659499"/>
+          <a:off x="-139667" y="1765043"/>
+          <a:ext cx="931119" cy="651783"/>
         </a:xfrm>
         <a:prstGeom prst="chevron">
           <a:avLst/>
@@ -6435,8 +6436,8 @@
         </a:p>
       </dsp:txBody>
       <dsp:txXfrm rot="-5400000">
-        <a:off x="1" y="1949614"/>
-        <a:ext cx="659499" cy="282643"/>
+        <a:off x="2" y="1951267"/>
+        <a:ext cx="651783" cy="279336"/>
       </dsp:txXfrm>
     </dsp:sp>
     <dsp:sp modelId="{DC12A21B-254E-5042-9BDF-11B2E259F0E3}">
@@ -6446,8 +6447,8 @@
       </dsp:nvSpPr>
       <dsp:spPr>
         <a:xfrm rot="5400000">
-          <a:off x="1589209" y="690153"/>
-          <a:ext cx="612392" cy="2471812"/>
+          <a:off x="2134560" y="142597"/>
+          <a:ext cx="605227" cy="3570782"/>
         </a:xfrm>
         <a:prstGeom prst="round2SameRect">
           <a:avLst/>
@@ -6539,8 +6540,8 @@
         </a:p>
       </dsp:txBody>
       <dsp:txXfrm rot="-5400000">
-        <a:off x="659500" y="1649758"/>
-        <a:ext cx="2441917" cy="552602"/>
+        <a:off x="651783" y="1654920"/>
+        <a:ext cx="3541237" cy="546137"/>
       </dsp:txXfrm>
     </dsp:sp>
     <dsp:sp modelId="{35262231-D222-0F4D-9A36-99EB24998BF2}">
@@ -6550,8 +6551,8 @@
       </dsp:nvSpPr>
       <dsp:spPr>
         <a:xfrm rot="5400000">
-          <a:off x="-141321" y="2569015"/>
-          <a:ext cx="942142" cy="659499"/>
+          <a:off x="-139667" y="2576890"/>
+          <a:ext cx="931119" cy="651783"/>
         </a:xfrm>
         <a:prstGeom prst="chevron">
           <a:avLst/>
@@ -6617,8 +6618,8 @@
         </a:p>
       </dsp:txBody>
       <dsp:txXfrm rot="-5400000">
-        <a:off x="1" y="2757444"/>
-        <a:ext cx="659499" cy="282643"/>
+        <a:off x="2" y="2763114"/>
+        <a:ext cx="651783" cy="279336"/>
       </dsp:txXfrm>
     </dsp:sp>
     <dsp:sp modelId="{A0CDD0CD-0A5A-994B-823F-69422D19A6DF}">
@@ -6628,8 +6629,8 @@
       </dsp:nvSpPr>
       <dsp:spPr>
         <a:xfrm rot="5400000">
-          <a:off x="1589209" y="1497984"/>
-          <a:ext cx="612392" cy="2471812"/>
+          <a:off x="2134560" y="954444"/>
+          <a:ext cx="605227" cy="3570782"/>
         </a:xfrm>
         <a:prstGeom prst="round2SameRect">
           <a:avLst/>
@@ -6693,8 +6694,8 @@
         </a:p>
       </dsp:txBody>
       <dsp:txXfrm rot="-5400000">
-        <a:off x="659500" y="2457589"/>
-        <a:ext cx="2441917" cy="552602"/>
+        <a:off x="651783" y="2466767"/>
+        <a:ext cx="3541237" cy="546137"/>
       </dsp:txXfrm>
     </dsp:sp>
     <dsp:sp modelId="{FA1D53C9-B9C2-1E42-B6BA-0720B89C7A69}">
@@ -6704,8 +6705,8 @@
       </dsp:nvSpPr>
       <dsp:spPr>
         <a:xfrm rot="5400000">
-          <a:off x="-141321" y="3376845"/>
-          <a:ext cx="942142" cy="659499"/>
+          <a:off x="-139667" y="3388737"/>
+          <a:ext cx="931119" cy="651783"/>
         </a:xfrm>
         <a:prstGeom prst="chevron">
           <a:avLst/>
@@ -6771,8 +6772,8 @@
         </a:p>
       </dsp:txBody>
       <dsp:txXfrm rot="-5400000">
-        <a:off x="1" y="3565274"/>
-        <a:ext cx="659499" cy="282643"/>
+        <a:off x="2" y="3574961"/>
+        <a:ext cx="651783" cy="279336"/>
       </dsp:txXfrm>
     </dsp:sp>
     <dsp:sp modelId="{FE3080D2-3E6B-E84C-9E18-FD683DD140C8}">
@@ -6782,8 +6783,8 @@
       </dsp:nvSpPr>
       <dsp:spPr>
         <a:xfrm rot="5400000">
-          <a:off x="1589209" y="2305814"/>
-          <a:ext cx="612392" cy="2471812"/>
+          <a:off x="2134560" y="1766291"/>
+          <a:ext cx="605227" cy="3570782"/>
         </a:xfrm>
         <a:prstGeom prst="round2SameRect">
           <a:avLst/>
@@ -6847,8 +6848,8 @@
         </a:p>
       </dsp:txBody>
       <dsp:txXfrm rot="-5400000">
-        <a:off x="659500" y="3265419"/>
-        <a:ext cx="2441917" cy="552602"/>
+        <a:off x="651783" y="3278614"/>
+        <a:ext cx="3541237" cy="546137"/>
       </dsp:txXfrm>
     </dsp:sp>
   </dsp:spTree>
@@ -11503,6 +11504,1620 @@
   <p:cSld>
     <p:spTree>
       <p:nvGrpSpPr>
+        <p:cNvPr id="1" name="Shape 205"/>
+        <p:cNvGrpSpPr/>
+        <p:nvPr/>
+      </p:nvGrpSpPr>
+      <p:grpSpPr>
+        <a:xfrm>
+          <a:off x="0" y="0"/>
+          <a:ext cx="0" cy="0"/>
+          <a:chOff x="0" y="0"/>
+          <a:chExt cx="0" cy="0"/>
+        </a:xfrm>
+      </p:grpSpPr>
+      <p:sp>
+        <p:nvSpPr>
+          <p:cNvPr id="206" name="Google Shape;206;g8cb5878148_0_405:notes"/>
+          <p:cNvSpPr txBox="1">
+            <a:spLocks noGrp="1"/>
+          </p:cNvSpPr>
+          <p:nvPr>
+            <p:ph type="body" idx="1"/>
+          </p:nvPr>
+        </p:nvSpPr>
+        <p:spPr>
+          <a:xfrm>
+            <a:off x="685800" y="4400550"/>
+            <a:ext cx="5486400" cy="3600600"/>
+          </a:xfrm>
+          <a:prstGeom prst="rect">
+            <a:avLst/>
+          </a:prstGeom>
+        </p:spPr>
+        <p:txBody>
+          <a:bodyPr spcFirstLastPara="1" wrap="square" lIns="91425" tIns="91425" rIns="91425" bIns="91425" anchor="t" anchorCtr="0">
+            <a:noAutofit/>
+          </a:bodyPr>
+          <a:lstStyle/>
+          <a:p>
+            <a:pPr marL="228600" lvl="0" indent="-228600" algn="l" rtl="0">
+              <a:spcBef>
+                <a:spcPts val="0"/>
+              </a:spcBef>
+              <a:spcAft>
+                <a:spcPts val="0"/>
+              </a:spcAft>
+              <a:buFont typeface="+mj-lt"/>
+              <a:buAutoNum type="arabicPeriod"/>
+            </a:pPr>
+            <a:r>
+              <a:rPr lang="en-US" dirty="0"/>
+              <a:t>All News Page</a:t>
+            </a:r>
+          </a:p>
+          <a:p>
+            <a:pPr marL="685800" lvl="1" indent="-228600" algn="l" rtl="0">
+              <a:spcBef>
+                <a:spcPts val="0"/>
+              </a:spcBef>
+              <a:spcAft>
+                <a:spcPts val="0"/>
+              </a:spcAft>
+              <a:buFont typeface="+mj-lt"/>
+              <a:buAutoNum type="arabicPeriod"/>
+            </a:pPr>
+            <a:r>
+              <a:rPr lang="en-US" dirty="0"/>
+              <a:t>This is the all news page. The idea here is that you search and filter news that is not affected by your watchlist or keyword list. </a:t>
+            </a:r>
+          </a:p>
+          <a:p>
+            <a:pPr marL="685800" lvl="1" indent="-228600" algn="l" rtl="0">
+              <a:spcBef>
+                <a:spcPts val="0"/>
+              </a:spcBef>
+              <a:spcAft>
+                <a:spcPts val="0"/>
+              </a:spcAft>
+              <a:buFont typeface="+mj-lt"/>
+              <a:buAutoNum type="arabicPeriod"/>
+            </a:pPr>
+            <a:r>
+              <a:rPr lang="en-US" dirty="0"/>
+              <a:t>You can filter by company, source, date range, and you can search by keyword or phrase </a:t>
+            </a:r>
+          </a:p>
+          <a:p>
+            <a:pPr marL="685800" lvl="1" indent="-228600" algn="l" rtl="0">
+              <a:spcBef>
+                <a:spcPts val="0"/>
+              </a:spcBef>
+              <a:spcAft>
+                <a:spcPts val="0"/>
+              </a:spcAft>
+              <a:buFont typeface="+mj-lt"/>
+              <a:buAutoNum type="arabicPeriod"/>
+            </a:pPr>
+            <a:r>
+              <a:rPr lang="en-US" dirty="0"/>
+              <a:t>There’s also an option to hide the descriptions and you can toggle between a list and grid view. </a:t>
+            </a:r>
+          </a:p>
+          <a:p>
+            <a:pPr marL="228600" lvl="0" indent="-228600" algn="l" rtl="0">
+              <a:spcBef>
+                <a:spcPts val="0"/>
+              </a:spcBef>
+              <a:spcAft>
+                <a:spcPts val="0"/>
+              </a:spcAft>
+              <a:buFont typeface="+mj-lt"/>
+              <a:buAutoNum type="arabicPeriod"/>
+            </a:pPr>
+            <a:r>
+              <a:rPr lang="en-US" dirty="0"/>
+              <a:t>Settings/my alerts page </a:t>
+            </a:r>
+          </a:p>
+          <a:p>
+            <a:pPr marL="685800" lvl="1" indent="-228600" algn="l" rtl="0">
+              <a:spcBef>
+                <a:spcPts val="0"/>
+              </a:spcBef>
+              <a:spcAft>
+                <a:spcPts val="0"/>
+              </a:spcAft>
+              <a:buFont typeface="+mj-lt"/>
+              <a:buAutoNum type="arabicPeriod"/>
+            </a:pPr>
+            <a:r>
+              <a:rPr lang="en-US" dirty="0"/>
+              <a:t>The settings page is where you can you set the company watchlist and keyword list.</a:t>
+            </a:r>
+          </a:p>
+          <a:p>
+            <a:pPr marL="685800" lvl="1" indent="-228600" algn="l" rtl="0">
+              <a:spcBef>
+                <a:spcPts val="0"/>
+              </a:spcBef>
+              <a:spcAft>
+                <a:spcPts val="0"/>
+              </a:spcAft>
+              <a:buFont typeface="+mj-lt"/>
+              <a:buAutoNum type="arabicPeriod"/>
+            </a:pPr>
+            <a:r>
+              <a:rPr lang="en-US" dirty="0"/>
+              <a:t>Add </a:t>
+            </a:r>
+            <a:r>
+              <a:rPr lang="en-US" dirty="0" err="1"/>
+              <a:t>Neuralink</a:t>
+            </a:r>
+            <a:r>
+              <a:rPr lang="en-US" dirty="0"/>
+              <a:t>, no keywords. Demonstrate when there are multiple articles. </a:t>
+            </a:r>
+          </a:p>
+          <a:p>
+            <a:pPr marL="685800" lvl="1" indent="-228600" algn="l" rtl="0">
+              <a:spcBef>
+                <a:spcPts val="0"/>
+              </a:spcBef>
+              <a:spcAft>
+                <a:spcPts val="0"/>
+              </a:spcAft>
+              <a:buFont typeface="+mj-lt"/>
+              <a:buAutoNum type="arabicPeriod"/>
+            </a:pPr>
+            <a:r>
+              <a:rPr lang="en-US" dirty="0"/>
+              <a:t>Click one of the links ‘China plans standardized brain-computer tech similar to Elon Musk’s </a:t>
+            </a:r>
+            <a:r>
+              <a:rPr lang="en-US" dirty="0" err="1"/>
+              <a:t>Neuralink</a:t>
+            </a:r>
+            <a:r>
+              <a:rPr lang="en-US" dirty="0"/>
+              <a:t>’ </a:t>
+            </a:r>
+          </a:p>
+          <a:p>
+            <a:pPr marL="685800" lvl="1" indent="-228600" algn="l" rtl="0">
+              <a:spcBef>
+                <a:spcPts val="0"/>
+              </a:spcBef>
+              <a:spcAft>
+                <a:spcPts val="0"/>
+              </a:spcAft>
+              <a:buFont typeface="+mj-lt"/>
+              <a:buAutoNum type="arabicPeriod"/>
+            </a:pPr>
+            <a:r>
+              <a:rPr lang="en-US" dirty="0"/>
+              <a:t>Demonstrate the alerts when there are multiple articles vs one (use July 4</a:t>
+            </a:r>
+            <a:r>
+              <a:rPr lang="en-US" baseline="30000" dirty="0"/>
+              <a:t>th</a:t>
+            </a:r>
+            <a:r>
+              <a:rPr lang="en-US" dirty="0"/>
+              <a:t> for one)  </a:t>
+            </a:r>
+          </a:p>
+          <a:p>
+            <a:pPr marL="685800" lvl="1" indent="-228600" algn="l" rtl="0">
+              <a:spcBef>
+                <a:spcPts val="0"/>
+              </a:spcBef>
+              <a:spcAft>
+                <a:spcPts val="0"/>
+              </a:spcAft>
+              <a:buFont typeface="+mj-lt"/>
+              <a:buAutoNum type="arabicPeriod"/>
+            </a:pPr>
+            <a:r>
+              <a:rPr lang="en-US" dirty="0"/>
+              <a:t>Demonstrate with keywords. Use ‘China’. Date range 6/14 – 7/05</a:t>
+            </a:r>
+          </a:p>
+          <a:p>
+            <a:pPr marL="685800" lvl="1" indent="-228600" algn="l" rtl="0">
+              <a:spcBef>
+                <a:spcPts val="0"/>
+              </a:spcBef>
+              <a:spcAft>
+                <a:spcPts val="0"/>
+              </a:spcAft>
+              <a:buFont typeface="+mj-lt"/>
+              <a:buAutoNum type="arabicPeriod"/>
+            </a:pPr>
+            <a:r>
+              <a:rPr lang="en-US" dirty="0"/>
+              <a:t>Demonstrate with multiple keywords. Use ‘Gaming’ and ‘Gamer’ </a:t>
+            </a:r>
+          </a:p>
+          <a:p>
+            <a:pPr marL="685800" lvl="1" indent="-228600" algn="l" rtl="0">
+              <a:spcBef>
+                <a:spcPts val="0"/>
+              </a:spcBef>
+              <a:spcAft>
+                <a:spcPts val="0"/>
+              </a:spcAft>
+              <a:buFont typeface="+mj-lt"/>
+              <a:buAutoNum type="arabicPeriod"/>
+            </a:pPr>
+            <a:r>
+              <a:rPr lang="en-US" dirty="0"/>
+              <a:t>Add Microsoft, Figma, </a:t>
+            </a:r>
+            <a:r>
+              <a:rPr lang="en-US" dirty="0" err="1"/>
+              <a:t>Robhinhood</a:t>
+            </a:r>
+            <a:r>
+              <a:rPr lang="en-US" dirty="0"/>
+              <a:t>, and Anthropic  </a:t>
+            </a:r>
+          </a:p>
+          <a:p>
+            <a:pPr marL="685800" lvl="1" indent="-228600" algn="l" rtl="0">
+              <a:spcBef>
+                <a:spcPts val="0"/>
+              </a:spcBef>
+              <a:spcAft>
+                <a:spcPts val="0"/>
+              </a:spcAft>
+              <a:buFont typeface="+mj-lt"/>
+              <a:buAutoNum type="arabicPeriod"/>
+            </a:pPr>
+            <a:r>
+              <a:rPr lang="en-US" dirty="0"/>
+              <a:t>Show filter: filter only Microsoft</a:t>
+            </a:r>
+          </a:p>
+          <a:p>
+            <a:pPr marL="685800" lvl="1" indent="-228600" algn="l" rtl="0">
+              <a:spcBef>
+                <a:spcPts val="0"/>
+              </a:spcBef>
+              <a:spcAft>
+                <a:spcPts val="0"/>
+              </a:spcAft>
+              <a:buFont typeface="+mj-lt"/>
+              <a:buAutoNum type="arabicPeriod"/>
+            </a:pPr>
+            <a:r>
+              <a:rPr lang="en-US" dirty="0"/>
+              <a:t>Show duplicates (Microsoft pushes OneDrive, Microsoft Surface Pro, Bundling teams and office, Skeleton Key) </a:t>
+            </a:r>
+          </a:p>
+          <a:p>
+            <a:pPr marL="685800" lvl="1" indent="-228600" algn="l" rtl="0">
+              <a:spcBef>
+                <a:spcPts val="0"/>
+              </a:spcBef>
+              <a:spcAft>
+                <a:spcPts val="0"/>
+              </a:spcAft>
+              <a:buFont typeface="+mj-lt"/>
+              <a:buAutoNum type="arabicPeriod"/>
+            </a:pPr>
+            <a:r>
+              <a:rPr lang="en-US" dirty="0"/>
+              <a:t>List and Grid view, show/hide descriptions</a:t>
+            </a:r>
+          </a:p>
+          <a:p>
+            <a:pPr marL="228600" lvl="0" indent="-228600" algn="l" rtl="0">
+              <a:spcBef>
+                <a:spcPts val="0"/>
+              </a:spcBef>
+              <a:spcAft>
+                <a:spcPts val="0"/>
+              </a:spcAft>
+              <a:buFont typeface="+mj-lt"/>
+              <a:buAutoNum type="arabicPeriod"/>
+            </a:pPr>
+            <a:r>
+              <a:rPr lang="en-US" dirty="0"/>
+              <a:t>Edge cases </a:t>
+            </a:r>
+          </a:p>
+          <a:p>
+            <a:pPr marL="685800" lvl="1" indent="-228600" algn="l" rtl="0">
+              <a:spcBef>
+                <a:spcPts val="0"/>
+              </a:spcBef>
+              <a:spcAft>
+                <a:spcPts val="0"/>
+              </a:spcAft>
+              <a:buFont typeface="+mj-lt"/>
+              <a:buAutoNum type="arabicPeriod"/>
+            </a:pPr>
+            <a:r>
+              <a:rPr lang="en-US" dirty="0"/>
+              <a:t>Show trying same fetch twice. </a:t>
+            </a:r>
+          </a:p>
+          <a:p>
+            <a:pPr marL="685800" lvl="1" indent="-228600" algn="l" rtl="0">
+              <a:spcBef>
+                <a:spcPts val="0"/>
+              </a:spcBef>
+              <a:spcAft>
+                <a:spcPts val="0"/>
+              </a:spcAft>
+              <a:buFont typeface="+mj-lt"/>
+              <a:buAutoNum type="arabicPeriod"/>
+            </a:pPr>
+            <a:r>
+              <a:rPr lang="en-US" dirty="0"/>
+              <a:t>Show if you fetch dates in a previously fetched date </a:t>
+            </a:r>
+          </a:p>
+          <a:p>
+            <a:pPr marL="685800" lvl="1" indent="-228600" algn="l" rtl="0">
+              <a:spcBef>
+                <a:spcPts val="0"/>
+              </a:spcBef>
+              <a:spcAft>
+                <a:spcPts val="0"/>
+              </a:spcAft>
+              <a:buFont typeface="+mj-lt"/>
+              <a:buAutoNum type="arabicPeriod"/>
+            </a:pPr>
+            <a:r>
+              <a:rPr lang="en-US" dirty="0"/>
+              <a:t>Show fetching from a date where there’s no news </a:t>
+            </a:r>
+          </a:p>
+          <a:p>
+            <a:pPr marL="685800" lvl="1" indent="-228600" algn="l" rtl="0">
+              <a:spcBef>
+                <a:spcPts val="0"/>
+              </a:spcBef>
+              <a:spcAft>
+                <a:spcPts val="0"/>
+              </a:spcAft>
+              <a:buFont typeface="+mj-lt"/>
+              <a:buAutoNum type="arabicPeriod"/>
+            </a:pPr>
+            <a:r>
+              <a:rPr lang="en-US" dirty="0"/>
+              <a:t>Show trying to add a company that’s already on the watchlist </a:t>
+            </a:r>
+          </a:p>
+          <a:p>
+            <a:pPr marL="685800" lvl="1" indent="-228600" algn="l" rtl="0">
+              <a:spcBef>
+                <a:spcPts val="0"/>
+              </a:spcBef>
+              <a:spcAft>
+                <a:spcPts val="0"/>
+              </a:spcAft>
+              <a:buFont typeface="+mj-lt"/>
+              <a:buAutoNum type="arabicPeriod"/>
+            </a:pPr>
+            <a:endParaRPr lang="en-US" dirty="0"/>
+          </a:p>
+          <a:p>
+            <a:pPr marL="685800" lvl="1" indent="-228600" algn="l" rtl="0">
+              <a:spcBef>
+                <a:spcPts val="0"/>
+              </a:spcBef>
+              <a:spcAft>
+                <a:spcPts val="0"/>
+              </a:spcAft>
+              <a:buFont typeface="+mj-lt"/>
+              <a:buAutoNum type="arabicPeriod"/>
+            </a:pPr>
+            <a:endParaRPr lang="en-US" dirty="0"/>
+          </a:p>
+          <a:p>
+            <a:pPr marL="685800" lvl="1" indent="-228600" algn="l" rtl="0">
+              <a:spcBef>
+                <a:spcPts val="0"/>
+              </a:spcBef>
+              <a:spcAft>
+                <a:spcPts val="0"/>
+              </a:spcAft>
+              <a:buFont typeface="+mj-lt"/>
+              <a:buAutoNum type="arabicPeriod"/>
+            </a:pPr>
+            <a:endParaRPr lang="en-US" dirty="0"/>
+          </a:p>
+          <a:p>
+            <a:pPr marL="685800" lvl="1" indent="-228600" algn="l" rtl="0">
+              <a:spcBef>
+                <a:spcPts val="0"/>
+              </a:spcBef>
+              <a:spcAft>
+                <a:spcPts val="0"/>
+              </a:spcAft>
+              <a:buFont typeface="+mj-lt"/>
+              <a:buAutoNum type="arabicPeriod"/>
+            </a:pPr>
+            <a:endParaRPr lang="en-US" dirty="0"/>
+          </a:p>
+          <a:p>
+            <a:pPr marL="685800" lvl="1" indent="-228600" algn="l" rtl="0">
+              <a:spcBef>
+                <a:spcPts val="0"/>
+              </a:spcBef>
+              <a:spcAft>
+                <a:spcPts val="0"/>
+              </a:spcAft>
+              <a:buFont typeface="+mj-lt"/>
+              <a:buAutoNum type="arabicPeriod"/>
+            </a:pPr>
+            <a:endParaRPr lang="en-US" dirty="0"/>
+          </a:p>
+        </p:txBody>
+      </p:sp>
+      <p:sp>
+        <p:nvSpPr>
+          <p:cNvPr id="207" name="Google Shape;207;g8cb5878148_0_405:notes"/>
+          <p:cNvSpPr>
+            <a:spLocks noGrp="1" noRot="1" noChangeAspect="1"/>
+          </p:cNvSpPr>
+          <p:nvPr>
+            <p:ph type="sldImg" idx="2"/>
+          </p:nvPr>
+        </p:nvSpPr>
+        <p:spPr>
+          <a:xfrm>
+            <a:off x="685800" y="1143000"/>
+            <a:ext cx="5486400" cy="3086100"/>
+          </a:xfrm>
+          <a:custGeom>
+            <a:avLst/>
+            <a:gdLst/>
+            <a:ahLst/>
+            <a:cxnLst/>
+            <a:rect l="l" t="t" r="r" b="b"/>
+            <a:pathLst>
+              <a:path w="120000" h="120000" extrusionOk="0">
+                <a:moveTo>
+                  <a:pt x="0" y="0"/>
+                </a:moveTo>
+                <a:lnTo>
+                  <a:pt x="120000" y="0"/>
+                </a:lnTo>
+                <a:lnTo>
+                  <a:pt x="120000" y="120000"/>
+                </a:lnTo>
+                <a:lnTo>
+                  <a:pt x="0" y="120000"/>
+                </a:lnTo>
+                <a:close/>
+              </a:path>
+            </a:pathLst>
+          </a:custGeom>
+        </p:spPr>
+      </p:sp>
+    </p:spTree>
+    <p:extLst>
+      <p:ext uri="{BB962C8B-B14F-4D97-AF65-F5344CB8AC3E}">
+        <p14:creationId xmlns:p14="http://schemas.microsoft.com/office/powerpoint/2010/main" val="392023078"/>
+      </p:ext>
+    </p:extLst>
+  </p:cSld>
+  <p:clrMapOvr>
+    <a:masterClrMapping/>
+  </p:clrMapOvr>
+</p:notes>
+</file>
+
+<file path=ppt/notesSlides/notesSlide11.xml><?xml version="1.0" encoding="utf-8"?>
+<p:notes xmlns:a="http://schemas.openxmlformats.org/drawingml/2006/main" xmlns:r="http://schemas.openxmlformats.org/officeDocument/2006/relationships" xmlns:p="http://schemas.openxmlformats.org/presentationml/2006/main">
+  <p:cSld>
+    <p:spTree>
+      <p:nvGrpSpPr>
+        <p:cNvPr id="1" name=""/>
+        <p:cNvGrpSpPr/>
+        <p:nvPr/>
+      </p:nvGrpSpPr>
+      <p:grpSpPr>
+        <a:xfrm>
+          <a:off x="0" y="0"/>
+          <a:ext cx="0" cy="0"/>
+          <a:chOff x="0" y="0"/>
+          <a:chExt cx="0" cy="0"/>
+        </a:xfrm>
+      </p:grpSpPr>
+      <p:sp>
+        <p:nvSpPr>
+          <p:cNvPr id="2" name="Slide Image Placeholder 1"/>
+          <p:cNvSpPr>
+            <a:spLocks noGrp="1" noRot="1" noChangeAspect="1"/>
+          </p:cNvSpPr>
+          <p:nvPr>
+            <p:ph type="sldImg"/>
+          </p:nvPr>
+        </p:nvSpPr>
+        <p:spPr>
+          <a:xfrm>
+            <a:off x="381000" y="685800"/>
+            <a:ext cx="6096000" cy="3429000"/>
+          </a:xfrm>
+        </p:spPr>
+      </p:sp>
+      <p:sp>
+        <p:nvSpPr>
+          <p:cNvPr id="3" name="Notes Placeholder 2"/>
+          <p:cNvSpPr>
+            <a:spLocks noGrp="1"/>
+          </p:cNvSpPr>
+          <p:nvPr>
+            <p:ph type="body" idx="1"/>
+          </p:nvPr>
+        </p:nvSpPr>
+        <p:spPr/>
+        <p:txBody>
+          <a:bodyPr/>
+          <a:lstStyle/>
+          <a:p>
+            <a:endParaRPr lang="en-US" dirty="0"/>
+          </a:p>
+        </p:txBody>
+      </p:sp>
+    </p:spTree>
+    <p:extLst>
+      <p:ext uri="{BB962C8B-B14F-4D97-AF65-F5344CB8AC3E}">
+        <p14:creationId xmlns:p14="http://schemas.microsoft.com/office/powerpoint/2010/main" val="1211224377"/>
+      </p:ext>
+    </p:extLst>
+  </p:cSld>
+  <p:clrMapOvr>
+    <a:masterClrMapping/>
+  </p:clrMapOvr>
+</p:notes>
+</file>
+
+<file path=ppt/notesSlides/notesSlide12.xml><?xml version="1.0" encoding="utf-8"?>
+<p:notes xmlns:a="http://schemas.openxmlformats.org/drawingml/2006/main" xmlns:r="http://schemas.openxmlformats.org/officeDocument/2006/relationships" xmlns:p="http://schemas.openxmlformats.org/presentationml/2006/main">
+  <p:cSld>
+    <p:spTree>
+      <p:nvGrpSpPr>
+        <p:cNvPr id="1" name=""/>
+        <p:cNvGrpSpPr/>
+        <p:nvPr/>
+      </p:nvGrpSpPr>
+      <p:grpSpPr>
+        <a:xfrm>
+          <a:off x="0" y="0"/>
+          <a:ext cx="0" cy="0"/>
+          <a:chOff x="0" y="0"/>
+          <a:chExt cx="0" cy="0"/>
+        </a:xfrm>
+      </p:grpSpPr>
+      <p:sp>
+        <p:nvSpPr>
+          <p:cNvPr id="2" name="Slide Image Placeholder 1"/>
+          <p:cNvSpPr>
+            <a:spLocks noGrp="1" noRot="1" noChangeAspect="1"/>
+          </p:cNvSpPr>
+          <p:nvPr>
+            <p:ph type="sldImg"/>
+          </p:nvPr>
+        </p:nvSpPr>
+        <p:spPr>
+          <a:xfrm>
+            <a:off x="381000" y="685800"/>
+            <a:ext cx="6096000" cy="3429000"/>
+          </a:xfrm>
+        </p:spPr>
+      </p:sp>
+      <p:sp>
+        <p:nvSpPr>
+          <p:cNvPr id="3" name="Notes Placeholder 2"/>
+          <p:cNvSpPr>
+            <a:spLocks noGrp="1"/>
+          </p:cNvSpPr>
+          <p:nvPr>
+            <p:ph type="body" idx="1"/>
+          </p:nvPr>
+        </p:nvSpPr>
+        <p:spPr/>
+        <p:txBody>
+          <a:bodyPr/>
+          <a:lstStyle/>
+          <a:p>
+            <a:pPr marL="158750" indent="0">
+              <a:buNone/>
+            </a:pPr>
+            <a:endParaRPr lang="en-US" dirty="0"/>
+          </a:p>
+        </p:txBody>
+      </p:sp>
+    </p:spTree>
+    <p:extLst>
+      <p:ext uri="{BB962C8B-B14F-4D97-AF65-F5344CB8AC3E}">
+        <p14:creationId xmlns:p14="http://schemas.microsoft.com/office/powerpoint/2010/main" val="4062584386"/>
+      </p:ext>
+    </p:extLst>
+  </p:cSld>
+  <p:clrMapOvr>
+    <a:masterClrMapping/>
+  </p:clrMapOvr>
+</p:notes>
+</file>
+
+<file path=ppt/notesSlides/notesSlide13.xml><?xml version="1.0" encoding="utf-8"?>
+<p:notes xmlns:a="http://schemas.openxmlformats.org/drawingml/2006/main" xmlns:r="http://schemas.openxmlformats.org/officeDocument/2006/relationships" xmlns:p="http://schemas.openxmlformats.org/presentationml/2006/main" showMasterSp="0" showMasterPhAnim="0">
+  <p:cSld>
+    <p:spTree>
+      <p:nvGrpSpPr>
+        <p:cNvPr id="1" name="Shape 205"/>
+        <p:cNvGrpSpPr/>
+        <p:nvPr/>
+      </p:nvGrpSpPr>
+      <p:grpSpPr>
+        <a:xfrm>
+          <a:off x="0" y="0"/>
+          <a:ext cx="0" cy="0"/>
+          <a:chOff x="0" y="0"/>
+          <a:chExt cx="0" cy="0"/>
+        </a:xfrm>
+      </p:grpSpPr>
+      <p:sp>
+        <p:nvSpPr>
+          <p:cNvPr id="206" name="Google Shape;206;g8cb5878148_0_405:notes"/>
+          <p:cNvSpPr txBox="1">
+            <a:spLocks noGrp="1"/>
+          </p:cNvSpPr>
+          <p:nvPr>
+            <p:ph type="body" idx="1"/>
+          </p:nvPr>
+        </p:nvSpPr>
+        <p:spPr>
+          <a:xfrm>
+            <a:off x="685800" y="4400550"/>
+            <a:ext cx="5486400" cy="3600600"/>
+          </a:xfrm>
+          <a:prstGeom prst="rect">
+            <a:avLst/>
+          </a:prstGeom>
+        </p:spPr>
+        <p:txBody>
+          <a:bodyPr spcFirstLastPara="1" wrap="square" lIns="91425" tIns="91425" rIns="91425" bIns="91425" anchor="t" anchorCtr="0">
+            <a:noAutofit/>
+          </a:bodyPr>
+          <a:lstStyle/>
+          <a:p>
+            <a:pPr marL="0" lvl="0" indent="0" algn="l" rtl="0">
+              <a:spcBef>
+                <a:spcPts val="0"/>
+              </a:spcBef>
+              <a:spcAft>
+                <a:spcPts val="0"/>
+              </a:spcAft>
+              <a:buNone/>
+            </a:pPr>
+            <a:r>
+              <a:rPr lang="en-US" dirty="0"/>
+              <a:t>Feedback: </a:t>
+            </a:r>
+          </a:p>
+          <a:p>
+            <a:pPr marL="171450" lvl="0" indent="-171450" algn="l" rtl="0">
+              <a:spcBef>
+                <a:spcPts val="0"/>
+              </a:spcBef>
+              <a:spcAft>
+                <a:spcPts val="0"/>
+              </a:spcAft>
+            </a:pPr>
+            <a:r>
+              <a:rPr lang="en-US" dirty="0"/>
+              <a:t>Refer to our team as GCB Tech - Data Science</a:t>
+            </a:r>
+          </a:p>
+          <a:p>
+            <a:pPr marL="171450" lvl="0" indent="-171450" algn="l" rtl="0">
+              <a:spcBef>
+                <a:spcPts val="0"/>
+              </a:spcBef>
+              <a:spcAft>
+                <a:spcPts val="0"/>
+              </a:spcAft>
+            </a:pPr>
+            <a:r>
+              <a:rPr lang="en-US" dirty="0"/>
+              <a:t> Main users </a:t>
+            </a:r>
+          </a:p>
+          <a:p>
+            <a:pPr marL="628650" lvl="1" indent="-171450" algn="l" rtl="0">
+              <a:spcBef>
+                <a:spcPts val="0"/>
+              </a:spcBef>
+              <a:spcAft>
+                <a:spcPts val="0"/>
+              </a:spcAft>
+            </a:pPr>
+            <a:r>
+              <a:rPr lang="en-US" dirty="0"/>
+              <a:t>GCB and BB Bankers. </a:t>
+            </a:r>
+          </a:p>
+          <a:p>
+            <a:pPr marL="1085850" lvl="2" indent="-171450" algn="l" rtl="0">
+              <a:spcBef>
+                <a:spcPts val="0"/>
+              </a:spcBef>
+              <a:spcAft>
+                <a:spcPts val="0"/>
+              </a:spcAft>
+            </a:pPr>
+            <a:r>
+              <a:rPr lang="en-US" dirty="0"/>
+              <a:t>Global commercial banking </a:t>
+            </a:r>
+          </a:p>
+          <a:p>
+            <a:pPr marL="1085850" lvl="2" indent="-171450" algn="l" rtl="0">
+              <a:spcBef>
+                <a:spcPts val="0"/>
+              </a:spcBef>
+              <a:spcAft>
+                <a:spcPts val="0"/>
+              </a:spcAft>
+            </a:pPr>
+            <a:r>
+              <a:rPr lang="en-US" dirty="0"/>
+              <a:t>Business banking </a:t>
+            </a:r>
+          </a:p>
+          <a:p>
+            <a:pPr marL="1085850" lvl="2" indent="-171450" algn="l" rtl="0">
+              <a:spcBef>
+                <a:spcPts val="0"/>
+              </a:spcBef>
+              <a:spcAft>
+                <a:spcPts val="0"/>
+              </a:spcAft>
+            </a:pPr>
+            <a:r>
+              <a:rPr lang="en-US" dirty="0"/>
+              <a:t>This took is for bankers </a:t>
+            </a:r>
+          </a:p>
+          <a:p>
+            <a:pPr marL="628650" lvl="1" indent="-171450" algn="l" rtl="0">
+              <a:spcBef>
+                <a:spcPts val="0"/>
+              </a:spcBef>
+              <a:spcAft>
+                <a:spcPts val="0"/>
+              </a:spcAft>
+            </a:pPr>
+            <a:r>
+              <a:rPr lang="en-US" dirty="0"/>
+              <a:t>Our bankers need to </a:t>
+            </a:r>
+            <a:r>
+              <a:rPr lang="en-US" dirty="0" err="1"/>
+              <a:t>sta</a:t>
+            </a:r>
+            <a:endParaRPr lang="en-US" dirty="0"/>
+          </a:p>
+          <a:p>
+            <a:pPr marL="628650" lvl="1" indent="-171450" algn="l" rtl="0">
+              <a:spcBef>
+                <a:spcPts val="0"/>
+              </a:spcBef>
+              <a:spcAft>
+                <a:spcPts val="0"/>
+              </a:spcAft>
+            </a:pPr>
+            <a:r>
+              <a:rPr lang="en-US" dirty="0"/>
+              <a:t>The biggest challenge is that bankers need to be proactive on their own to search for news. </a:t>
+            </a:r>
+            <a:r>
+              <a:rPr lang="en-US" dirty="0" err="1"/>
+              <a:t>Theres</a:t>
+            </a:r>
+            <a:r>
+              <a:rPr lang="en-US" dirty="0"/>
+              <a:t> nothing that’s giving them content. They have to gout and seek that news for themselves </a:t>
+            </a:r>
+          </a:p>
+          <a:p>
+            <a:pPr marL="628650" lvl="1" indent="-171450" algn="l" rtl="0">
+              <a:spcBef>
+                <a:spcPts val="0"/>
+              </a:spcBef>
+              <a:spcAft>
+                <a:spcPts val="0"/>
+              </a:spcAft>
+            </a:pPr>
+            <a:r>
+              <a:rPr lang="en-US" dirty="0"/>
+              <a:t>Try to word in there the fact that information needs to be looked for instead of automatically received.</a:t>
+            </a:r>
+          </a:p>
+          <a:p>
+            <a:pPr marL="628650" lvl="1" indent="-171450" algn="l" rtl="0">
+              <a:spcBef>
+                <a:spcPts val="0"/>
+              </a:spcBef>
+              <a:spcAft>
+                <a:spcPts val="0"/>
+              </a:spcAft>
+            </a:pPr>
+            <a:r>
+              <a:rPr lang="en-US" dirty="0"/>
+              <a:t>Outcomes </a:t>
+            </a:r>
+          </a:p>
+          <a:p>
+            <a:pPr marL="1085850" lvl="2" indent="-171450" algn="l" rtl="0">
+              <a:spcBef>
+                <a:spcPts val="0"/>
+              </a:spcBef>
+              <a:spcAft>
+                <a:spcPts val="0"/>
+              </a:spcAft>
+            </a:pPr>
+            <a:r>
+              <a:rPr lang="en-US" dirty="0"/>
+              <a:t>Increased efficiency in monitoring covered </a:t>
+            </a:r>
+            <a:r>
+              <a:rPr lang="en-US" dirty="0" err="1"/>
+              <a:t>ccompaneis</a:t>
+            </a:r>
+            <a:r>
+              <a:rPr lang="en-US" dirty="0"/>
+              <a:t> </a:t>
+            </a:r>
+          </a:p>
+          <a:p>
+            <a:pPr marL="1085850" lvl="2" indent="-171450" algn="l" rtl="0">
+              <a:spcBef>
+                <a:spcPts val="0"/>
+              </a:spcBef>
+              <a:spcAft>
+                <a:spcPts val="0"/>
+              </a:spcAft>
+            </a:pPr>
+            <a:r>
+              <a:rPr lang="en-US" dirty="0"/>
+              <a:t>Replace last bullet with Improved advisory for clients </a:t>
+            </a:r>
+          </a:p>
+          <a:p>
+            <a:pPr marL="171450" lvl="0" indent="-171450" algn="l" rtl="0">
+              <a:spcBef>
+                <a:spcPts val="0"/>
+              </a:spcBef>
+              <a:spcAft>
+                <a:spcPts val="0"/>
+              </a:spcAft>
+            </a:pPr>
+            <a:r>
+              <a:rPr lang="en-US" dirty="0"/>
+              <a:t>Solution </a:t>
+            </a:r>
+          </a:p>
+          <a:p>
+            <a:pPr marL="628650" lvl="1" indent="-171450" algn="l" rtl="0">
+              <a:spcBef>
+                <a:spcPts val="0"/>
+              </a:spcBef>
+              <a:spcAft>
+                <a:spcPts val="0"/>
+              </a:spcAft>
+            </a:pPr>
+            <a:r>
+              <a:rPr lang="en-US" dirty="0"/>
+              <a:t>Don’t spend so much time talking through the specific features. </a:t>
+            </a:r>
+          </a:p>
+          <a:p>
+            <a:pPr marL="628650" lvl="1" indent="-171450" algn="l" rtl="0">
+              <a:spcBef>
+                <a:spcPts val="0"/>
+              </a:spcBef>
+              <a:spcAft>
+                <a:spcPts val="0"/>
+              </a:spcAft>
+            </a:pPr>
+            <a:r>
+              <a:rPr lang="en-US" dirty="0"/>
+              <a:t>Have a one pager on what the solution is </a:t>
+            </a:r>
+          </a:p>
+          <a:p>
+            <a:pPr marL="628650" lvl="1" indent="-171450" algn="l" rtl="0">
+              <a:spcBef>
+                <a:spcPts val="0"/>
+              </a:spcBef>
+              <a:spcAft>
+                <a:spcPts val="0"/>
+              </a:spcAft>
+            </a:pPr>
+            <a:r>
+              <a:rPr lang="en-US" dirty="0"/>
+              <a:t>Give a one liner. </a:t>
+            </a:r>
+          </a:p>
+          <a:p>
+            <a:pPr marL="1085850" lvl="2" indent="-171450" algn="l" rtl="0">
+              <a:spcBef>
+                <a:spcPts val="0"/>
+              </a:spcBef>
+              <a:spcAft>
+                <a:spcPts val="0"/>
+              </a:spcAft>
+            </a:pPr>
+            <a:r>
+              <a:rPr lang="en-US" dirty="0"/>
+              <a:t>A settings for preferences</a:t>
+            </a:r>
+          </a:p>
+          <a:p>
+            <a:pPr marL="1085850" lvl="2" indent="-171450" algn="l" rtl="0">
+              <a:spcBef>
+                <a:spcPts val="0"/>
+              </a:spcBef>
+              <a:spcAft>
+                <a:spcPts val="0"/>
+              </a:spcAft>
+            </a:pPr>
+            <a:r>
+              <a:rPr lang="en-US" dirty="0"/>
+              <a:t>Easy access to a alerts via a UI and from push notification</a:t>
+            </a:r>
+          </a:p>
+          <a:p>
+            <a:pPr marL="1085850" lvl="2" indent="-171450" algn="l" rtl="0">
+              <a:spcBef>
+                <a:spcPts val="0"/>
+              </a:spcBef>
+              <a:spcAft>
+                <a:spcPts val="0"/>
+              </a:spcAft>
+            </a:pPr>
+            <a:r>
+              <a:rPr lang="en-US" dirty="0"/>
+              <a:t>Talk about the all news page in the demo </a:t>
+            </a:r>
+          </a:p>
+          <a:p>
+            <a:pPr marL="628650" lvl="1" indent="-171450" algn="l" rtl="0">
+              <a:spcBef>
+                <a:spcPts val="0"/>
+              </a:spcBef>
+              <a:spcAft>
+                <a:spcPts val="0"/>
+              </a:spcAft>
+            </a:pPr>
+            <a:r>
+              <a:rPr lang="en-US" dirty="0"/>
+              <a:t>Keep everything high level in the deck </a:t>
+            </a:r>
+          </a:p>
+          <a:p>
+            <a:pPr marL="171450" lvl="0" indent="-171450" algn="l" rtl="0">
+              <a:spcBef>
+                <a:spcPts val="0"/>
+              </a:spcBef>
+              <a:spcAft>
+                <a:spcPts val="0"/>
+              </a:spcAft>
+            </a:pPr>
+            <a:r>
+              <a:rPr lang="en-US" dirty="0"/>
+              <a:t>Implementation </a:t>
+            </a:r>
+          </a:p>
+          <a:p>
+            <a:pPr marL="628650" lvl="1" indent="-171450" algn="l" rtl="0">
+              <a:spcBef>
+                <a:spcPts val="0"/>
+              </a:spcBef>
+              <a:spcAft>
+                <a:spcPts val="0"/>
+              </a:spcAft>
+            </a:pPr>
+            <a:r>
+              <a:rPr lang="en-US" dirty="0"/>
+              <a:t>Data should come first </a:t>
+            </a:r>
+          </a:p>
+          <a:p>
+            <a:pPr marL="628650" lvl="1" indent="-171450" algn="l" rtl="0">
+              <a:spcBef>
+                <a:spcPts val="0"/>
+              </a:spcBef>
+              <a:spcAft>
+                <a:spcPts val="0"/>
+              </a:spcAft>
+            </a:pPr>
+            <a:r>
+              <a:rPr lang="en-US" dirty="0"/>
+              <a:t>The line of business is currently in conversation with Moody’s to sign a contract for their real time news feed API </a:t>
+            </a:r>
+          </a:p>
+          <a:p>
+            <a:pPr marL="171450" lvl="0" indent="-171450" algn="l" rtl="0">
+              <a:spcBef>
+                <a:spcPts val="0"/>
+              </a:spcBef>
+              <a:spcAft>
+                <a:spcPts val="0"/>
+              </a:spcAft>
+            </a:pPr>
+            <a:r>
+              <a:rPr lang="en-US" dirty="0"/>
+              <a:t>Tech stack </a:t>
+            </a:r>
+          </a:p>
+          <a:p>
+            <a:pPr marL="628650" lvl="1" indent="-171450" algn="l" rtl="0">
+              <a:spcBef>
+                <a:spcPts val="0"/>
+              </a:spcBef>
+              <a:spcAft>
+                <a:spcPts val="0"/>
+              </a:spcAft>
+            </a:pPr>
+            <a:r>
+              <a:rPr lang="en-US" dirty="0"/>
+              <a:t>Make an architecture diagram </a:t>
+            </a:r>
+          </a:p>
+          <a:p>
+            <a:pPr marL="628650" lvl="1" indent="-171450" algn="l" rtl="0">
+              <a:spcBef>
+                <a:spcPts val="0"/>
+              </a:spcBef>
+              <a:spcAft>
+                <a:spcPts val="0"/>
+              </a:spcAft>
+            </a:pPr>
+            <a:r>
+              <a:rPr lang="en-US" dirty="0"/>
+              <a:t>Have a user &amp; computer that points to the business logic that points to the database schema </a:t>
+            </a:r>
+          </a:p>
+          <a:p>
+            <a:pPr marL="171450" lvl="0" indent="-171450" algn="l" rtl="0">
+              <a:spcBef>
+                <a:spcPts val="0"/>
+              </a:spcBef>
+              <a:spcAft>
+                <a:spcPts val="0"/>
+              </a:spcAft>
+            </a:pPr>
+            <a:r>
+              <a:rPr lang="en-US" dirty="0"/>
+              <a:t>Database schema </a:t>
+            </a:r>
+          </a:p>
+          <a:p>
+            <a:pPr marL="628650" lvl="1" indent="-171450" algn="l" rtl="0">
+              <a:spcBef>
+                <a:spcPts val="0"/>
+              </a:spcBef>
+              <a:spcAft>
+                <a:spcPts val="0"/>
+              </a:spcAft>
+            </a:pPr>
+            <a:r>
+              <a:rPr lang="en-US" dirty="0"/>
+              <a:t>Move to the appendix </a:t>
+            </a:r>
+          </a:p>
+          <a:p>
+            <a:pPr marL="171450" lvl="0" indent="-171450" algn="l" rtl="0">
+              <a:spcBef>
+                <a:spcPts val="0"/>
+              </a:spcBef>
+              <a:spcAft>
+                <a:spcPts val="0"/>
+              </a:spcAft>
+            </a:pPr>
+            <a:r>
+              <a:rPr lang="en-US" dirty="0"/>
+              <a:t>Duplication </a:t>
+            </a:r>
+          </a:p>
+          <a:p>
+            <a:pPr marL="628650" lvl="1" indent="-171450" algn="l" rtl="0">
+              <a:spcBef>
+                <a:spcPts val="0"/>
+              </a:spcBef>
+              <a:spcAft>
+                <a:spcPts val="0"/>
+              </a:spcAft>
+            </a:pPr>
+            <a:r>
+              <a:rPr lang="en-US" dirty="0"/>
+              <a:t>Don’t spend too much time on this </a:t>
+            </a:r>
+          </a:p>
+          <a:p>
+            <a:pPr marL="628650" lvl="1" indent="-171450" algn="l" rtl="0">
+              <a:spcBef>
+                <a:spcPts val="0"/>
+              </a:spcBef>
+              <a:spcAft>
+                <a:spcPts val="0"/>
+              </a:spcAft>
+            </a:pPr>
+            <a:r>
+              <a:rPr lang="en-US" dirty="0"/>
+              <a:t>Remove the three examples on the left </a:t>
+            </a:r>
+          </a:p>
+          <a:p>
+            <a:pPr marL="171450" lvl="0" indent="-171450" algn="l" rtl="0">
+              <a:spcBef>
+                <a:spcPts val="0"/>
+              </a:spcBef>
+              <a:spcAft>
+                <a:spcPts val="0"/>
+              </a:spcAft>
+            </a:pPr>
+            <a:r>
+              <a:rPr lang="en-US" dirty="0"/>
+              <a:t>Demo </a:t>
+            </a:r>
+          </a:p>
+          <a:p>
+            <a:pPr marL="628650" lvl="1" indent="-171450" algn="l" rtl="0">
+              <a:spcBef>
+                <a:spcPts val="0"/>
+              </a:spcBef>
+              <a:spcAft>
+                <a:spcPts val="0"/>
+              </a:spcAft>
+            </a:pPr>
+            <a:r>
+              <a:rPr lang="en-US" dirty="0"/>
+              <a:t>Showcase the proactive alerts before showing the all news page </a:t>
+            </a:r>
+          </a:p>
+          <a:p>
+            <a:pPr marL="628650" lvl="1" indent="-171450" algn="l" rtl="0">
+              <a:spcBef>
+                <a:spcPts val="0"/>
+              </a:spcBef>
+              <a:spcAft>
+                <a:spcPts val="0"/>
+              </a:spcAft>
+            </a:pPr>
+            <a:r>
+              <a:rPr lang="en-US" dirty="0"/>
+              <a:t>Go right into the settings first. </a:t>
+            </a:r>
+          </a:p>
+          <a:p>
+            <a:pPr marL="628650" lvl="1" indent="-171450" algn="l" rtl="0">
+              <a:spcBef>
+                <a:spcPts val="0"/>
+              </a:spcBef>
+              <a:spcAft>
+                <a:spcPts val="0"/>
+              </a:spcAft>
+            </a:pPr>
+            <a:r>
+              <a:rPr lang="en-US" dirty="0"/>
+              <a:t>Do the first alert for just one article. Then show multiple alerts </a:t>
+            </a:r>
+          </a:p>
+          <a:p>
+            <a:pPr marL="171450" lvl="0" indent="-171450" algn="l" rtl="0">
+              <a:spcBef>
+                <a:spcPts val="0"/>
+              </a:spcBef>
+              <a:spcAft>
+                <a:spcPts val="0"/>
+              </a:spcAft>
+            </a:pPr>
+            <a:r>
+              <a:rPr lang="en-US" dirty="0"/>
+              <a:t>Takeaways and next steps </a:t>
+            </a:r>
+          </a:p>
+          <a:p>
+            <a:pPr marL="171450" lvl="0" indent="-171450" algn="l" rtl="0">
+              <a:spcBef>
+                <a:spcPts val="0"/>
+              </a:spcBef>
+              <a:spcAft>
+                <a:spcPts val="0"/>
+              </a:spcAft>
+            </a:pPr>
+            <a:r>
+              <a:rPr lang="en-US" dirty="0"/>
+              <a:t>Do top three next steps and top three takeaways</a:t>
+            </a:r>
+          </a:p>
+          <a:p>
+            <a:pPr marL="171450" lvl="0" indent="-171450" algn="l" rtl="0">
+              <a:spcBef>
+                <a:spcPts val="0"/>
+              </a:spcBef>
+              <a:spcAft>
+                <a:spcPts val="0"/>
+              </a:spcAft>
+            </a:pPr>
+            <a:r>
+              <a:rPr lang="en-US" dirty="0"/>
+              <a:t>There’s keyword shortcut for switching between shared screens on Webex </a:t>
+            </a:r>
+          </a:p>
+          <a:p>
+            <a:pPr marL="171450" lvl="0" indent="-171450" algn="l" rtl="0">
+              <a:spcBef>
+                <a:spcPts val="0"/>
+              </a:spcBef>
+              <a:spcAft>
+                <a:spcPts val="0"/>
+              </a:spcAft>
+            </a:pPr>
+            <a:endParaRPr lang="en-US" dirty="0"/>
+          </a:p>
+          <a:p>
+            <a:pPr marL="1085850" lvl="2" indent="-171450" algn="l" rtl="0">
+              <a:spcBef>
+                <a:spcPts val="0"/>
+              </a:spcBef>
+              <a:spcAft>
+                <a:spcPts val="0"/>
+              </a:spcAft>
+            </a:pPr>
+            <a:endParaRPr dirty="0"/>
+          </a:p>
+        </p:txBody>
+      </p:sp>
+      <p:sp>
+        <p:nvSpPr>
+          <p:cNvPr id="207" name="Google Shape;207;g8cb5878148_0_405:notes"/>
+          <p:cNvSpPr>
+            <a:spLocks noGrp="1" noRot="1" noChangeAspect="1"/>
+          </p:cNvSpPr>
+          <p:nvPr>
+            <p:ph type="sldImg" idx="2"/>
+          </p:nvPr>
+        </p:nvSpPr>
+        <p:spPr>
+          <a:xfrm>
+            <a:off x="685800" y="1143000"/>
+            <a:ext cx="5486400" cy="3086100"/>
+          </a:xfrm>
+          <a:custGeom>
+            <a:avLst/>
+            <a:gdLst/>
+            <a:ahLst/>
+            <a:cxnLst/>
+            <a:rect l="l" t="t" r="r" b="b"/>
+            <a:pathLst>
+              <a:path w="120000" h="120000" extrusionOk="0">
+                <a:moveTo>
+                  <a:pt x="0" y="0"/>
+                </a:moveTo>
+                <a:lnTo>
+                  <a:pt x="120000" y="0"/>
+                </a:lnTo>
+                <a:lnTo>
+                  <a:pt x="120000" y="120000"/>
+                </a:lnTo>
+                <a:lnTo>
+                  <a:pt x="0" y="120000"/>
+                </a:lnTo>
+                <a:close/>
+              </a:path>
+            </a:pathLst>
+          </a:custGeom>
+        </p:spPr>
+      </p:sp>
+    </p:spTree>
+    <p:extLst>
+      <p:ext uri="{BB962C8B-B14F-4D97-AF65-F5344CB8AC3E}">
+        <p14:creationId xmlns:p14="http://schemas.microsoft.com/office/powerpoint/2010/main" val="1851719844"/>
+      </p:ext>
+    </p:extLst>
+  </p:cSld>
+  <p:clrMapOvr>
+    <a:masterClrMapping/>
+  </p:clrMapOvr>
+</p:notes>
+</file>
+
+<file path=ppt/notesSlides/notesSlide14.xml><?xml version="1.0" encoding="utf-8"?>
+<p:notes xmlns:a="http://schemas.openxmlformats.org/drawingml/2006/main" xmlns:r="http://schemas.openxmlformats.org/officeDocument/2006/relationships" xmlns:p="http://schemas.openxmlformats.org/presentationml/2006/main" showMasterSp="0" showMasterPhAnim="0">
+  <p:cSld>
+    <p:spTree>
+      <p:nvGrpSpPr>
+        <p:cNvPr id="1" name="Shape 205"/>
+        <p:cNvGrpSpPr/>
+        <p:nvPr/>
+      </p:nvGrpSpPr>
+      <p:grpSpPr>
+        <a:xfrm>
+          <a:off x="0" y="0"/>
+          <a:ext cx="0" cy="0"/>
+          <a:chOff x="0" y="0"/>
+          <a:chExt cx="0" cy="0"/>
+        </a:xfrm>
+      </p:grpSpPr>
+      <p:sp>
+        <p:nvSpPr>
+          <p:cNvPr id="206" name="Google Shape;206;g8cb5878148_0_405:notes"/>
+          <p:cNvSpPr txBox="1">
+            <a:spLocks noGrp="1"/>
+          </p:cNvSpPr>
+          <p:nvPr>
+            <p:ph type="body" idx="1"/>
+          </p:nvPr>
+        </p:nvSpPr>
+        <p:spPr>
+          <a:xfrm>
+            <a:off x="685800" y="4400550"/>
+            <a:ext cx="5486400" cy="3600600"/>
+          </a:xfrm>
+          <a:prstGeom prst="rect">
+            <a:avLst/>
+          </a:prstGeom>
+        </p:spPr>
+        <p:txBody>
+          <a:bodyPr spcFirstLastPara="1" wrap="square" lIns="91425" tIns="91425" rIns="91425" bIns="91425" anchor="t" anchorCtr="0">
+            <a:noAutofit/>
+          </a:bodyPr>
+          <a:lstStyle/>
+          <a:p>
+            <a:pPr marL="0" lvl="0" indent="0" algn="l" rtl="0">
+              <a:spcBef>
+                <a:spcPts val="0"/>
+              </a:spcBef>
+              <a:spcAft>
+                <a:spcPts val="0"/>
+              </a:spcAft>
+              <a:buNone/>
+            </a:pPr>
+            <a:endParaRPr/>
+          </a:p>
+        </p:txBody>
+      </p:sp>
+      <p:sp>
+        <p:nvSpPr>
+          <p:cNvPr id="207" name="Google Shape;207;g8cb5878148_0_405:notes"/>
+          <p:cNvSpPr>
+            <a:spLocks noGrp="1" noRot="1" noChangeAspect="1"/>
+          </p:cNvSpPr>
+          <p:nvPr>
+            <p:ph type="sldImg" idx="2"/>
+          </p:nvPr>
+        </p:nvSpPr>
+        <p:spPr>
+          <a:xfrm>
+            <a:off x="685800" y="1143000"/>
+            <a:ext cx="5486400" cy="3086100"/>
+          </a:xfrm>
+          <a:custGeom>
+            <a:avLst/>
+            <a:gdLst/>
+            <a:ahLst/>
+            <a:cxnLst/>
+            <a:rect l="l" t="t" r="r" b="b"/>
+            <a:pathLst>
+              <a:path w="120000" h="120000" extrusionOk="0">
+                <a:moveTo>
+                  <a:pt x="0" y="0"/>
+                </a:moveTo>
+                <a:lnTo>
+                  <a:pt x="120000" y="0"/>
+                </a:lnTo>
+                <a:lnTo>
+                  <a:pt x="120000" y="120000"/>
+                </a:lnTo>
+                <a:lnTo>
+                  <a:pt x="0" y="120000"/>
+                </a:lnTo>
+                <a:close/>
+              </a:path>
+            </a:pathLst>
+          </a:custGeom>
+        </p:spPr>
+      </p:sp>
+    </p:spTree>
+    <p:extLst>
+      <p:ext uri="{BB962C8B-B14F-4D97-AF65-F5344CB8AC3E}">
+        <p14:creationId xmlns:p14="http://schemas.microsoft.com/office/powerpoint/2010/main" val="1972752264"/>
+      </p:ext>
+    </p:extLst>
+  </p:cSld>
+  <p:clrMapOvr>
+    <a:masterClrMapping/>
+  </p:clrMapOvr>
+</p:notes>
+</file>
+
+<file path=ppt/notesSlides/notesSlide15.xml><?xml version="1.0" encoding="utf-8"?>
+<p:notes xmlns:a="http://schemas.openxmlformats.org/drawingml/2006/main" xmlns:r="http://schemas.openxmlformats.org/officeDocument/2006/relationships" xmlns:p="http://schemas.openxmlformats.org/presentationml/2006/main" showMasterSp="0" showMasterPhAnim="0">
+  <p:cSld>
+    <p:spTree>
+      <p:nvGrpSpPr>
+        <p:cNvPr id="1" name="Shape 179"/>
+        <p:cNvGrpSpPr/>
+        <p:nvPr/>
+      </p:nvGrpSpPr>
+      <p:grpSpPr>
+        <a:xfrm>
+          <a:off x="0" y="0"/>
+          <a:ext cx="0" cy="0"/>
+          <a:chOff x="0" y="0"/>
+          <a:chExt cx="0" cy="0"/>
+        </a:xfrm>
+      </p:grpSpPr>
+      <p:sp>
+        <p:nvSpPr>
+          <p:cNvPr id="180" name="Google Shape;180;g8cb5878148_0_292:notes"/>
+          <p:cNvSpPr>
+            <a:spLocks noGrp="1" noRot="1" noChangeAspect="1"/>
+          </p:cNvSpPr>
+          <p:nvPr>
+            <p:ph type="sldImg" idx="2"/>
+          </p:nvPr>
+        </p:nvSpPr>
+        <p:spPr>
+          <a:xfrm>
+            <a:off x="685800" y="1143000"/>
+            <a:ext cx="5486400" cy="3086100"/>
+          </a:xfrm>
+          <a:custGeom>
+            <a:avLst/>
+            <a:gdLst/>
+            <a:ahLst/>
+            <a:cxnLst/>
+            <a:rect l="l" t="t" r="r" b="b"/>
+            <a:pathLst>
+              <a:path w="120000" h="120000" extrusionOk="0">
+                <a:moveTo>
+                  <a:pt x="0" y="0"/>
+                </a:moveTo>
+                <a:lnTo>
+                  <a:pt x="120000" y="0"/>
+                </a:lnTo>
+                <a:lnTo>
+                  <a:pt x="120000" y="120000"/>
+                </a:lnTo>
+                <a:lnTo>
+                  <a:pt x="0" y="120000"/>
+                </a:lnTo>
+                <a:close/>
+              </a:path>
+            </a:pathLst>
+          </a:custGeom>
+          <a:noFill/>
+          <a:ln w="12700" cap="flat" cmpd="sng">
+            <a:solidFill>
+              <a:srgbClr val="000000"/>
+            </a:solidFill>
+            <a:prstDash val="solid"/>
+            <a:round/>
+            <a:headEnd type="none" w="sm" len="sm"/>
+            <a:tailEnd type="none" w="sm" len="sm"/>
+          </a:ln>
+        </p:spPr>
+      </p:sp>
+      <p:sp>
+        <p:nvSpPr>
+          <p:cNvPr id="181" name="Google Shape;181;g8cb5878148_0_292:notes"/>
+          <p:cNvSpPr txBox="1">
+            <a:spLocks noGrp="1"/>
+          </p:cNvSpPr>
+          <p:nvPr>
+            <p:ph type="body" idx="1"/>
+          </p:nvPr>
+        </p:nvSpPr>
+        <p:spPr>
+          <a:xfrm>
+            <a:off x="685800" y="4400550"/>
+            <a:ext cx="5486400" cy="3600600"/>
+          </a:xfrm>
+          <a:prstGeom prst="rect">
+            <a:avLst/>
+          </a:prstGeom>
+          <a:noFill/>
+          <a:ln>
+            <a:noFill/>
+          </a:ln>
+        </p:spPr>
+        <p:txBody>
+          <a:bodyPr spcFirstLastPara="1" wrap="square" lIns="91425" tIns="45700" rIns="91425" bIns="45700" anchor="t" anchorCtr="0">
+            <a:noAutofit/>
+          </a:bodyPr>
+          <a:lstStyle/>
+          <a:p>
+            <a:pPr marL="0" lvl="0" indent="0" algn="l" rtl="0">
+              <a:spcBef>
+                <a:spcPts val="0"/>
+              </a:spcBef>
+              <a:spcAft>
+                <a:spcPts val="0"/>
+              </a:spcAft>
+              <a:buNone/>
+            </a:pPr>
+            <a:endParaRPr dirty="0"/>
+          </a:p>
+        </p:txBody>
+      </p:sp>
+      <p:sp>
+        <p:nvSpPr>
+          <p:cNvPr id="182" name="Google Shape;182;g8cb5878148_0_292:notes"/>
+          <p:cNvSpPr txBox="1">
+            <a:spLocks noGrp="1"/>
+          </p:cNvSpPr>
+          <p:nvPr>
+            <p:ph type="sldNum" idx="12"/>
+          </p:nvPr>
+        </p:nvSpPr>
+        <p:spPr>
+          <a:xfrm>
+            <a:off x="3884613" y="8685213"/>
+            <a:ext cx="2971800" cy="458700"/>
+          </a:xfrm>
+          <a:prstGeom prst="rect">
+            <a:avLst/>
+          </a:prstGeom>
+          <a:noFill/>
+          <a:ln>
+            <a:noFill/>
+          </a:ln>
+        </p:spPr>
+        <p:txBody>
+          <a:bodyPr spcFirstLastPara="1" wrap="square" lIns="91425" tIns="45700" rIns="91425" bIns="45700" anchor="b" anchorCtr="0">
+            <a:noAutofit/>
+          </a:bodyPr>
+          <a:lstStyle/>
+          <a:p>
+            <a:pPr marL="0" lvl="0" indent="0" algn="r" rtl="0">
+              <a:spcBef>
+                <a:spcPts val="0"/>
+              </a:spcBef>
+              <a:spcAft>
+                <a:spcPts val="0"/>
+              </a:spcAft>
+              <a:buNone/>
+            </a:pPr>
+            <a:fld id="{00000000-1234-1234-1234-123412341234}" type="slidenum">
+              <a:rPr lang="en"/>
+              <a:t>15</a:t>
+            </a:fld>
+            <a:endParaRPr/>
+          </a:p>
+        </p:txBody>
+      </p:sp>
+    </p:spTree>
+    <p:extLst>
+      <p:ext uri="{BB962C8B-B14F-4D97-AF65-F5344CB8AC3E}">
+        <p14:creationId xmlns:p14="http://schemas.microsoft.com/office/powerpoint/2010/main" val="3891949537"/>
+      </p:ext>
+    </p:extLst>
+  </p:cSld>
+  <p:clrMapOvr>
+    <a:masterClrMapping/>
+  </p:clrMapOvr>
+</p:notes>
+</file>
+
+<file path=ppt/notesSlides/notesSlide16.xml><?xml version="1.0" encoding="utf-8"?>
+<p:notes xmlns:a="http://schemas.openxmlformats.org/drawingml/2006/main" xmlns:r="http://schemas.openxmlformats.org/officeDocument/2006/relationships" xmlns:p="http://schemas.openxmlformats.org/presentationml/2006/main" showMasterSp="0" showMasterPhAnim="0">
+  <p:cSld>
+    <p:spTree>
+      <p:nvGrpSpPr>
         <p:cNvPr id="1" name="Shape 179"/>
         <p:cNvGrpSpPr/>
         <p:nvPr/>
@@ -11605,43 +13220,7 @@
             </a:pPr>
             <a:r>
               <a:rPr lang="en-US" dirty="0"/>
-              <a:t>One issue I ran into early on was that I noticed there were a lot of the same stories, in some cases with exactly the same titles, appearing in the news data. </a:t>
-            </a:r>
-            <a:r>
-              <a:rPr lang="en-US" dirty="0" err="1"/>
-              <a:t>Obvously</a:t>
-            </a:r>
-            <a:r>
-              <a:rPr lang="en-US" dirty="0"/>
-              <a:t>, you wouldn’t want to get five different push notifications for the same piece of news, so I needed to find some way to consolidate similar stories into one alert. </a:t>
-            </a:r>
-          </a:p>
-          <a:p>
-            <a:pPr marL="171450" lvl="0" indent="-171450" algn="l" rtl="0">
-              <a:spcBef>
-                <a:spcPts val="0"/>
-              </a:spcBef>
-              <a:spcAft>
-                <a:spcPts val="0"/>
-              </a:spcAft>
-            </a:pPr>
-            <a:r>
-              <a:rPr lang="en-US" dirty="0"/>
-              <a:t>So this process involves three main steps: computing similarity between articles, detecting duplicates, and grouping similar articles together.</a:t>
-            </a:r>
-          </a:p>
-          <a:p>
-            <a:pPr marL="171450" lvl="0" indent="-171450" algn="l" rtl="0">
-              <a:spcBef>
-                <a:spcPts val="0"/>
-              </a:spcBef>
-              <a:spcAft>
-                <a:spcPts val="0"/>
-              </a:spcAft>
-            </a:pPr>
-            <a:r>
-              <a:rPr lang="en-US" dirty="0"/>
-              <a:t>First, let's talk about how I compute similarity. I use a technique called TF-IDF, which stands for Term Frequency-Inverse Document Frequency. </a:t>
+              <a:t>Now, let's examine the database schema I've designed for this news alert application.</a:t>
             </a:r>
           </a:p>
           <a:p>
@@ -11659,298 +13238,14 @@
                 <a:srgbClr val="000000"/>
               </a:buClr>
               <a:buSzPts val="1100"/>
+              <a:buFont typeface="Arial"/>
+              <a:buChar char="●"/>
               <a:tabLst/>
               <a:defRPr/>
             </a:pPr>
             <a:r>
               <a:rPr lang="en-US" dirty="0"/>
-              <a:t>TF-IDF helps convert text into numbers that a computer can understand and compare. It does this by measuring how important each word is, both within a single article and across all the articles I'm looking at. Words that appear frequently in one article but rarely in others are considered more important and get a higher score. </a:t>
-            </a:r>
-          </a:p>
-          <a:p>
-            <a:pPr marL="171450" marR="0" lvl="0" indent="-171450" algn="l" defTabSz="914400" rtl="0" eaLnBrk="1" fontAlgn="auto" latinLnBrk="0" hangingPunct="1">
-              <a:lnSpc>
-                <a:spcPct val="100000"/>
-              </a:lnSpc>
-              <a:spcBef>
-                <a:spcPts val="0"/>
-              </a:spcBef>
-              <a:spcAft>
-                <a:spcPts val="0"/>
-              </a:spcAft>
-              <a:buClr>
-                <a:srgbClr val="000000"/>
-              </a:buClr>
-              <a:buSzPts val="1100"/>
-              <a:tabLst/>
-              <a:defRPr/>
-            </a:pPr>
-            <a:r>
-              <a:rPr lang="en-US" dirty="0"/>
-              <a:t>Then the scores of all the words in the article are used to convert the article text into a vector. </a:t>
-            </a:r>
-          </a:p>
-          <a:p>
-            <a:pPr marL="171450" marR="0" lvl="0" indent="-171450" algn="l" defTabSz="914400" rtl="0" eaLnBrk="1" fontAlgn="auto" latinLnBrk="0" hangingPunct="1">
-              <a:lnSpc>
-                <a:spcPct val="100000"/>
-              </a:lnSpc>
-              <a:spcBef>
-                <a:spcPts val="0"/>
-              </a:spcBef>
-              <a:spcAft>
-                <a:spcPts val="0"/>
-              </a:spcAft>
-              <a:buClr>
-                <a:srgbClr val="000000"/>
-              </a:buClr>
-              <a:buSzPts val="1100"/>
-              <a:tabLst/>
-              <a:defRPr/>
-            </a:pPr>
-            <a:r>
-              <a:rPr lang="en-US" dirty="0"/>
-              <a:t>Once I have these vector representations of the articles, I use something called cosine similarity to compare them. This is literally just taking the cosine of two vectors. </a:t>
-            </a:r>
-          </a:p>
-          <a:p>
-            <a:pPr marL="171450" marR="0" lvl="0" indent="-171450" algn="l" defTabSz="914400" rtl="0" eaLnBrk="1" fontAlgn="auto" latinLnBrk="0" hangingPunct="1">
-              <a:lnSpc>
-                <a:spcPct val="100000"/>
-              </a:lnSpc>
-              <a:spcBef>
-                <a:spcPts val="0"/>
-              </a:spcBef>
-              <a:spcAft>
-                <a:spcPts val="0"/>
-              </a:spcAft>
-              <a:buClr>
-                <a:srgbClr val="000000"/>
-              </a:buClr>
-              <a:buSzPts val="1100"/>
-              <a:tabLst/>
-              <a:defRPr/>
-            </a:pPr>
-            <a:r>
-              <a:rPr lang="en-US" dirty="0"/>
-              <a:t> This gives me a similarity score for each pair of articles, which I store in a 2d matrix. </a:t>
-            </a:r>
-          </a:p>
-          <a:p>
-            <a:pPr marL="171450" marR="0" lvl="0" indent="-171450" algn="l" defTabSz="914400" rtl="0" eaLnBrk="1" fontAlgn="auto" latinLnBrk="0" hangingPunct="1">
-              <a:lnSpc>
-                <a:spcPct val="100000"/>
-              </a:lnSpc>
-              <a:spcBef>
-                <a:spcPts val="0"/>
-              </a:spcBef>
-              <a:spcAft>
-                <a:spcPts val="0"/>
-              </a:spcAft>
-              <a:buClr>
-                <a:srgbClr val="000000"/>
-              </a:buClr>
-              <a:buSzPts val="1100"/>
-              <a:tabLst/>
-              <a:defRPr/>
-            </a:pPr>
-            <a:r>
-              <a:rPr lang="en-US" dirty="0"/>
-              <a:t>So then I just loop through the matrix, and compare the similarity score to a </a:t>
-            </a:r>
-            <a:r>
-              <a:rPr lang="en-US" dirty="0" err="1"/>
-              <a:t>threashold</a:t>
-            </a:r>
-            <a:r>
-              <a:rPr lang="en-US" dirty="0"/>
-              <a:t> value, if its over the </a:t>
-            </a:r>
-            <a:r>
-              <a:rPr lang="en-US" dirty="0" err="1"/>
-              <a:t>threashold</a:t>
-            </a:r>
-            <a:r>
-              <a:rPr lang="en-US" dirty="0"/>
-              <a:t> its marked as a duplicate. </a:t>
-            </a:r>
-          </a:p>
-          <a:p>
-            <a:pPr marL="171450" marR="0" lvl="0" indent="-171450" algn="l" defTabSz="914400" rtl="0" eaLnBrk="1" fontAlgn="auto" latinLnBrk="0" hangingPunct="1">
-              <a:lnSpc>
-                <a:spcPct val="100000"/>
-              </a:lnSpc>
-              <a:spcBef>
-                <a:spcPts val="0"/>
-              </a:spcBef>
-              <a:spcAft>
-                <a:spcPts val="0"/>
-              </a:spcAft>
-              <a:buClr>
-                <a:srgbClr val="000000"/>
-              </a:buClr>
-              <a:buSzPts val="1100"/>
-              <a:tabLst/>
-              <a:defRPr/>
-            </a:pPr>
-            <a:r>
-              <a:rPr lang="en-US" dirty="0"/>
-              <a:t>The final step is grouping these articles. I choose one article as the "primary" article for each group. All the information about its duplicates is stored within this primary article. </a:t>
-            </a:r>
-          </a:p>
-          <a:p>
-            <a:pPr marL="171450" marR="0" lvl="0" indent="-171450" algn="l" defTabSz="914400" rtl="0" eaLnBrk="1" fontAlgn="auto" latinLnBrk="0" hangingPunct="1">
-              <a:lnSpc>
-                <a:spcPct val="100000"/>
-              </a:lnSpc>
-              <a:spcBef>
-                <a:spcPts val="0"/>
-              </a:spcBef>
-              <a:spcAft>
-                <a:spcPts val="0"/>
-              </a:spcAft>
-              <a:buClr>
-                <a:srgbClr val="000000"/>
-              </a:buClr>
-              <a:buSzPts val="1100"/>
-              <a:tabLst/>
-              <a:defRPr/>
-            </a:pPr>
-            <a:endParaRPr lang="en-US" dirty="0"/>
-          </a:p>
-          <a:p>
-            <a:pPr marL="171450" marR="0" lvl="0" indent="-171450" algn="l" defTabSz="914400" rtl="0" eaLnBrk="1" fontAlgn="auto" latinLnBrk="0" hangingPunct="1">
-              <a:lnSpc>
-                <a:spcPct val="100000"/>
-              </a:lnSpc>
-              <a:spcBef>
-                <a:spcPts val="0"/>
-              </a:spcBef>
-              <a:spcAft>
-                <a:spcPts val="0"/>
-              </a:spcAft>
-              <a:buClr>
-                <a:srgbClr val="000000"/>
-              </a:buClr>
-              <a:buSzPts val="1100"/>
-              <a:tabLst/>
-              <a:defRPr/>
-            </a:pPr>
-            <a:endParaRPr lang="en-US" dirty="0"/>
-          </a:p>
-          <a:p>
-            <a:pPr marL="171450" marR="0" lvl="0" indent="-171450" algn="l" defTabSz="914400" rtl="0" eaLnBrk="1" fontAlgn="auto" latinLnBrk="0" hangingPunct="1">
-              <a:lnSpc>
-                <a:spcPct val="100000"/>
-              </a:lnSpc>
-              <a:spcBef>
-                <a:spcPts val="0"/>
-              </a:spcBef>
-              <a:spcAft>
-                <a:spcPts val="0"/>
-              </a:spcAft>
-              <a:buClr>
-                <a:srgbClr val="000000"/>
-              </a:buClr>
-              <a:buSzPts val="1100"/>
-              <a:tabLst/>
-              <a:defRPr/>
-            </a:pPr>
-            <a:r>
-              <a:rPr lang="en-US" dirty="0"/>
-              <a:t>TF-IDF </a:t>
-            </a:r>
-          </a:p>
-          <a:p>
-            <a:pPr marL="171450" marR="0" lvl="0" indent="-171450" algn="l" defTabSz="914400" rtl="0" eaLnBrk="1" fontAlgn="auto" latinLnBrk="0" hangingPunct="1">
-              <a:lnSpc>
-                <a:spcPct val="100000"/>
-              </a:lnSpc>
-              <a:spcBef>
-                <a:spcPts val="0"/>
-              </a:spcBef>
-              <a:spcAft>
-                <a:spcPts val="0"/>
-              </a:spcAft>
-              <a:buClr>
-                <a:srgbClr val="000000"/>
-              </a:buClr>
-              <a:buSzPts val="1100"/>
-              <a:tabLst/>
-              <a:defRPr/>
-            </a:pPr>
-            <a:r>
-              <a:rPr lang="en-US" dirty="0"/>
-              <a:t>Vectorization </a:t>
-            </a:r>
-          </a:p>
-          <a:p>
-            <a:pPr marL="171450" marR="0" lvl="0" indent="-171450" algn="l" defTabSz="914400" rtl="0" eaLnBrk="1" fontAlgn="auto" latinLnBrk="0" hangingPunct="1">
-              <a:lnSpc>
-                <a:spcPct val="100000"/>
-              </a:lnSpc>
-              <a:spcBef>
-                <a:spcPts val="0"/>
-              </a:spcBef>
-              <a:spcAft>
-                <a:spcPts val="0"/>
-              </a:spcAft>
-              <a:buClr>
-                <a:srgbClr val="000000"/>
-              </a:buClr>
-              <a:buSzPts val="1100"/>
-              <a:tabLst/>
-              <a:defRPr/>
-            </a:pPr>
-            <a:r>
-              <a:rPr lang="en-US" dirty="0"/>
-              <a:t>Cosine similarity </a:t>
-            </a:r>
-          </a:p>
-          <a:p>
-            <a:pPr marL="171450" marR="0" lvl="0" indent="-171450" algn="l" defTabSz="914400" rtl="0" eaLnBrk="1" fontAlgn="auto" latinLnBrk="0" hangingPunct="1">
-              <a:lnSpc>
-                <a:spcPct val="100000"/>
-              </a:lnSpc>
-              <a:spcBef>
-                <a:spcPts val="0"/>
-              </a:spcBef>
-              <a:spcAft>
-                <a:spcPts val="0"/>
-              </a:spcAft>
-              <a:buClr>
-                <a:srgbClr val="000000"/>
-              </a:buClr>
-              <a:buSzPts val="1100"/>
-              <a:tabLst/>
-              <a:defRPr/>
-            </a:pPr>
-            <a:r>
-              <a:rPr lang="en-US" dirty="0"/>
-              <a:t>Duplicate selection </a:t>
-            </a:r>
-          </a:p>
-          <a:p>
-            <a:pPr marL="171450" marR="0" lvl="0" indent="-171450" algn="l" defTabSz="914400" rtl="0" eaLnBrk="1" fontAlgn="auto" latinLnBrk="0" hangingPunct="1">
-              <a:lnSpc>
-                <a:spcPct val="100000"/>
-              </a:lnSpc>
-              <a:spcBef>
-                <a:spcPts val="0"/>
-              </a:spcBef>
-              <a:spcAft>
-                <a:spcPts val="0"/>
-              </a:spcAft>
-              <a:buClr>
-                <a:srgbClr val="000000"/>
-              </a:buClr>
-              <a:buSzPts val="1100"/>
-              <a:tabLst/>
-              <a:defRPr/>
-            </a:pPr>
-            <a:r>
-              <a:rPr lang="en-US" dirty="0"/>
-              <a:t>Grouping </a:t>
+              <a:t>As you can see, we have three main tables: articles, companies, and keywords.</a:t>
             </a:r>
           </a:p>
           <a:p>
@@ -11962,29 +13257,33 @@
                 <a:spcPts val="0"/>
               </a:spcAft>
             </a:pPr>
-            <a:endParaRPr lang="en-US" dirty="0"/>
+            <a:r>
+              <a:rPr lang="en-US" dirty="0"/>
+              <a:t>Go through the properties </a:t>
+            </a:r>
           </a:p>
           <a:p>
-            <a:pPr marL="0" lvl="0" indent="0" algn="l" rtl="0">
-              <a:spcBef>
-                <a:spcPts val="0"/>
-              </a:spcBef>
-              <a:spcAft>
-                <a:spcPts val="0"/>
-              </a:spcAft>
-              <a:buNone/>
+            <a:pPr marL="171450" lvl="0" indent="-171450" algn="l" rtl="0">
+              <a:spcBef>
+                <a:spcPts val="0"/>
+              </a:spcBef>
+              <a:spcAft>
+                <a:spcPts val="0"/>
+              </a:spcAft>
             </a:pPr>
-            <a:endParaRPr lang="en-US" dirty="0"/>
+            <a:r>
+              <a:rPr lang="en-US" dirty="0"/>
+              <a:t>In terms of relationships you can see there is a many to one relationship between articles and companies, and a one to many relationship between company and keywords </a:t>
+            </a:r>
           </a:p>
           <a:p>
-            <a:pPr marL="0" lvl="0" indent="0" algn="l" rtl="0">
-              <a:spcBef>
-                <a:spcPts val="0"/>
-              </a:spcBef>
-              <a:spcAft>
-                <a:spcPts val="0"/>
-              </a:spcAft>
-              <a:buNone/>
+            <a:pPr marL="171450" lvl="0" indent="-171450" algn="l" rtl="0">
+              <a:spcBef>
+                <a:spcPts val="0"/>
+              </a:spcBef>
+              <a:spcAft>
+                <a:spcPts val="0"/>
+              </a:spcAft>
             </a:pPr>
             <a:endParaRPr lang="en-US" dirty="0"/>
           </a:p>
@@ -12030,7 +13329,7 @@
             </a:pPr>
             <a:fld id="{00000000-1234-1234-1234-123412341234}" type="slidenum">
               <a:rPr lang="en"/>
-              <a:t>10</a:t>
+              <a:t>16</a:t>
             </a:fld>
             <a:endParaRPr/>
           </a:p>
@@ -12039,1447 +13338,7 @@
     </p:spTree>
     <p:extLst>
       <p:ext uri="{BB962C8B-B14F-4D97-AF65-F5344CB8AC3E}">
-        <p14:creationId xmlns:p14="http://schemas.microsoft.com/office/powerpoint/2010/main" val="4058027789"/>
-      </p:ext>
-    </p:extLst>
-  </p:cSld>
-  <p:clrMapOvr>
-    <a:masterClrMapping/>
-  </p:clrMapOvr>
-</p:notes>
-</file>
-
-<file path=ppt/notesSlides/notesSlide11.xml><?xml version="1.0" encoding="utf-8"?>
-<p:notes xmlns:a="http://schemas.openxmlformats.org/drawingml/2006/main" xmlns:r="http://schemas.openxmlformats.org/officeDocument/2006/relationships" xmlns:p="http://schemas.openxmlformats.org/presentationml/2006/main" showMasterSp="0" showMasterPhAnim="0">
-  <p:cSld>
-    <p:spTree>
-      <p:nvGrpSpPr>
-        <p:cNvPr id="1" name="Shape 205"/>
-        <p:cNvGrpSpPr/>
-        <p:nvPr/>
-      </p:nvGrpSpPr>
-      <p:grpSpPr>
-        <a:xfrm>
-          <a:off x="0" y="0"/>
-          <a:ext cx="0" cy="0"/>
-          <a:chOff x="0" y="0"/>
-          <a:chExt cx="0" cy="0"/>
-        </a:xfrm>
-      </p:grpSpPr>
-      <p:sp>
-        <p:nvSpPr>
-          <p:cNvPr id="206" name="Google Shape;206;g8cb5878148_0_405:notes"/>
-          <p:cNvSpPr txBox="1">
-            <a:spLocks noGrp="1"/>
-          </p:cNvSpPr>
-          <p:nvPr>
-            <p:ph type="body" idx="1"/>
-          </p:nvPr>
-        </p:nvSpPr>
-        <p:spPr>
-          <a:xfrm>
-            <a:off x="685800" y="4400550"/>
-            <a:ext cx="5486400" cy="3600600"/>
-          </a:xfrm>
-          <a:prstGeom prst="rect">
-            <a:avLst/>
-          </a:prstGeom>
-        </p:spPr>
-        <p:txBody>
-          <a:bodyPr spcFirstLastPara="1" wrap="square" lIns="91425" tIns="91425" rIns="91425" bIns="91425" anchor="t" anchorCtr="0">
-            <a:noAutofit/>
-          </a:bodyPr>
-          <a:lstStyle/>
-          <a:p>
-            <a:pPr marL="228600" lvl="0" indent="-228600" algn="l" rtl="0">
-              <a:spcBef>
-                <a:spcPts val="0"/>
-              </a:spcBef>
-              <a:spcAft>
-                <a:spcPts val="0"/>
-              </a:spcAft>
-              <a:buFont typeface="+mj-lt"/>
-              <a:buAutoNum type="arabicPeriod"/>
-            </a:pPr>
-            <a:r>
-              <a:rPr lang="en-US" dirty="0"/>
-              <a:t>All News Page</a:t>
-            </a:r>
-          </a:p>
-          <a:p>
-            <a:pPr marL="685800" lvl="1" indent="-228600" algn="l" rtl="0">
-              <a:spcBef>
-                <a:spcPts val="0"/>
-              </a:spcBef>
-              <a:spcAft>
-                <a:spcPts val="0"/>
-              </a:spcAft>
-              <a:buFont typeface="+mj-lt"/>
-              <a:buAutoNum type="arabicPeriod"/>
-            </a:pPr>
-            <a:r>
-              <a:rPr lang="en-US" dirty="0"/>
-              <a:t>This is the all news page. The idea here is that you search and filter news that is not affected by your watchlist or keyword list. </a:t>
-            </a:r>
-          </a:p>
-          <a:p>
-            <a:pPr marL="685800" lvl="1" indent="-228600" algn="l" rtl="0">
-              <a:spcBef>
-                <a:spcPts val="0"/>
-              </a:spcBef>
-              <a:spcAft>
-                <a:spcPts val="0"/>
-              </a:spcAft>
-              <a:buFont typeface="+mj-lt"/>
-              <a:buAutoNum type="arabicPeriod"/>
-            </a:pPr>
-            <a:r>
-              <a:rPr lang="en-US" dirty="0"/>
-              <a:t>You can filter by company, source, date range, and you can search by keyword or phrase </a:t>
-            </a:r>
-          </a:p>
-          <a:p>
-            <a:pPr marL="685800" lvl="1" indent="-228600" algn="l" rtl="0">
-              <a:spcBef>
-                <a:spcPts val="0"/>
-              </a:spcBef>
-              <a:spcAft>
-                <a:spcPts val="0"/>
-              </a:spcAft>
-              <a:buFont typeface="+mj-lt"/>
-              <a:buAutoNum type="arabicPeriod"/>
-            </a:pPr>
-            <a:r>
-              <a:rPr lang="en-US" dirty="0"/>
-              <a:t>There’s also an option to hide the descriptions and you can toggle between a list and grid view. </a:t>
-            </a:r>
-          </a:p>
-          <a:p>
-            <a:pPr marL="228600" lvl="0" indent="-228600" algn="l" rtl="0">
-              <a:spcBef>
-                <a:spcPts val="0"/>
-              </a:spcBef>
-              <a:spcAft>
-                <a:spcPts val="0"/>
-              </a:spcAft>
-              <a:buFont typeface="+mj-lt"/>
-              <a:buAutoNum type="arabicPeriod"/>
-            </a:pPr>
-            <a:r>
-              <a:rPr lang="en-US" dirty="0"/>
-              <a:t>Settings/my alerts page </a:t>
-            </a:r>
-          </a:p>
-          <a:p>
-            <a:pPr marL="685800" lvl="1" indent="-228600" algn="l" rtl="0">
-              <a:spcBef>
-                <a:spcPts val="0"/>
-              </a:spcBef>
-              <a:spcAft>
-                <a:spcPts val="0"/>
-              </a:spcAft>
-              <a:buFont typeface="+mj-lt"/>
-              <a:buAutoNum type="arabicPeriod"/>
-            </a:pPr>
-            <a:r>
-              <a:rPr lang="en-US" dirty="0"/>
-              <a:t>The settings page is where you can you set the company watchlist and keyword list.</a:t>
-            </a:r>
-          </a:p>
-          <a:p>
-            <a:pPr marL="685800" lvl="1" indent="-228600" algn="l" rtl="0">
-              <a:spcBef>
-                <a:spcPts val="0"/>
-              </a:spcBef>
-              <a:spcAft>
-                <a:spcPts val="0"/>
-              </a:spcAft>
-              <a:buFont typeface="+mj-lt"/>
-              <a:buAutoNum type="arabicPeriod"/>
-            </a:pPr>
-            <a:r>
-              <a:rPr lang="en-US" dirty="0"/>
-              <a:t>Add </a:t>
-            </a:r>
-            <a:r>
-              <a:rPr lang="en-US" dirty="0" err="1"/>
-              <a:t>Neuralink</a:t>
-            </a:r>
-            <a:r>
-              <a:rPr lang="en-US" dirty="0"/>
-              <a:t>, no keywords. Demonstrate when there are multiple articles. </a:t>
-            </a:r>
-          </a:p>
-          <a:p>
-            <a:pPr marL="685800" lvl="1" indent="-228600" algn="l" rtl="0">
-              <a:spcBef>
-                <a:spcPts val="0"/>
-              </a:spcBef>
-              <a:spcAft>
-                <a:spcPts val="0"/>
-              </a:spcAft>
-              <a:buFont typeface="+mj-lt"/>
-              <a:buAutoNum type="arabicPeriod"/>
-            </a:pPr>
-            <a:r>
-              <a:rPr lang="en-US" dirty="0"/>
-              <a:t>Click one of the links ‘China plans standardized brain-computer tech similar to Elon Musk’s </a:t>
-            </a:r>
-            <a:r>
-              <a:rPr lang="en-US" dirty="0" err="1"/>
-              <a:t>Neuralink</a:t>
-            </a:r>
-            <a:r>
-              <a:rPr lang="en-US" dirty="0"/>
-              <a:t>’ </a:t>
-            </a:r>
-          </a:p>
-          <a:p>
-            <a:pPr marL="685800" lvl="1" indent="-228600" algn="l" rtl="0">
-              <a:spcBef>
-                <a:spcPts val="0"/>
-              </a:spcBef>
-              <a:spcAft>
-                <a:spcPts val="0"/>
-              </a:spcAft>
-              <a:buFont typeface="+mj-lt"/>
-              <a:buAutoNum type="arabicPeriod"/>
-            </a:pPr>
-            <a:r>
-              <a:rPr lang="en-US" dirty="0"/>
-              <a:t>Demonstrate the alerts when there are multiple articles vs one (use July 4</a:t>
-            </a:r>
-            <a:r>
-              <a:rPr lang="en-US" baseline="30000" dirty="0"/>
-              <a:t>th</a:t>
-            </a:r>
-            <a:r>
-              <a:rPr lang="en-US" dirty="0"/>
-              <a:t> for one)  </a:t>
-            </a:r>
-          </a:p>
-          <a:p>
-            <a:pPr marL="685800" lvl="1" indent="-228600" algn="l" rtl="0">
-              <a:spcBef>
-                <a:spcPts val="0"/>
-              </a:spcBef>
-              <a:spcAft>
-                <a:spcPts val="0"/>
-              </a:spcAft>
-              <a:buFont typeface="+mj-lt"/>
-              <a:buAutoNum type="arabicPeriod"/>
-            </a:pPr>
-            <a:r>
-              <a:rPr lang="en-US" dirty="0"/>
-              <a:t>Demonstrate with keywords. Use ‘China’. Date range 6/14 – 7/05</a:t>
-            </a:r>
-          </a:p>
-          <a:p>
-            <a:pPr marL="685800" lvl="1" indent="-228600" algn="l" rtl="0">
-              <a:spcBef>
-                <a:spcPts val="0"/>
-              </a:spcBef>
-              <a:spcAft>
-                <a:spcPts val="0"/>
-              </a:spcAft>
-              <a:buFont typeface="+mj-lt"/>
-              <a:buAutoNum type="arabicPeriod"/>
-            </a:pPr>
-            <a:r>
-              <a:rPr lang="en-US" dirty="0"/>
-              <a:t>Demonstrate with multiple keywords. Use ‘Gaming’ and ‘Gamer’ </a:t>
-            </a:r>
-          </a:p>
-          <a:p>
-            <a:pPr marL="685800" lvl="1" indent="-228600" algn="l" rtl="0">
-              <a:spcBef>
-                <a:spcPts val="0"/>
-              </a:spcBef>
-              <a:spcAft>
-                <a:spcPts val="0"/>
-              </a:spcAft>
-              <a:buFont typeface="+mj-lt"/>
-              <a:buAutoNum type="arabicPeriod"/>
-            </a:pPr>
-            <a:r>
-              <a:rPr lang="en-US" dirty="0"/>
-              <a:t>Add Microsoft, Figma, </a:t>
-            </a:r>
-            <a:r>
-              <a:rPr lang="en-US" dirty="0" err="1"/>
-              <a:t>Robhinhood</a:t>
-            </a:r>
-            <a:r>
-              <a:rPr lang="en-US" dirty="0"/>
-              <a:t>, and Anthropic  </a:t>
-            </a:r>
-          </a:p>
-          <a:p>
-            <a:pPr marL="685800" lvl="1" indent="-228600" algn="l" rtl="0">
-              <a:spcBef>
-                <a:spcPts val="0"/>
-              </a:spcBef>
-              <a:spcAft>
-                <a:spcPts val="0"/>
-              </a:spcAft>
-              <a:buFont typeface="+mj-lt"/>
-              <a:buAutoNum type="arabicPeriod"/>
-            </a:pPr>
-            <a:r>
-              <a:rPr lang="en-US" dirty="0"/>
-              <a:t>Show filter: filter only Microsoft</a:t>
-            </a:r>
-          </a:p>
-          <a:p>
-            <a:pPr marL="685800" lvl="1" indent="-228600" algn="l" rtl="0">
-              <a:spcBef>
-                <a:spcPts val="0"/>
-              </a:spcBef>
-              <a:spcAft>
-                <a:spcPts val="0"/>
-              </a:spcAft>
-              <a:buFont typeface="+mj-lt"/>
-              <a:buAutoNum type="arabicPeriod"/>
-            </a:pPr>
-            <a:r>
-              <a:rPr lang="en-US" dirty="0"/>
-              <a:t>Show duplicates (Microsoft pushes OneDrive, Microsoft Surface Pro, Bundling teams and office, Skeleton Key) </a:t>
-            </a:r>
-          </a:p>
-          <a:p>
-            <a:pPr marL="685800" lvl="1" indent="-228600" algn="l" rtl="0">
-              <a:spcBef>
-                <a:spcPts val="0"/>
-              </a:spcBef>
-              <a:spcAft>
-                <a:spcPts val="0"/>
-              </a:spcAft>
-              <a:buFont typeface="+mj-lt"/>
-              <a:buAutoNum type="arabicPeriod"/>
-            </a:pPr>
-            <a:r>
-              <a:rPr lang="en-US" dirty="0"/>
-              <a:t>List and Grid view, show/hide descriptions</a:t>
-            </a:r>
-          </a:p>
-          <a:p>
-            <a:pPr marL="228600" lvl="0" indent="-228600" algn="l" rtl="0">
-              <a:spcBef>
-                <a:spcPts val="0"/>
-              </a:spcBef>
-              <a:spcAft>
-                <a:spcPts val="0"/>
-              </a:spcAft>
-              <a:buFont typeface="+mj-lt"/>
-              <a:buAutoNum type="arabicPeriod"/>
-            </a:pPr>
-            <a:r>
-              <a:rPr lang="en-US" dirty="0"/>
-              <a:t>Edge cases </a:t>
-            </a:r>
-          </a:p>
-          <a:p>
-            <a:pPr marL="685800" lvl="1" indent="-228600" algn="l" rtl="0">
-              <a:spcBef>
-                <a:spcPts val="0"/>
-              </a:spcBef>
-              <a:spcAft>
-                <a:spcPts val="0"/>
-              </a:spcAft>
-              <a:buFont typeface="+mj-lt"/>
-              <a:buAutoNum type="arabicPeriod"/>
-            </a:pPr>
-            <a:r>
-              <a:rPr lang="en-US" dirty="0"/>
-              <a:t>Show trying same fetch twice. </a:t>
-            </a:r>
-          </a:p>
-          <a:p>
-            <a:pPr marL="685800" lvl="1" indent="-228600" algn="l" rtl="0">
-              <a:spcBef>
-                <a:spcPts val="0"/>
-              </a:spcBef>
-              <a:spcAft>
-                <a:spcPts val="0"/>
-              </a:spcAft>
-              <a:buFont typeface="+mj-lt"/>
-              <a:buAutoNum type="arabicPeriod"/>
-            </a:pPr>
-            <a:r>
-              <a:rPr lang="en-US" dirty="0"/>
-              <a:t>Show if you fetch dates in a previously fetched date </a:t>
-            </a:r>
-          </a:p>
-          <a:p>
-            <a:pPr marL="685800" lvl="1" indent="-228600" algn="l" rtl="0">
-              <a:spcBef>
-                <a:spcPts val="0"/>
-              </a:spcBef>
-              <a:spcAft>
-                <a:spcPts val="0"/>
-              </a:spcAft>
-              <a:buFont typeface="+mj-lt"/>
-              <a:buAutoNum type="arabicPeriod"/>
-            </a:pPr>
-            <a:r>
-              <a:rPr lang="en-US" dirty="0"/>
-              <a:t>Show fetching from a date where there’s no news </a:t>
-            </a:r>
-          </a:p>
-          <a:p>
-            <a:pPr marL="685800" lvl="1" indent="-228600" algn="l" rtl="0">
-              <a:spcBef>
-                <a:spcPts val="0"/>
-              </a:spcBef>
-              <a:spcAft>
-                <a:spcPts val="0"/>
-              </a:spcAft>
-              <a:buFont typeface="+mj-lt"/>
-              <a:buAutoNum type="arabicPeriod"/>
-            </a:pPr>
-            <a:r>
-              <a:rPr lang="en-US" dirty="0"/>
-              <a:t>Show trying to add a company that’s already on the watchlist </a:t>
-            </a:r>
-          </a:p>
-          <a:p>
-            <a:pPr marL="685800" lvl="1" indent="-228600" algn="l" rtl="0">
-              <a:spcBef>
-                <a:spcPts val="0"/>
-              </a:spcBef>
-              <a:spcAft>
-                <a:spcPts val="0"/>
-              </a:spcAft>
-              <a:buFont typeface="+mj-lt"/>
-              <a:buAutoNum type="arabicPeriod"/>
-            </a:pPr>
-            <a:endParaRPr lang="en-US" dirty="0"/>
-          </a:p>
-          <a:p>
-            <a:pPr marL="685800" lvl="1" indent="-228600" algn="l" rtl="0">
-              <a:spcBef>
-                <a:spcPts val="0"/>
-              </a:spcBef>
-              <a:spcAft>
-                <a:spcPts val="0"/>
-              </a:spcAft>
-              <a:buFont typeface="+mj-lt"/>
-              <a:buAutoNum type="arabicPeriod"/>
-            </a:pPr>
-            <a:endParaRPr lang="en-US" dirty="0"/>
-          </a:p>
-          <a:p>
-            <a:pPr marL="685800" lvl="1" indent="-228600" algn="l" rtl="0">
-              <a:spcBef>
-                <a:spcPts val="0"/>
-              </a:spcBef>
-              <a:spcAft>
-                <a:spcPts val="0"/>
-              </a:spcAft>
-              <a:buFont typeface="+mj-lt"/>
-              <a:buAutoNum type="arabicPeriod"/>
-            </a:pPr>
-            <a:endParaRPr lang="en-US" dirty="0"/>
-          </a:p>
-          <a:p>
-            <a:pPr marL="685800" lvl="1" indent="-228600" algn="l" rtl="0">
-              <a:spcBef>
-                <a:spcPts val="0"/>
-              </a:spcBef>
-              <a:spcAft>
-                <a:spcPts val="0"/>
-              </a:spcAft>
-              <a:buFont typeface="+mj-lt"/>
-              <a:buAutoNum type="arabicPeriod"/>
-            </a:pPr>
-            <a:endParaRPr lang="en-US" dirty="0"/>
-          </a:p>
-          <a:p>
-            <a:pPr marL="685800" lvl="1" indent="-228600" algn="l" rtl="0">
-              <a:spcBef>
-                <a:spcPts val="0"/>
-              </a:spcBef>
-              <a:spcAft>
-                <a:spcPts val="0"/>
-              </a:spcAft>
-              <a:buFont typeface="+mj-lt"/>
-              <a:buAutoNum type="arabicPeriod"/>
-            </a:pPr>
-            <a:endParaRPr lang="en-US" dirty="0"/>
-          </a:p>
-        </p:txBody>
-      </p:sp>
-      <p:sp>
-        <p:nvSpPr>
-          <p:cNvPr id="207" name="Google Shape;207;g8cb5878148_0_405:notes"/>
-          <p:cNvSpPr>
-            <a:spLocks noGrp="1" noRot="1" noChangeAspect="1"/>
-          </p:cNvSpPr>
-          <p:nvPr>
-            <p:ph type="sldImg" idx="2"/>
-          </p:nvPr>
-        </p:nvSpPr>
-        <p:spPr>
-          <a:xfrm>
-            <a:off x="685800" y="1143000"/>
-            <a:ext cx="5486400" cy="3086100"/>
-          </a:xfrm>
-          <a:custGeom>
-            <a:avLst/>
-            <a:gdLst/>
-            <a:ahLst/>
-            <a:cxnLst/>
-            <a:rect l="l" t="t" r="r" b="b"/>
-            <a:pathLst>
-              <a:path w="120000" h="120000" extrusionOk="0">
-                <a:moveTo>
-                  <a:pt x="0" y="0"/>
-                </a:moveTo>
-                <a:lnTo>
-                  <a:pt x="120000" y="0"/>
-                </a:lnTo>
-                <a:lnTo>
-                  <a:pt x="120000" y="120000"/>
-                </a:lnTo>
-                <a:lnTo>
-                  <a:pt x="0" y="120000"/>
-                </a:lnTo>
-                <a:close/>
-              </a:path>
-            </a:pathLst>
-          </a:custGeom>
-        </p:spPr>
-      </p:sp>
-    </p:spTree>
-    <p:extLst>
-      <p:ext uri="{BB962C8B-B14F-4D97-AF65-F5344CB8AC3E}">
-        <p14:creationId xmlns:p14="http://schemas.microsoft.com/office/powerpoint/2010/main" val="392023078"/>
-      </p:ext>
-    </p:extLst>
-  </p:cSld>
-  <p:clrMapOvr>
-    <a:masterClrMapping/>
-  </p:clrMapOvr>
-</p:notes>
-</file>
-
-<file path=ppt/notesSlides/notesSlide12.xml><?xml version="1.0" encoding="utf-8"?>
-<p:notes xmlns:a="http://schemas.openxmlformats.org/drawingml/2006/main" xmlns:r="http://schemas.openxmlformats.org/officeDocument/2006/relationships" xmlns:p="http://schemas.openxmlformats.org/presentationml/2006/main">
-  <p:cSld>
-    <p:spTree>
-      <p:nvGrpSpPr>
-        <p:cNvPr id="1" name=""/>
-        <p:cNvGrpSpPr/>
-        <p:nvPr/>
-      </p:nvGrpSpPr>
-      <p:grpSpPr>
-        <a:xfrm>
-          <a:off x="0" y="0"/>
-          <a:ext cx="0" cy="0"/>
-          <a:chOff x="0" y="0"/>
-          <a:chExt cx="0" cy="0"/>
-        </a:xfrm>
-      </p:grpSpPr>
-      <p:sp>
-        <p:nvSpPr>
-          <p:cNvPr id="2" name="Slide Image Placeholder 1"/>
-          <p:cNvSpPr>
-            <a:spLocks noGrp="1" noRot="1" noChangeAspect="1"/>
-          </p:cNvSpPr>
-          <p:nvPr>
-            <p:ph type="sldImg"/>
-          </p:nvPr>
-        </p:nvSpPr>
-        <p:spPr/>
-      </p:sp>
-      <p:sp>
-        <p:nvSpPr>
-          <p:cNvPr id="3" name="Notes Placeholder 2"/>
-          <p:cNvSpPr>
-            <a:spLocks noGrp="1"/>
-          </p:cNvSpPr>
-          <p:nvPr>
-            <p:ph type="body" idx="1"/>
-          </p:nvPr>
-        </p:nvSpPr>
-        <p:spPr/>
-        <p:txBody>
-          <a:bodyPr/>
-          <a:lstStyle/>
-          <a:p>
-            <a:endParaRPr lang="en-US" dirty="0"/>
-          </a:p>
-        </p:txBody>
-      </p:sp>
-    </p:spTree>
-    <p:extLst>
-      <p:ext uri="{BB962C8B-B14F-4D97-AF65-F5344CB8AC3E}">
-        <p14:creationId xmlns:p14="http://schemas.microsoft.com/office/powerpoint/2010/main" val="1211224377"/>
-      </p:ext>
-    </p:extLst>
-  </p:cSld>
-  <p:clrMapOvr>
-    <a:masterClrMapping/>
-  </p:clrMapOvr>
-</p:notes>
-</file>
-
-<file path=ppt/notesSlides/notesSlide13.xml><?xml version="1.0" encoding="utf-8"?>
-<p:notes xmlns:a="http://schemas.openxmlformats.org/drawingml/2006/main" xmlns:r="http://schemas.openxmlformats.org/officeDocument/2006/relationships" xmlns:p="http://schemas.openxmlformats.org/presentationml/2006/main">
-  <p:cSld>
-    <p:spTree>
-      <p:nvGrpSpPr>
-        <p:cNvPr id="1" name=""/>
-        <p:cNvGrpSpPr/>
-        <p:nvPr/>
-      </p:nvGrpSpPr>
-      <p:grpSpPr>
-        <a:xfrm>
-          <a:off x="0" y="0"/>
-          <a:ext cx="0" cy="0"/>
-          <a:chOff x="0" y="0"/>
-          <a:chExt cx="0" cy="0"/>
-        </a:xfrm>
-      </p:grpSpPr>
-      <p:sp>
-        <p:nvSpPr>
-          <p:cNvPr id="2" name="Slide Image Placeholder 1"/>
-          <p:cNvSpPr>
-            <a:spLocks noGrp="1" noRot="1" noChangeAspect="1"/>
-          </p:cNvSpPr>
-          <p:nvPr>
-            <p:ph type="sldImg"/>
-          </p:nvPr>
-        </p:nvSpPr>
-        <p:spPr>
-          <a:xfrm>
-            <a:off x="381000" y="685800"/>
-            <a:ext cx="6096000" cy="3429000"/>
-          </a:xfrm>
-        </p:spPr>
-      </p:sp>
-      <p:sp>
-        <p:nvSpPr>
-          <p:cNvPr id="3" name="Notes Placeholder 2"/>
-          <p:cNvSpPr>
-            <a:spLocks noGrp="1"/>
-          </p:cNvSpPr>
-          <p:nvPr>
-            <p:ph type="body" idx="1"/>
-          </p:nvPr>
-        </p:nvSpPr>
-        <p:spPr/>
-        <p:txBody>
-          <a:bodyPr/>
-          <a:lstStyle/>
-          <a:p>
-            <a:pPr marL="158750" indent="0">
-              <a:buNone/>
-            </a:pPr>
-            <a:endParaRPr lang="en-US" dirty="0"/>
-          </a:p>
-        </p:txBody>
-      </p:sp>
-    </p:spTree>
-    <p:extLst>
-      <p:ext uri="{BB962C8B-B14F-4D97-AF65-F5344CB8AC3E}">
-        <p14:creationId xmlns:p14="http://schemas.microsoft.com/office/powerpoint/2010/main" val="4062584386"/>
-      </p:ext>
-    </p:extLst>
-  </p:cSld>
-  <p:clrMapOvr>
-    <a:masterClrMapping/>
-  </p:clrMapOvr>
-</p:notes>
-</file>
-
-<file path=ppt/notesSlides/notesSlide14.xml><?xml version="1.0" encoding="utf-8"?>
-<p:notes xmlns:a="http://schemas.openxmlformats.org/drawingml/2006/main" xmlns:r="http://schemas.openxmlformats.org/officeDocument/2006/relationships" xmlns:p="http://schemas.openxmlformats.org/presentationml/2006/main" showMasterSp="0" showMasterPhAnim="0">
-  <p:cSld>
-    <p:spTree>
-      <p:nvGrpSpPr>
-        <p:cNvPr id="1" name="Shape 205"/>
-        <p:cNvGrpSpPr/>
-        <p:nvPr/>
-      </p:nvGrpSpPr>
-      <p:grpSpPr>
-        <a:xfrm>
-          <a:off x="0" y="0"/>
-          <a:ext cx="0" cy="0"/>
-          <a:chOff x="0" y="0"/>
-          <a:chExt cx="0" cy="0"/>
-        </a:xfrm>
-      </p:grpSpPr>
-      <p:sp>
-        <p:nvSpPr>
-          <p:cNvPr id="206" name="Google Shape;206;g8cb5878148_0_405:notes"/>
-          <p:cNvSpPr txBox="1">
-            <a:spLocks noGrp="1"/>
-          </p:cNvSpPr>
-          <p:nvPr>
-            <p:ph type="body" idx="1"/>
-          </p:nvPr>
-        </p:nvSpPr>
-        <p:spPr>
-          <a:xfrm>
-            <a:off x="685800" y="4400550"/>
-            <a:ext cx="5486400" cy="3600600"/>
-          </a:xfrm>
-          <a:prstGeom prst="rect">
-            <a:avLst/>
-          </a:prstGeom>
-        </p:spPr>
-        <p:txBody>
-          <a:bodyPr spcFirstLastPara="1" wrap="square" lIns="91425" tIns="91425" rIns="91425" bIns="91425" anchor="t" anchorCtr="0">
-            <a:noAutofit/>
-          </a:bodyPr>
-          <a:lstStyle/>
-          <a:p>
-            <a:pPr marL="0" lvl="0" indent="0" algn="l" rtl="0">
-              <a:spcBef>
-                <a:spcPts val="0"/>
-              </a:spcBef>
-              <a:spcAft>
-                <a:spcPts val="0"/>
-              </a:spcAft>
-              <a:buNone/>
-            </a:pPr>
-            <a:r>
-              <a:rPr lang="en-US" dirty="0"/>
-              <a:t>Feedback: </a:t>
-            </a:r>
-          </a:p>
-          <a:p>
-            <a:pPr marL="171450" lvl="0" indent="-171450" algn="l" rtl="0">
-              <a:spcBef>
-                <a:spcPts val="0"/>
-              </a:spcBef>
-              <a:spcAft>
-                <a:spcPts val="0"/>
-              </a:spcAft>
-            </a:pPr>
-            <a:r>
-              <a:rPr lang="en-US" dirty="0"/>
-              <a:t>Refer to our team as GCB Tech - Data Science</a:t>
-            </a:r>
-          </a:p>
-          <a:p>
-            <a:pPr marL="171450" lvl="0" indent="-171450" algn="l" rtl="0">
-              <a:spcBef>
-                <a:spcPts val="0"/>
-              </a:spcBef>
-              <a:spcAft>
-                <a:spcPts val="0"/>
-              </a:spcAft>
-            </a:pPr>
-            <a:r>
-              <a:rPr lang="en-US" dirty="0"/>
-              <a:t> Main users </a:t>
-            </a:r>
-          </a:p>
-          <a:p>
-            <a:pPr marL="628650" lvl="1" indent="-171450" algn="l" rtl="0">
-              <a:spcBef>
-                <a:spcPts val="0"/>
-              </a:spcBef>
-              <a:spcAft>
-                <a:spcPts val="0"/>
-              </a:spcAft>
-            </a:pPr>
-            <a:r>
-              <a:rPr lang="en-US" dirty="0"/>
-              <a:t>GCB and BB Bankers. </a:t>
-            </a:r>
-          </a:p>
-          <a:p>
-            <a:pPr marL="1085850" lvl="2" indent="-171450" algn="l" rtl="0">
-              <a:spcBef>
-                <a:spcPts val="0"/>
-              </a:spcBef>
-              <a:spcAft>
-                <a:spcPts val="0"/>
-              </a:spcAft>
-            </a:pPr>
-            <a:r>
-              <a:rPr lang="en-US" dirty="0"/>
-              <a:t>Global commercial banking </a:t>
-            </a:r>
-          </a:p>
-          <a:p>
-            <a:pPr marL="1085850" lvl="2" indent="-171450" algn="l" rtl="0">
-              <a:spcBef>
-                <a:spcPts val="0"/>
-              </a:spcBef>
-              <a:spcAft>
-                <a:spcPts val="0"/>
-              </a:spcAft>
-            </a:pPr>
-            <a:r>
-              <a:rPr lang="en-US" dirty="0"/>
-              <a:t>Business banking </a:t>
-            </a:r>
-          </a:p>
-          <a:p>
-            <a:pPr marL="1085850" lvl="2" indent="-171450" algn="l" rtl="0">
-              <a:spcBef>
-                <a:spcPts val="0"/>
-              </a:spcBef>
-              <a:spcAft>
-                <a:spcPts val="0"/>
-              </a:spcAft>
-            </a:pPr>
-            <a:r>
-              <a:rPr lang="en-US" dirty="0"/>
-              <a:t>This took is for bankers </a:t>
-            </a:r>
-          </a:p>
-          <a:p>
-            <a:pPr marL="628650" lvl="1" indent="-171450" algn="l" rtl="0">
-              <a:spcBef>
-                <a:spcPts val="0"/>
-              </a:spcBef>
-              <a:spcAft>
-                <a:spcPts val="0"/>
-              </a:spcAft>
-            </a:pPr>
-            <a:r>
-              <a:rPr lang="en-US" dirty="0"/>
-              <a:t>Our bankers need to </a:t>
-            </a:r>
-            <a:r>
-              <a:rPr lang="en-US" dirty="0" err="1"/>
-              <a:t>sta</a:t>
-            </a:r>
-            <a:endParaRPr lang="en-US" dirty="0"/>
-          </a:p>
-          <a:p>
-            <a:pPr marL="628650" lvl="1" indent="-171450" algn="l" rtl="0">
-              <a:spcBef>
-                <a:spcPts val="0"/>
-              </a:spcBef>
-              <a:spcAft>
-                <a:spcPts val="0"/>
-              </a:spcAft>
-            </a:pPr>
-            <a:r>
-              <a:rPr lang="en-US" dirty="0"/>
-              <a:t>The biggest challenge is that bankers need to be proactive on their own to search for news. </a:t>
-            </a:r>
-            <a:r>
-              <a:rPr lang="en-US" dirty="0" err="1"/>
-              <a:t>Theres</a:t>
-            </a:r>
-            <a:r>
-              <a:rPr lang="en-US" dirty="0"/>
-              <a:t> nothing that’s giving them content. They have to gout and seek that news for themselves </a:t>
-            </a:r>
-          </a:p>
-          <a:p>
-            <a:pPr marL="628650" lvl="1" indent="-171450" algn="l" rtl="0">
-              <a:spcBef>
-                <a:spcPts val="0"/>
-              </a:spcBef>
-              <a:spcAft>
-                <a:spcPts val="0"/>
-              </a:spcAft>
-            </a:pPr>
-            <a:r>
-              <a:rPr lang="en-US" dirty="0"/>
-              <a:t>Try to word in there the fact that information needs to be looked for instead of automatically received.</a:t>
-            </a:r>
-          </a:p>
-          <a:p>
-            <a:pPr marL="628650" lvl="1" indent="-171450" algn="l" rtl="0">
-              <a:spcBef>
-                <a:spcPts val="0"/>
-              </a:spcBef>
-              <a:spcAft>
-                <a:spcPts val="0"/>
-              </a:spcAft>
-            </a:pPr>
-            <a:r>
-              <a:rPr lang="en-US" dirty="0"/>
-              <a:t>Outcomes </a:t>
-            </a:r>
-          </a:p>
-          <a:p>
-            <a:pPr marL="1085850" lvl="2" indent="-171450" algn="l" rtl="0">
-              <a:spcBef>
-                <a:spcPts val="0"/>
-              </a:spcBef>
-              <a:spcAft>
-                <a:spcPts val="0"/>
-              </a:spcAft>
-            </a:pPr>
-            <a:r>
-              <a:rPr lang="en-US" dirty="0"/>
-              <a:t>Increased efficiency in monitoring covered </a:t>
-            </a:r>
-            <a:r>
-              <a:rPr lang="en-US" dirty="0" err="1"/>
-              <a:t>ccompaneis</a:t>
-            </a:r>
-            <a:r>
-              <a:rPr lang="en-US" dirty="0"/>
-              <a:t> </a:t>
-            </a:r>
-          </a:p>
-          <a:p>
-            <a:pPr marL="1085850" lvl="2" indent="-171450" algn="l" rtl="0">
-              <a:spcBef>
-                <a:spcPts val="0"/>
-              </a:spcBef>
-              <a:spcAft>
-                <a:spcPts val="0"/>
-              </a:spcAft>
-            </a:pPr>
-            <a:r>
-              <a:rPr lang="en-US" dirty="0"/>
-              <a:t>Replace last bullet with Improved advisory for clients </a:t>
-            </a:r>
-          </a:p>
-          <a:p>
-            <a:pPr marL="171450" lvl="0" indent="-171450" algn="l" rtl="0">
-              <a:spcBef>
-                <a:spcPts val="0"/>
-              </a:spcBef>
-              <a:spcAft>
-                <a:spcPts val="0"/>
-              </a:spcAft>
-            </a:pPr>
-            <a:r>
-              <a:rPr lang="en-US" dirty="0"/>
-              <a:t>Solution </a:t>
-            </a:r>
-          </a:p>
-          <a:p>
-            <a:pPr marL="628650" lvl="1" indent="-171450" algn="l" rtl="0">
-              <a:spcBef>
-                <a:spcPts val="0"/>
-              </a:spcBef>
-              <a:spcAft>
-                <a:spcPts val="0"/>
-              </a:spcAft>
-            </a:pPr>
-            <a:r>
-              <a:rPr lang="en-US" dirty="0"/>
-              <a:t>Don’t spend so much time talking through the specific features. </a:t>
-            </a:r>
-          </a:p>
-          <a:p>
-            <a:pPr marL="628650" lvl="1" indent="-171450" algn="l" rtl="0">
-              <a:spcBef>
-                <a:spcPts val="0"/>
-              </a:spcBef>
-              <a:spcAft>
-                <a:spcPts val="0"/>
-              </a:spcAft>
-            </a:pPr>
-            <a:r>
-              <a:rPr lang="en-US" dirty="0"/>
-              <a:t>Have a one pager on what the solution is </a:t>
-            </a:r>
-          </a:p>
-          <a:p>
-            <a:pPr marL="628650" lvl="1" indent="-171450" algn="l" rtl="0">
-              <a:spcBef>
-                <a:spcPts val="0"/>
-              </a:spcBef>
-              <a:spcAft>
-                <a:spcPts val="0"/>
-              </a:spcAft>
-            </a:pPr>
-            <a:r>
-              <a:rPr lang="en-US" dirty="0"/>
-              <a:t>Give a one liner. </a:t>
-            </a:r>
-          </a:p>
-          <a:p>
-            <a:pPr marL="1085850" lvl="2" indent="-171450" algn="l" rtl="0">
-              <a:spcBef>
-                <a:spcPts val="0"/>
-              </a:spcBef>
-              <a:spcAft>
-                <a:spcPts val="0"/>
-              </a:spcAft>
-            </a:pPr>
-            <a:r>
-              <a:rPr lang="en-US" dirty="0"/>
-              <a:t>A settings for preferences</a:t>
-            </a:r>
-          </a:p>
-          <a:p>
-            <a:pPr marL="1085850" lvl="2" indent="-171450" algn="l" rtl="0">
-              <a:spcBef>
-                <a:spcPts val="0"/>
-              </a:spcBef>
-              <a:spcAft>
-                <a:spcPts val="0"/>
-              </a:spcAft>
-            </a:pPr>
-            <a:r>
-              <a:rPr lang="en-US" dirty="0"/>
-              <a:t>Easy access to a alerts via a UI and from push notification</a:t>
-            </a:r>
-          </a:p>
-          <a:p>
-            <a:pPr marL="1085850" lvl="2" indent="-171450" algn="l" rtl="0">
-              <a:spcBef>
-                <a:spcPts val="0"/>
-              </a:spcBef>
-              <a:spcAft>
-                <a:spcPts val="0"/>
-              </a:spcAft>
-            </a:pPr>
-            <a:r>
-              <a:rPr lang="en-US" dirty="0"/>
-              <a:t>Talk about the all news page in the demo </a:t>
-            </a:r>
-          </a:p>
-          <a:p>
-            <a:pPr marL="628650" lvl="1" indent="-171450" algn="l" rtl="0">
-              <a:spcBef>
-                <a:spcPts val="0"/>
-              </a:spcBef>
-              <a:spcAft>
-                <a:spcPts val="0"/>
-              </a:spcAft>
-            </a:pPr>
-            <a:r>
-              <a:rPr lang="en-US" dirty="0"/>
-              <a:t>Keep everything high level in the deck </a:t>
-            </a:r>
-          </a:p>
-          <a:p>
-            <a:pPr marL="171450" lvl="0" indent="-171450" algn="l" rtl="0">
-              <a:spcBef>
-                <a:spcPts val="0"/>
-              </a:spcBef>
-              <a:spcAft>
-                <a:spcPts val="0"/>
-              </a:spcAft>
-            </a:pPr>
-            <a:r>
-              <a:rPr lang="en-US" dirty="0"/>
-              <a:t>Implementation </a:t>
-            </a:r>
-          </a:p>
-          <a:p>
-            <a:pPr marL="628650" lvl="1" indent="-171450" algn="l" rtl="0">
-              <a:spcBef>
-                <a:spcPts val="0"/>
-              </a:spcBef>
-              <a:spcAft>
-                <a:spcPts val="0"/>
-              </a:spcAft>
-            </a:pPr>
-            <a:r>
-              <a:rPr lang="en-US" dirty="0"/>
-              <a:t>Data should come first </a:t>
-            </a:r>
-          </a:p>
-          <a:p>
-            <a:pPr marL="628650" lvl="1" indent="-171450" algn="l" rtl="0">
-              <a:spcBef>
-                <a:spcPts val="0"/>
-              </a:spcBef>
-              <a:spcAft>
-                <a:spcPts val="0"/>
-              </a:spcAft>
-            </a:pPr>
-            <a:r>
-              <a:rPr lang="en-US" dirty="0"/>
-              <a:t>The line of business is currently in conversation with Moody’s to sign a contract for their real time news feed API </a:t>
-            </a:r>
-          </a:p>
-          <a:p>
-            <a:pPr marL="171450" lvl="0" indent="-171450" algn="l" rtl="0">
-              <a:spcBef>
-                <a:spcPts val="0"/>
-              </a:spcBef>
-              <a:spcAft>
-                <a:spcPts val="0"/>
-              </a:spcAft>
-            </a:pPr>
-            <a:r>
-              <a:rPr lang="en-US" dirty="0"/>
-              <a:t>Tech stack </a:t>
-            </a:r>
-          </a:p>
-          <a:p>
-            <a:pPr marL="628650" lvl="1" indent="-171450" algn="l" rtl="0">
-              <a:spcBef>
-                <a:spcPts val="0"/>
-              </a:spcBef>
-              <a:spcAft>
-                <a:spcPts val="0"/>
-              </a:spcAft>
-            </a:pPr>
-            <a:r>
-              <a:rPr lang="en-US" dirty="0"/>
-              <a:t>Make an architecture diagram </a:t>
-            </a:r>
-          </a:p>
-          <a:p>
-            <a:pPr marL="628650" lvl="1" indent="-171450" algn="l" rtl="0">
-              <a:spcBef>
-                <a:spcPts val="0"/>
-              </a:spcBef>
-              <a:spcAft>
-                <a:spcPts val="0"/>
-              </a:spcAft>
-            </a:pPr>
-            <a:r>
-              <a:rPr lang="en-US" dirty="0"/>
-              <a:t>Have a user &amp; computer that points to the business logic that points to the database schema </a:t>
-            </a:r>
-          </a:p>
-          <a:p>
-            <a:pPr marL="171450" lvl="0" indent="-171450" algn="l" rtl="0">
-              <a:spcBef>
-                <a:spcPts val="0"/>
-              </a:spcBef>
-              <a:spcAft>
-                <a:spcPts val="0"/>
-              </a:spcAft>
-            </a:pPr>
-            <a:r>
-              <a:rPr lang="en-US" dirty="0"/>
-              <a:t>Database schema </a:t>
-            </a:r>
-          </a:p>
-          <a:p>
-            <a:pPr marL="628650" lvl="1" indent="-171450" algn="l" rtl="0">
-              <a:spcBef>
-                <a:spcPts val="0"/>
-              </a:spcBef>
-              <a:spcAft>
-                <a:spcPts val="0"/>
-              </a:spcAft>
-            </a:pPr>
-            <a:r>
-              <a:rPr lang="en-US" dirty="0"/>
-              <a:t>Move to the appendix </a:t>
-            </a:r>
-          </a:p>
-          <a:p>
-            <a:pPr marL="171450" lvl="0" indent="-171450" algn="l" rtl="0">
-              <a:spcBef>
-                <a:spcPts val="0"/>
-              </a:spcBef>
-              <a:spcAft>
-                <a:spcPts val="0"/>
-              </a:spcAft>
-            </a:pPr>
-            <a:r>
-              <a:rPr lang="en-US" dirty="0"/>
-              <a:t>Duplication </a:t>
-            </a:r>
-          </a:p>
-          <a:p>
-            <a:pPr marL="628650" lvl="1" indent="-171450" algn="l" rtl="0">
-              <a:spcBef>
-                <a:spcPts val="0"/>
-              </a:spcBef>
-              <a:spcAft>
-                <a:spcPts val="0"/>
-              </a:spcAft>
-            </a:pPr>
-            <a:r>
-              <a:rPr lang="en-US" dirty="0"/>
-              <a:t>Don’t spend too much time on this </a:t>
-            </a:r>
-          </a:p>
-          <a:p>
-            <a:pPr marL="628650" lvl="1" indent="-171450" algn="l" rtl="0">
-              <a:spcBef>
-                <a:spcPts val="0"/>
-              </a:spcBef>
-              <a:spcAft>
-                <a:spcPts val="0"/>
-              </a:spcAft>
-            </a:pPr>
-            <a:r>
-              <a:rPr lang="en-US" dirty="0"/>
-              <a:t>Remove the three examples on the left </a:t>
-            </a:r>
-          </a:p>
-          <a:p>
-            <a:pPr marL="171450" lvl="0" indent="-171450" algn="l" rtl="0">
-              <a:spcBef>
-                <a:spcPts val="0"/>
-              </a:spcBef>
-              <a:spcAft>
-                <a:spcPts val="0"/>
-              </a:spcAft>
-            </a:pPr>
-            <a:r>
-              <a:rPr lang="en-US" dirty="0"/>
-              <a:t>Demo </a:t>
-            </a:r>
-          </a:p>
-          <a:p>
-            <a:pPr marL="628650" lvl="1" indent="-171450" algn="l" rtl="0">
-              <a:spcBef>
-                <a:spcPts val="0"/>
-              </a:spcBef>
-              <a:spcAft>
-                <a:spcPts val="0"/>
-              </a:spcAft>
-            </a:pPr>
-            <a:r>
-              <a:rPr lang="en-US" dirty="0"/>
-              <a:t>Showcase the proactive alerts before showing the all news page </a:t>
-            </a:r>
-          </a:p>
-          <a:p>
-            <a:pPr marL="628650" lvl="1" indent="-171450" algn="l" rtl="0">
-              <a:spcBef>
-                <a:spcPts val="0"/>
-              </a:spcBef>
-              <a:spcAft>
-                <a:spcPts val="0"/>
-              </a:spcAft>
-            </a:pPr>
-            <a:r>
-              <a:rPr lang="en-US" dirty="0"/>
-              <a:t>Go right into the settings first. </a:t>
-            </a:r>
-          </a:p>
-          <a:p>
-            <a:pPr marL="628650" lvl="1" indent="-171450" algn="l" rtl="0">
-              <a:spcBef>
-                <a:spcPts val="0"/>
-              </a:spcBef>
-              <a:spcAft>
-                <a:spcPts val="0"/>
-              </a:spcAft>
-            </a:pPr>
-            <a:r>
-              <a:rPr lang="en-US" dirty="0"/>
-              <a:t>Do the first alert for just one article. Then show multiple alerts </a:t>
-            </a:r>
-          </a:p>
-          <a:p>
-            <a:pPr marL="171450" lvl="0" indent="-171450" algn="l" rtl="0">
-              <a:spcBef>
-                <a:spcPts val="0"/>
-              </a:spcBef>
-              <a:spcAft>
-                <a:spcPts val="0"/>
-              </a:spcAft>
-            </a:pPr>
-            <a:r>
-              <a:rPr lang="en-US" dirty="0"/>
-              <a:t>Takeaways and next steps </a:t>
-            </a:r>
-          </a:p>
-          <a:p>
-            <a:pPr marL="171450" lvl="0" indent="-171450" algn="l" rtl="0">
-              <a:spcBef>
-                <a:spcPts val="0"/>
-              </a:spcBef>
-              <a:spcAft>
-                <a:spcPts val="0"/>
-              </a:spcAft>
-            </a:pPr>
-            <a:r>
-              <a:rPr lang="en-US" dirty="0"/>
-              <a:t>Do top three next steps and top three takeaways</a:t>
-            </a:r>
-          </a:p>
-          <a:p>
-            <a:pPr marL="171450" lvl="0" indent="-171450" algn="l" rtl="0">
-              <a:spcBef>
-                <a:spcPts val="0"/>
-              </a:spcBef>
-              <a:spcAft>
-                <a:spcPts val="0"/>
-              </a:spcAft>
-            </a:pPr>
-            <a:r>
-              <a:rPr lang="en-US" dirty="0"/>
-              <a:t>There’s keyword shortcut for switching between shared screens on Webex </a:t>
-            </a:r>
-          </a:p>
-          <a:p>
-            <a:pPr marL="171450" lvl="0" indent="-171450" algn="l" rtl="0">
-              <a:spcBef>
-                <a:spcPts val="0"/>
-              </a:spcBef>
-              <a:spcAft>
-                <a:spcPts val="0"/>
-              </a:spcAft>
-            </a:pPr>
-            <a:endParaRPr lang="en-US" dirty="0"/>
-          </a:p>
-          <a:p>
-            <a:pPr marL="1085850" lvl="2" indent="-171450" algn="l" rtl="0">
-              <a:spcBef>
-                <a:spcPts val="0"/>
-              </a:spcBef>
-              <a:spcAft>
-                <a:spcPts val="0"/>
-              </a:spcAft>
-            </a:pPr>
-            <a:endParaRPr dirty="0"/>
-          </a:p>
-        </p:txBody>
-      </p:sp>
-      <p:sp>
-        <p:nvSpPr>
-          <p:cNvPr id="207" name="Google Shape;207;g8cb5878148_0_405:notes"/>
-          <p:cNvSpPr>
-            <a:spLocks noGrp="1" noRot="1" noChangeAspect="1"/>
-          </p:cNvSpPr>
-          <p:nvPr>
-            <p:ph type="sldImg" idx="2"/>
-          </p:nvPr>
-        </p:nvSpPr>
-        <p:spPr>
-          <a:xfrm>
-            <a:off x="685800" y="1143000"/>
-            <a:ext cx="5486400" cy="3086100"/>
-          </a:xfrm>
-          <a:custGeom>
-            <a:avLst/>
-            <a:gdLst/>
-            <a:ahLst/>
-            <a:cxnLst/>
-            <a:rect l="l" t="t" r="r" b="b"/>
-            <a:pathLst>
-              <a:path w="120000" h="120000" extrusionOk="0">
-                <a:moveTo>
-                  <a:pt x="0" y="0"/>
-                </a:moveTo>
-                <a:lnTo>
-                  <a:pt x="120000" y="0"/>
-                </a:lnTo>
-                <a:lnTo>
-                  <a:pt x="120000" y="120000"/>
-                </a:lnTo>
-                <a:lnTo>
-                  <a:pt x="0" y="120000"/>
-                </a:lnTo>
-                <a:close/>
-              </a:path>
-            </a:pathLst>
-          </a:custGeom>
-        </p:spPr>
-      </p:sp>
-    </p:spTree>
-    <p:extLst>
-      <p:ext uri="{BB962C8B-B14F-4D97-AF65-F5344CB8AC3E}">
-        <p14:creationId xmlns:p14="http://schemas.microsoft.com/office/powerpoint/2010/main" val="1851719844"/>
-      </p:ext>
-    </p:extLst>
-  </p:cSld>
-  <p:clrMapOvr>
-    <a:masterClrMapping/>
-  </p:clrMapOvr>
-</p:notes>
-</file>
-
-<file path=ppt/notesSlides/notesSlide15.xml><?xml version="1.0" encoding="utf-8"?>
-<p:notes xmlns:a="http://schemas.openxmlformats.org/drawingml/2006/main" xmlns:r="http://schemas.openxmlformats.org/officeDocument/2006/relationships" xmlns:p="http://schemas.openxmlformats.org/presentationml/2006/main" showMasterSp="0" showMasterPhAnim="0">
-  <p:cSld>
-    <p:spTree>
-      <p:nvGrpSpPr>
-        <p:cNvPr id="1" name="Shape 205"/>
-        <p:cNvGrpSpPr/>
-        <p:nvPr/>
-      </p:nvGrpSpPr>
-      <p:grpSpPr>
-        <a:xfrm>
-          <a:off x="0" y="0"/>
-          <a:ext cx="0" cy="0"/>
-          <a:chOff x="0" y="0"/>
-          <a:chExt cx="0" cy="0"/>
-        </a:xfrm>
-      </p:grpSpPr>
-      <p:sp>
-        <p:nvSpPr>
-          <p:cNvPr id="206" name="Google Shape;206;g8cb5878148_0_405:notes"/>
-          <p:cNvSpPr txBox="1">
-            <a:spLocks noGrp="1"/>
-          </p:cNvSpPr>
-          <p:nvPr>
-            <p:ph type="body" idx="1"/>
-          </p:nvPr>
-        </p:nvSpPr>
-        <p:spPr>
-          <a:xfrm>
-            <a:off x="685800" y="4400550"/>
-            <a:ext cx="5486400" cy="3600600"/>
-          </a:xfrm>
-          <a:prstGeom prst="rect">
-            <a:avLst/>
-          </a:prstGeom>
-        </p:spPr>
-        <p:txBody>
-          <a:bodyPr spcFirstLastPara="1" wrap="square" lIns="91425" tIns="91425" rIns="91425" bIns="91425" anchor="t" anchorCtr="0">
-            <a:noAutofit/>
-          </a:bodyPr>
-          <a:lstStyle/>
-          <a:p>
-            <a:pPr marL="0" lvl="0" indent="0" algn="l" rtl="0">
-              <a:spcBef>
-                <a:spcPts val="0"/>
-              </a:spcBef>
-              <a:spcAft>
-                <a:spcPts val="0"/>
-              </a:spcAft>
-              <a:buNone/>
-            </a:pPr>
-            <a:endParaRPr/>
-          </a:p>
-        </p:txBody>
-      </p:sp>
-      <p:sp>
-        <p:nvSpPr>
-          <p:cNvPr id="207" name="Google Shape;207;g8cb5878148_0_405:notes"/>
-          <p:cNvSpPr>
-            <a:spLocks noGrp="1" noRot="1" noChangeAspect="1"/>
-          </p:cNvSpPr>
-          <p:nvPr>
-            <p:ph type="sldImg" idx="2"/>
-          </p:nvPr>
-        </p:nvSpPr>
-        <p:spPr>
-          <a:xfrm>
-            <a:off x="685800" y="1143000"/>
-            <a:ext cx="5486400" cy="3086100"/>
-          </a:xfrm>
-          <a:custGeom>
-            <a:avLst/>
-            <a:gdLst/>
-            <a:ahLst/>
-            <a:cxnLst/>
-            <a:rect l="l" t="t" r="r" b="b"/>
-            <a:pathLst>
-              <a:path w="120000" h="120000" extrusionOk="0">
-                <a:moveTo>
-                  <a:pt x="0" y="0"/>
-                </a:moveTo>
-                <a:lnTo>
-                  <a:pt x="120000" y="0"/>
-                </a:lnTo>
-                <a:lnTo>
-                  <a:pt x="120000" y="120000"/>
-                </a:lnTo>
-                <a:lnTo>
-                  <a:pt x="0" y="120000"/>
-                </a:lnTo>
-                <a:close/>
-              </a:path>
-            </a:pathLst>
-          </a:custGeom>
-        </p:spPr>
-      </p:sp>
-    </p:spTree>
-    <p:extLst>
-      <p:ext uri="{BB962C8B-B14F-4D97-AF65-F5344CB8AC3E}">
-        <p14:creationId xmlns:p14="http://schemas.microsoft.com/office/powerpoint/2010/main" val="1972752264"/>
+        <p14:creationId xmlns:p14="http://schemas.microsoft.com/office/powerpoint/2010/main" val="4000114108"/>
       </p:ext>
     </p:extLst>
   </p:cSld>
@@ -13750,36 +13609,40 @@
           <a:lstStyle/>
           <a:p>
             <a:r>
-              <a:rPr lang="en-US" dirty="0"/>
-              <a:t>Let's dive into the motivation behind this project. Our primary users are Bank of America traders and analysts - professionals who rely heavily on recent news to make critical decisions.</a:t>
+              <a:rPr lang="en-US" sz="1050" dirty="0"/>
+              <a:t>Let's </a:t>
+            </a:r>
+            <a:r>
+              <a:rPr lang="en-US" sz="1100" dirty="0"/>
+              <a:t>dive into the motivation behind this project. Our primary users are Bank of America GCB and BB Bankers - professionals who rely heavily on recent news to make critical decisions.</a:t>
             </a:r>
           </a:p>
           <a:p>
             <a:r>
-              <a:rPr lang="en-US" dirty="0"/>
-              <a:t>Currently, these professionals face several challenges when it comes to tracking news relating to thei</a:t>
+              <a:rPr lang="en-US" sz="1100" dirty="0"/>
+              <a:t>They typically have a set of covered companies, which are usually current or prospective clients, that they need to track and stay on top of. </a:t>
             </a:r>
             <a:r>
-              <a:rPr lang="en-US" baseline="0" dirty="0"/>
-              <a:t>r portfolio companies </a:t>
+              <a:rPr lang="en-US" sz="1100" baseline="0" dirty="0"/>
+              <a:t> </a:t>
             </a:r>
           </a:p>
           <a:p>
             <a:r>
-              <a:rPr lang="en-US" baseline="0" dirty="0"/>
-              <a:t>Firstly, there’s just so much news out there. Tracking it all is like drinking from a firehose </a:t>
+              <a:rPr lang="en-US" sz="1100" baseline="0" dirty="0"/>
+              <a:t>The main issue is that our bankers must seek out news themselves. They’re not being notified when important news comes out, and there’s nothing that’s providing them content. They need to search for it on their own. </a:t>
             </a:r>
           </a:p>
           <a:p>
             <a:r>
-              <a:rPr lang="en-US" baseline="0" dirty="0"/>
-              <a:t>Secondly, distinguishing between relevant and irrelevant news is a constant struggle. Not every piece of information is crucial, but identifying what matters can be time-consuming.</a:t>
+              <a:rPr lang="en-US" sz="1100" baseline="0" dirty="0"/>
+              <a:t>Even if they are diligent with their news consumption, there’s just so much news out there. Tracking it all is like drinking from a firehose.</a:t>
             </a:r>
           </a:p>
           <a:p>
             <a:r>
-              <a:rPr lang="en-US" dirty="0"/>
-              <a:t>Third, we're dealing with extreme time sensitivity. In the financial world, a delayed reaction to important news can be incredibly costly. </a:t>
+              <a:rPr lang="en-US" sz="1100" dirty="0"/>
+              <a:t>We’re also dealing with extreme time sensitivity. In the financial world, a delayed reaction to important news can be incredibly costly. </a:t>
             </a:r>
           </a:p>
           <a:p>
@@ -13803,8 +13666,8 @@
               <a:defRPr/>
             </a:pPr>
             <a:r>
-              <a:rPr lang="en-US" dirty="0"/>
-              <a:t>Lastly, we're seeing an inefficient use of our analysts' time. We don’t want them to be spending hours each day manually monitoring news, time that could be better spent on analysis and strategy.</a:t>
+              <a:rPr lang="en-US" sz="1100" dirty="0"/>
+              <a:t>Lastly, we're seeing an inefficient use of our bankers' time. We don’t want them to be spending hours each day manually monitoring news, especially if this is something that can be automated. </a:t>
             </a:r>
           </a:p>
           <a:p>
@@ -13828,7 +13691,7 @@
               <a:defRPr/>
             </a:pPr>
             <a:r>
-              <a:rPr lang="en-US" dirty="0"/>
+              <a:rPr lang="en-US" sz="1100" dirty="0"/>
               <a:t>Now, let's talk about what the expected outcome of this project is:</a:t>
             </a:r>
           </a:p>
@@ -13853,8 +13716,8 @@
               <a:defRPr/>
             </a:pPr>
             <a:r>
-              <a:rPr lang="en-US" dirty="0"/>
-              <a:t>We expect to see a significant increase in efficiency when it comes to monitoring portfolio companies. Our traders and analysts should be able to stay informed without being overwhelmed.</a:t>
+              <a:rPr lang="en-US" sz="1100" dirty="0"/>
+              <a:t>We expect to see a significant increase in efficiency when it comes to monitoring portfolio companies. This shouldn’t just make it easier for bankers to monitor their covered companies, it should make them better. </a:t>
             </a:r>
           </a:p>
           <a:p>
@@ -13878,38 +13741,27 @@
               <a:defRPr/>
             </a:pPr>
             <a:r>
-              <a:rPr lang="en-US" dirty="0"/>
+              <a:rPr lang="en-US" sz="1100" dirty="0"/>
               <a:t>We're aiming for improved decision-making. By ensuring timely access to important news, we're empowering our professionals to make well-informed choices quickly.</a:t>
             </a:r>
           </a:p>
           <a:p>
             <a:pPr lvl="1"/>
             <a:r>
-              <a:rPr lang="en-US" dirty="0"/>
+              <a:rPr lang="en-US" sz="1100" dirty="0"/>
               <a:t>By automating much of the news monitoring process, we're freeing up valuable time that can be redirected to more complex, high-value tasks</a:t>
             </a:r>
           </a:p>
           <a:p>
             <a:pPr lvl="0"/>
             <a:r>
-              <a:rPr lang="en-US" dirty="0"/>
-              <a:t>In essence, this project is about empowering our financial professionals with the right information at the right time</a:t>
+              <a:rPr lang="en-US" sz="1100" dirty="0"/>
+              <a:t>In essence, this project is about empowering our bankers with the right information at the right time, which will no doubt make them better advisors for their clients. </a:t>
             </a:r>
           </a:p>
           <a:p>
             <a:pPr lvl="0"/>
-            <a:endParaRPr lang="en-US" dirty="0"/>
-          </a:p>
-          <a:p>
-            <a:pPr lvl="0"/>
-            <a:endParaRPr lang="en-US" dirty="0"/>
-          </a:p>
-          <a:p>
-            <a:pPr lvl="0"/>
-            <a:r>
-              <a:rPr lang="en-US" dirty="0"/>
-              <a:t>Steer </a:t>
-            </a:r>
+            <a:endParaRPr lang="en-US" sz="1100" dirty="0"/>
           </a:p>
         </p:txBody>
       </p:sp>
@@ -14019,6 +13871,28 @@
               <a:buFontTx/>
               <a:buChar char="-"/>
             </a:pPr>
+            <a:endParaRPr lang="en-US" baseline="0" dirty="0"/>
+          </a:p>
+          <a:p>
+            <a:pPr marL="171450" marR="0" lvl="0" indent="-171450" algn="l" defTabSz="914400" rtl="0" eaLnBrk="1" fontAlgn="auto" latinLnBrk="0" hangingPunct="1">
+              <a:lnSpc>
+                <a:spcPct val="100000"/>
+              </a:lnSpc>
+              <a:spcBef>
+                <a:spcPts val="0"/>
+              </a:spcBef>
+              <a:spcAft>
+                <a:spcPts val="0"/>
+              </a:spcAft>
+              <a:buClr>
+                <a:srgbClr val="000000"/>
+              </a:buClr>
+              <a:buSzPts val="1100"/>
+              <a:buFontTx/>
+              <a:buChar char="-"/>
+              <a:tabLst/>
+              <a:defRPr/>
+            </a:pPr>
             <a:r>
               <a:rPr lang="en-US" baseline="0" dirty="0"/>
               <a:t>The solution is </a:t>
@@ -14031,6 +13905,116 @@
               <a:rPr lang="en-US" baseline="0" dirty="0"/>
               <a:t>, a news alerting tool that notifies users of important news relating to their portfolio companies via popup notifications. </a:t>
             </a:r>
+          </a:p>
+          <a:p>
+            <a:pPr marL="171450" lvl="0" indent="-171450" algn="l" rtl="0">
+              <a:spcBef>
+                <a:spcPts val="0"/>
+              </a:spcBef>
+              <a:spcAft>
+                <a:spcPts val="0"/>
+              </a:spcAft>
+              <a:buFontTx/>
+              <a:buChar char="-"/>
+            </a:pPr>
+            <a:r>
+              <a:rPr lang="en-US" baseline="0" dirty="0"/>
+              <a:t>We allow users to create a list of companies they want to track, further refine what news they want to receive via a list of keywords, and see a log of all their past notifications in case they missed anything. </a:t>
+            </a:r>
+          </a:p>
+          <a:p>
+            <a:pPr marL="171450" lvl="0" indent="-171450" algn="l" rtl="0">
+              <a:spcBef>
+                <a:spcPts val="0"/>
+              </a:spcBef>
+              <a:spcAft>
+                <a:spcPts val="0"/>
+              </a:spcAft>
+              <a:buFontTx/>
+              <a:buChar char="-"/>
+            </a:pPr>
+            <a:r>
+              <a:rPr lang="en-US" baseline="0" dirty="0"/>
+              <a:t>There is also an all news page, for more exploratory – in depth research. </a:t>
+            </a:r>
+          </a:p>
+          <a:p>
+            <a:pPr marL="171450" lvl="0" indent="-171450" algn="l" rtl="0">
+              <a:spcBef>
+                <a:spcPts val="0"/>
+              </a:spcBef>
+              <a:spcAft>
+                <a:spcPts val="0"/>
+              </a:spcAft>
+              <a:buFontTx/>
+              <a:buChar char="-"/>
+            </a:pPr>
+            <a:endParaRPr lang="en-US" baseline="0" dirty="0"/>
+          </a:p>
+          <a:p>
+            <a:pPr marL="171450" lvl="0" indent="-171450" algn="l" rtl="0">
+              <a:spcBef>
+                <a:spcPts val="0"/>
+              </a:spcBef>
+              <a:spcAft>
+                <a:spcPts val="0"/>
+              </a:spcAft>
+              <a:buFontTx/>
+              <a:buChar char="-"/>
+            </a:pPr>
+            <a:endParaRPr lang="en-US" baseline="0" dirty="0"/>
+          </a:p>
+          <a:p>
+            <a:pPr marL="171450" lvl="0" indent="-171450" algn="l" rtl="0">
+              <a:spcBef>
+                <a:spcPts val="0"/>
+              </a:spcBef>
+              <a:spcAft>
+                <a:spcPts val="0"/>
+              </a:spcAft>
+              <a:buFontTx/>
+              <a:buChar char="-"/>
+            </a:pPr>
+            <a:endParaRPr lang="en-US" baseline="0" dirty="0"/>
+          </a:p>
+          <a:p>
+            <a:pPr marL="171450" lvl="0" indent="-171450" algn="l" rtl="0">
+              <a:spcBef>
+                <a:spcPts val="0"/>
+              </a:spcBef>
+              <a:spcAft>
+                <a:spcPts val="0"/>
+              </a:spcAft>
+              <a:buFontTx/>
+              <a:buChar char="-"/>
+            </a:pPr>
+            <a:endParaRPr lang="en-US" baseline="0" dirty="0"/>
+          </a:p>
+          <a:p>
+            <a:pPr marL="171450" lvl="0" indent="-171450" algn="l" rtl="0">
+              <a:spcBef>
+                <a:spcPts val="0"/>
+              </a:spcBef>
+              <a:spcAft>
+                <a:spcPts val="0"/>
+              </a:spcAft>
+              <a:buFontTx/>
+              <a:buChar char="-"/>
+            </a:pPr>
+            <a:endParaRPr lang="en-US" baseline="0" dirty="0"/>
+          </a:p>
+          <a:p>
+            <a:pPr marL="171450" lvl="0" indent="-171450" algn="l" rtl="0">
+              <a:spcBef>
+                <a:spcPts val="0"/>
+              </a:spcBef>
+              <a:spcAft>
+                <a:spcPts val="0"/>
+              </a:spcAft>
+              <a:buFontTx/>
+              <a:buChar char="-"/>
+            </a:pPr>
+            <a:endParaRPr lang="en-US" baseline="0" dirty="0"/>
           </a:p>
           <a:p>
             <a:pPr marL="171450" lvl="0" indent="-171450" algn="l" rtl="0">
@@ -14523,175 +14507,6 @@
 </file>
 
 <file path=ppt/notesSlides/notesSlide7.xml><?xml version="1.0" encoding="utf-8"?>
-<p:notes xmlns:a="http://schemas.openxmlformats.org/drawingml/2006/main" xmlns:r="http://schemas.openxmlformats.org/officeDocument/2006/relationships" xmlns:p="http://schemas.openxmlformats.org/presentationml/2006/main" showMasterSp="0" showMasterPhAnim="0">
-  <p:cSld>
-    <p:spTree>
-      <p:nvGrpSpPr>
-        <p:cNvPr id="1" name="Shape 179"/>
-        <p:cNvGrpSpPr/>
-        <p:nvPr/>
-      </p:nvGrpSpPr>
-      <p:grpSpPr>
-        <a:xfrm>
-          <a:off x="0" y="0"/>
-          <a:ext cx="0" cy="0"/>
-          <a:chOff x="0" y="0"/>
-          <a:chExt cx="0" cy="0"/>
-        </a:xfrm>
-      </p:grpSpPr>
-      <p:sp>
-        <p:nvSpPr>
-          <p:cNvPr id="180" name="Google Shape;180;g8cb5878148_0_292:notes"/>
-          <p:cNvSpPr>
-            <a:spLocks noGrp="1" noRot="1" noChangeAspect="1"/>
-          </p:cNvSpPr>
-          <p:nvPr>
-            <p:ph type="sldImg" idx="2"/>
-          </p:nvPr>
-        </p:nvSpPr>
-        <p:spPr>
-          <a:xfrm>
-            <a:off x="685800" y="1143000"/>
-            <a:ext cx="5486400" cy="3086100"/>
-          </a:xfrm>
-          <a:custGeom>
-            <a:avLst/>
-            <a:gdLst/>
-            <a:ahLst/>
-            <a:cxnLst/>
-            <a:rect l="l" t="t" r="r" b="b"/>
-            <a:pathLst>
-              <a:path w="120000" h="120000" extrusionOk="0">
-                <a:moveTo>
-                  <a:pt x="0" y="0"/>
-                </a:moveTo>
-                <a:lnTo>
-                  <a:pt x="120000" y="0"/>
-                </a:lnTo>
-                <a:lnTo>
-                  <a:pt x="120000" y="120000"/>
-                </a:lnTo>
-                <a:lnTo>
-                  <a:pt x="0" y="120000"/>
-                </a:lnTo>
-                <a:close/>
-              </a:path>
-            </a:pathLst>
-          </a:custGeom>
-          <a:noFill/>
-          <a:ln w="12700" cap="flat" cmpd="sng">
-            <a:solidFill>
-              <a:srgbClr val="000000"/>
-            </a:solidFill>
-            <a:prstDash val="solid"/>
-            <a:round/>
-            <a:headEnd type="none" w="sm" len="sm"/>
-            <a:tailEnd type="none" w="sm" len="sm"/>
-          </a:ln>
-        </p:spPr>
-      </p:sp>
-      <p:sp>
-        <p:nvSpPr>
-          <p:cNvPr id="181" name="Google Shape;181;g8cb5878148_0_292:notes"/>
-          <p:cNvSpPr txBox="1">
-            <a:spLocks noGrp="1"/>
-          </p:cNvSpPr>
-          <p:nvPr>
-            <p:ph type="body" idx="1"/>
-          </p:nvPr>
-        </p:nvSpPr>
-        <p:spPr>
-          <a:xfrm>
-            <a:off x="685800" y="4400550"/>
-            <a:ext cx="5486400" cy="3600600"/>
-          </a:xfrm>
-          <a:prstGeom prst="rect">
-            <a:avLst/>
-          </a:prstGeom>
-          <a:noFill/>
-          <a:ln>
-            <a:noFill/>
-          </a:ln>
-        </p:spPr>
-        <p:txBody>
-          <a:bodyPr spcFirstLastPara="1" wrap="square" lIns="91425" tIns="45700" rIns="91425" bIns="45700" anchor="t" anchorCtr="0">
-            <a:noAutofit/>
-          </a:bodyPr>
-          <a:lstStyle/>
-          <a:p>
-            <a:pPr marL="0" lvl="0" indent="0" algn="l" rtl="0">
-              <a:spcBef>
-                <a:spcPts val="0"/>
-              </a:spcBef>
-              <a:spcAft>
-                <a:spcPts val="0"/>
-              </a:spcAft>
-              <a:buNone/>
-            </a:pPr>
-            <a:endParaRPr dirty="0"/>
-          </a:p>
-        </p:txBody>
-      </p:sp>
-      <p:sp>
-        <p:nvSpPr>
-          <p:cNvPr id="182" name="Google Shape;182;g8cb5878148_0_292:notes"/>
-          <p:cNvSpPr txBox="1">
-            <a:spLocks noGrp="1"/>
-          </p:cNvSpPr>
-          <p:nvPr>
-            <p:ph type="sldNum" idx="12"/>
-          </p:nvPr>
-        </p:nvSpPr>
-        <p:spPr>
-          <a:xfrm>
-            <a:off x="3884613" y="8685213"/>
-            <a:ext cx="2971800" cy="458700"/>
-          </a:xfrm>
-          <a:prstGeom prst="rect">
-            <a:avLst/>
-          </a:prstGeom>
-          <a:noFill/>
-          <a:ln>
-            <a:noFill/>
-          </a:ln>
-        </p:spPr>
-        <p:txBody>
-          <a:bodyPr spcFirstLastPara="1" wrap="square" lIns="91425" tIns="45700" rIns="91425" bIns="45700" anchor="b" anchorCtr="0">
-            <a:noAutofit/>
-          </a:bodyPr>
-          <a:lstStyle/>
-          <a:p>
-            <a:pPr marL="0" lvl="0" indent="0" algn="r" rtl="0">
-              <a:spcBef>
-                <a:spcPts val="0"/>
-              </a:spcBef>
-              <a:spcAft>
-                <a:spcPts val="0"/>
-              </a:spcAft>
-              <a:buNone/>
-            </a:pPr>
-            <a:fld id="{00000000-1234-1234-1234-123412341234}" type="slidenum">
-              <a:rPr lang="en"/>
-              <a:t>7</a:t>
-            </a:fld>
-            <a:endParaRPr/>
-          </a:p>
-        </p:txBody>
-      </p:sp>
-    </p:spTree>
-    <p:extLst>
-      <p:ext uri="{BB962C8B-B14F-4D97-AF65-F5344CB8AC3E}">
-        <p14:creationId xmlns:p14="http://schemas.microsoft.com/office/powerpoint/2010/main" val="3891949537"/>
-      </p:ext>
-    </p:extLst>
-  </p:cSld>
-  <p:clrMapOvr>
-    <a:masterClrMapping/>
-  </p:clrMapOvr>
-</p:notes>
-</file>
-
-<file path=ppt/notesSlides/notesSlide8.xml><?xml version="1.0" encoding="utf-8"?>
 <p:notes xmlns:a="http://schemas.openxmlformats.org/drawingml/2006/main" xmlns:r="http://schemas.openxmlformats.org/officeDocument/2006/relationships" xmlns:p="http://schemas.openxmlformats.org/presentationml/2006/main">
   <p:cSld>
     <p:spTree>
@@ -14771,7 +14586,14 @@
             <a:pPr marL="457200" indent="-298450"/>
             <a:r>
               <a:rPr lang="en-US" dirty="0"/>
-              <a:t>I wanted to use data from this API instead of a static data set so we can easily transition to direct API usage in the future, if permitted</a:t>
+              <a:t>The line of business is currently in conversation with Moody’s to sign a contract for their news feed API. </a:t>
+            </a:r>
+          </a:p>
+          <a:p>
+            <a:pPr marL="457200" indent="-298450"/>
+            <a:r>
+              <a:rPr lang="en-US" dirty="0"/>
+              <a:t>I wanted to use data from a similar API instead of a static data set so we can easily transition to direct API usage in the future.</a:t>
             </a:r>
           </a:p>
         </p:txBody>
@@ -14780,6 +14602,84 @@
     <p:extLst>
       <p:ext uri="{BB962C8B-B14F-4D97-AF65-F5344CB8AC3E}">
         <p14:creationId xmlns:p14="http://schemas.microsoft.com/office/powerpoint/2010/main" val="1650094872"/>
+      </p:ext>
+    </p:extLst>
+  </p:cSld>
+  <p:clrMapOvr>
+    <a:masterClrMapping/>
+  </p:clrMapOvr>
+</p:notes>
+</file>
+
+<file path=ppt/notesSlides/notesSlide8.xml><?xml version="1.0" encoding="utf-8"?>
+<p:notes xmlns:a="http://schemas.openxmlformats.org/drawingml/2006/main" xmlns:r="http://schemas.openxmlformats.org/officeDocument/2006/relationships" xmlns:p="http://schemas.openxmlformats.org/presentationml/2006/main">
+  <p:cSld>
+    <p:spTree>
+      <p:nvGrpSpPr>
+        <p:cNvPr id="1" name=""/>
+        <p:cNvGrpSpPr/>
+        <p:nvPr/>
+      </p:nvGrpSpPr>
+      <p:grpSpPr>
+        <a:xfrm>
+          <a:off x="0" y="0"/>
+          <a:ext cx="0" cy="0"/>
+          <a:chOff x="0" y="0"/>
+          <a:chExt cx="0" cy="0"/>
+        </a:xfrm>
+      </p:grpSpPr>
+      <p:sp>
+        <p:nvSpPr>
+          <p:cNvPr id="2" name="Slide Image Placeholder 1"/>
+          <p:cNvSpPr>
+            <a:spLocks noGrp="1" noRot="1" noChangeAspect="1"/>
+          </p:cNvSpPr>
+          <p:nvPr>
+            <p:ph type="sldImg"/>
+          </p:nvPr>
+        </p:nvSpPr>
+        <p:spPr>
+          <a:xfrm>
+            <a:off x="381000" y="685800"/>
+            <a:ext cx="6096000" cy="3429000"/>
+          </a:xfrm>
+        </p:spPr>
+      </p:sp>
+      <p:sp>
+        <p:nvSpPr>
+          <p:cNvPr id="3" name="Notes Placeholder 2"/>
+          <p:cNvSpPr>
+            <a:spLocks noGrp="1"/>
+          </p:cNvSpPr>
+          <p:nvPr>
+            <p:ph type="body" idx="1"/>
+          </p:nvPr>
+        </p:nvSpPr>
+        <p:spPr/>
+        <p:txBody>
+          <a:bodyPr/>
+          <a:lstStyle/>
+          <a:p>
+            <a:pPr marL="457200" indent="-298450"/>
+            <a:r>
+              <a:rPr lang="en-US" dirty="0"/>
+              <a:t>Now </a:t>
+            </a:r>
+            <a:r>
+              <a:rPr lang="en-US" dirty="0" err="1"/>
+              <a:t>im</a:t>
+            </a:r>
+            <a:r>
+              <a:rPr lang="en-US" dirty="0"/>
+              <a:t> going to talk </a:t>
+            </a:r>
+          </a:p>
+        </p:txBody>
+      </p:sp>
+    </p:spTree>
+    <p:extLst>
+      <p:ext uri="{BB962C8B-B14F-4D97-AF65-F5344CB8AC3E}">
+        <p14:creationId xmlns:p14="http://schemas.microsoft.com/office/powerpoint/2010/main" val="3193395848"/>
       </p:ext>
     </p:extLst>
   </p:cSld>
@@ -14896,7 +14796,43 @@
             </a:pPr>
             <a:r>
               <a:rPr lang="en-US" dirty="0"/>
-              <a:t>Now, let's examine the database schema I've designed for this news alert application.</a:t>
+              <a:t>One issue I ran into early on was that I noticed there were a lot of the same stories, in some cases with exactly the same titles, appearing in the news data. </a:t>
+            </a:r>
+            <a:r>
+              <a:rPr lang="en-US" dirty="0" err="1"/>
+              <a:t>Obvously</a:t>
+            </a:r>
+            <a:r>
+              <a:rPr lang="en-US" dirty="0"/>
+              <a:t>, you wouldn’t want to get five different push notifications for the same piece of news, so I needed to find some way to consolidate similar stories into one alert. </a:t>
+            </a:r>
+          </a:p>
+          <a:p>
+            <a:pPr marL="171450" lvl="0" indent="-171450" algn="l" rtl="0">
+              <a:spcBef>
+                <a:spcPts val="0"/>
+              </a:spcBef>
+              <a:spcAft>
+                <a:spcPts val="0"/>
+              </a:spcAft>
+            </a:pPr>
+            <a:r>
+              <a:rPr lang="en-US" dirty="0"/>
+              <a:t>So this process involves three main steps: computing similarity between articles, detecting duplicates, and grouping similar articles together.</a:t>
+            </a:r>
+          </a:p>
+          <a:p>
+            <a:pPr marL="171450" lvl="0" indent="-171450" algn="l" rtl="0">
+              <a:spcBef>
+                <a:spcPts val="0"/>
+              </a:spcBef>
+              <a:spcAft>
+                <a:spcPts val="0"/>
+              </a:spcAft>
+            </a:pPr>
+            <a:r>
+              <a:rPr lang="en-US" dirty="0"/>
+              <a:t>First, let's talk about how I compute similarity. I use a technique called TF-IDF, which stands for Term Frequency-Inverse Document Frequency. </a:t>
             </a:r>
           </a:p>
           <a:p>
@@ -14914,14 +14850,298 @@
                 <a:srgbClr val="000000"/>
               </a:buClr>
               <a:buSzPts val="1100"/>
-              <a:buFont typeface="Arial"/>
-              <a:buChar char="●"/>
               <a:tabLst/>
               <a:defRPr/>
             </a:pPr>
             <a:r>
               <a:rPr lang="en-US" dirty="0"/>
-              <a:t>As you can see, we have three main tables: articles, companies, and keywords.</a:t>
+              <a:t>TF-IDF helps convert text into numbers that a computer can understand and compare. It does this by measuring how important each word is, both within a single article and across all the articles I'm looking at. Words that appear frequently in one article but rarely in others are considered more important and get a higher score. </a:t>
+            </a:r>
+          </a:p>
+          <a:p>
+            <a:pPr marL="171450" marR="0" lvl="0" indent="-171450" algn="l" defTabSz="914400" rtl="0" eaLnBrk="1" fontAlgn="auto" latinLnBrk="0" hangingPunct="1">
+              <a:lnSpc>
+                <a:spcPct val="100000"/>
+              </a:lnSpc>
+              <a:spcBef>
+                <a:spcPts val="0"/>
+              </a:spcBef>
+              <a:spcAft>
+                <a:spcPts val="0"/>
+              </a:spcAft>
+              <a:buClr>
+                <a:srgbClr val="000000"/>
+              </a:buClr>
+              <a:buSzPts val="1100"/>
+              <a:tabLst/>
+              <a:defRPr/>
+            </a:pPr>
+            <a:r>
+              <a:rPr lang="en-US" dirty="0"/>
+              <a:t>Then the scores of all the words in the article are used to convert the article text into a vector. </a:t>
+            </a:r>
+          </a:p>
+          <a:p>
+            <a:pPr marL="171450" marR="0" lvl="0" indent="-171450" algn="l" defTabSz="914400" rtl="0" eaLnBrk="1" fontAlgn="auto" latinLnBrk="0" hangingPunct="1">
+              <a:lnSpc>
+                <a:spcPct val="100000"/>
+              </a:lnSpc>
+              <a:spcBef>
+                <a:spcPts val="0"/>
+              </a:spcBef>
+              <a:spcAft>
+                <a:spcPts val="0"/>
+              </a:spcAft>
+              <a:buClr>
+                <a:srgbClr val="000000"/>
+              </a:buClr>
+              <a:buSzPts val="1100"/>
+              <a:tabLst/>
+              <a:defRPr/>
+            </a:pPr>
+            <a:r>
+              <a:rPr lang="en-US" dirty="0"/>
+              <a:t>Once I have these vector representations of the articles, I use something called cosine similarity to compare them. This is literally just taking the cosine of two vectors. </a:t>
+            </a:r>
+          </a:p>
+          <a:p>
+            <a:pPr marL="171450" marR="0" lvl="0" indent="-171450" algn="l" defTabSz="914400" rtl="0" eaLnBrk="1" fontAlgn="auto" latinLnBrk="0" hangingPunct="1">
+              <a:lnSpc>
+                <a:spcPct val="100000"/>
+              </a:lnSpc>
+              <a:spcBef>
+                <a:spcPts val="0"/>
+              </a:spcBef>
+              <a:spcAft>
+                <a:spcPts val="0"/>
+              </a:spcAft>
+              <a:buClr>
+                <a:srgbClr val="000000"/>
+              </a:buClr>
+              <a:buSzPts val="1100"/>
+              <a:tabLst/>
+              <a:defRPr/>
+            </a:pPr>
+            <a:r>
+              <a:rPr lang="en-US" dirty="0"/>
+              <a:t> This gives me a similarity score for each pair of articles, which I store in a 2d matrix. </a:t>
+            </a:r>
+          </a:p>
+          <a:p>
+            <a:pPr marL="171450" marR="0" lvl="0" indent="-171450" algn="l" defTabSz="914400" rtl="0" eaLnBrk="1" fontAlgn="auto" latinLnBrk="0" hangingPunct="1">
+              <a:lnSpc>
+                <a:spcPct val="100000"/>
+              </a:lnSpc>
+              <a:spcBef>
+                <a:spcPts val="0"/>
+              </a:spcBef>
+              <a:spcAft>
+                <a:spcPts val="0"/>
+              </a:spcAft>
+              <a:buClr>
+                <a:srgbClr val="000000"/>
+              </a:buClr>
+              <a:buSzPts val="1100"/>
+              <a:tabLst/>
+              <a:defRPr/>
+            </a:pPr>
+            <a:r>
+              <a:rPr lang="en-US" dirty="0"/>
+              <a:t>So then I just loop through the matrix, and compare the similarity score to a </a:t>
+            </a:r>
+            <a:r>
+              <a:rPr lang="en-US" dirty="0" err="1"/>
+              <a:t>threashold</a:t>
+            </a:r>
+            <a:r>
+              <a:rPr lang="en-US" dirty="0"/>
+              <a:t> value, if its over the </a:t>
+            </a:r>
+            <a:r>
+              <a:rPr lang="en-US" dirty="0" err="1"/>
+              <a:t>threashold</a:t>
+            </a:r>
+            <a:r>
+              <a:rPr lang="en-US" dirty="0"/>
+              <a:t> its marked as a duplicate. </a:t>
+            </a:r>
+          </a:p>
+          <a:p>
+            <a:pPr marL="171450" marR="0" lvl="0" indent="-171450" algn="l" defTabSz="914400" rtl="0" eaLnBrk="1" fontAlgn="auto" latinLnBrk="0" hangingPunct="1">
+              <a:lnSpc>
+                <a:spcPct val="100000"/>
+              </a:lnSpc>
+              <a:spcBef>
+                <a:spcPts val="0"/>
+              </a:spcBef>
+              <a:spcAft>
+                <a:spcPts val="0"/>
+              </a:spcAft>
+              <a:buClr>
+                <a:srgbClr val="000000"/>
+              </a:buClr>
+              <a:buSzPts val="1100"/>
+              <a:tabLst/>
+              <a:defRPr/>
+            </a:pPr>
+            <a:r>
+              <a:rPr lang="en-US" dirty="0"/>
+              <a:t>The final step is grouping these articles. I choose one article as the "primary" article for each group. All the information about its duplicates is stored within this primary article. </a:t>
+            </a:r>
+          </a:p>
+          <a:p>
+            <a:pPr marL="171450" marR="0" lvl="0" indent="-171450" algn="l" defTabSz="914400" rtl="0" eaLnBrk="1" fontAlgn="auto" latinLnBrk="0" hangingPunct="1">
+              <a:lnSpc>
+                <a:spcPct val="100000"/>
+              </a:lnSpc>
+              <a:spcBef>
+                <a:spcPts val="0"/>
+              </a:spcBef>
+              <a:spcAft>
+                <a:spcPts val="0"/>
+              </a:spcAft>
+              <a:buClr>
+                <a:srgbClr val="000000"/>
+              </a:buClr>
+              <a:buSzPts val="1100"/>
+              <a:tabLst/>
+              <a:defRPr/>
+            </a:pPr>
+            <a:endParaRPr lang="en-US" dirty="0"/>
+          </a:p>
+          <a:p>
+            <a:pPr marL="171450" marR="0" lvl="0" indent="-171450" algn="l" defTabSz="914400" rtl="0" eaLnBrk="1" fontAlgn="auto" latinLnBrk="0" hangingPunct="1">
+              <a:lnSpc>
+                <a:spcPct val="100000"/>
+              </a:lnSpc>
+              <a:spcBef>
+                <a:spcPts val="0"/>
+              </a:spcBef>
+              <a:spcAft>
+                <a:spcPts val="0"/>
+              </a:spcAft>
+              <a:buClr>
+                <a:srgbClr val="000000"/>
+              </a:buClr>
+              <a:buSzPts val="1100"/>
+              <a:tabLst/>
+              <a:defRPr/>
+            </a:pPr>
+            <a:endParaRPr lang="en-US" dirty="0"/>
+          </a:p>
+          <a:p>
+            <a:pPr marL="171450" marR="0" lvl="0" indent="-171450" algn="l" defTabSz="914400" rtl="0" eaLnBrk="1" fontAlgn="auto" latinLnBrk="0" hangingPunct="1">
+              <a:lnSpc>
+                <a:spcPct val="100000"/>
+              </a:lnSpc>
+              <a:spcBef>
+                <a:spcPts val="0"/>
+              </a:spcBef>
+              <a:spcAft>
+                <a:spcPts val="0"/>
+              </a:spcAft>
+              <a:buClr>
+                <a:srgbClr val="000000"/>
+              </a:buClr>
+              <a:buSzPts val="1100"/>
+              <a:tabLst/>
+              <a:defRPr/>
+            </a:pPr>
+            <a:r>
+              <a:rPr lang="en-US" dirty="0"/>
+              <a:t>TF-IDF </a:t>
+            </a:r>
+          </a:p>
+          <a:p>
+            <a:pPr marL="171450" marR="0" lvl="0" indent="-171450" algn="l" defTabSz="914400" rtl="0" eaLnBrk="1" fontAlgn="auto" latinLnBrk="0" hangingPunct="1">
+              <a:lnSpc>
+                <a:spcPct val="100000"/>
+              </a:lnSpc>
+              <a:spcBef>
+                <a:spcPts val="0"/>
+              </a:spcBef>
+              <a:spcAft>
+                <a:spcPts val="0"/>
+              </a:spcAft>
+              <a:buClr>
+                <a:srgbClr val="000000"/>
+              </a:buClr>
+              <a:buSzPts val="1100"/>
+              <a:tabLst/>
+              <a:defRPr/>
+            </a:pPr>
+            <a:r>
+              <a:rPr lang="en-US" dirty="0"/>
+              <a:t>Vectorization </a:t>
+            </a:r>
+          </a:p>
+          <a:p>
+            <a:pPr marL="171450" marR="0" lvl="0" indent="-171450" algn="l" defTabSz="914400" rtl="0" eaLnBrk="1" fontAlgn="auto" latinLnBrk="0" hangingPunct="1">
+              <a:lnSpc>
+                <a:spcPct val="100000"/>
+              </a:lnSpc>
+              <a:spcBef>
+                <a:spcPts val="0"/>
+              </a:spcBef>
+              <a:spcAft>
+                <a:spcPts val="0"/>
+              </a:spcAft>
+              <a:buClr>
+                <a:srgbClr val="000000"/>
+              </a:buClr>
+              <a:buSzPts val="1100"/>
+              <a:tabLst/>
+              <a:defRPr/>
+            </a:pPr>
+            <a:r>
+              <a:rPr lang="en-US" dirty="0"/>
+              <a:t>Cosine similarity </a:t>
+            </a:r>
+          </a:p>
+          <a:p>
+            <a:pPr marL="171450" marR="0" lvl="0" indent="-171450" algn="l" defTabSz="914400" rtl="0" eaLnBrk="1" fontAlgn="auto" latinLnBrk="0" hangingPunct="1">
+              <a:lnSpc>
+                <a:spcPct val="100000"/>
+              </a:lnSpc>
+              <a:spcBef>
+                <a:spcPts val="0"/>
+              </a:spcBef>
+              <a:spcAft>
+                <a:spcPts val="0"/>
+              </a:spcAft>
+              <a:buClr>
+                <a:srgbClr val="000000"/>
+              </a:buClr>
+              <a:buSzPts val="1100"/>
+              <a:tabLst/>
+              <a:defRPr/>
+            </a:pPr>
+            <a:r>
+              <a:rPr lang="en-US" dirty="0"/>
+              <a:t>Duplicate selection </a:t>
+            </a:r>
+          </a:p>
+          <a:p>
+            <a:pPr marL="171450" marR="0" lvl="0" indent="-171450" algn="l" defTabSz="914400" rtl="0" eaLnBrk="1" fontAlgn="auto" latinLnBrk="0" hangingPunct="1">
+              <a:lnSpc>
+                <a:spcPct val="100000"/>
+              </a:lnSpc>
+              <a:spcBef>
+                <a:spcPts val="0"/>
+              </a:spcBef>
+              <a:spcAft>
+                <a:spcPts val="0"/>
+              </a:spcAft>
+              <a:buClr>
+                <a:srgbClr val="000000"/>
+              </a:buClr>
+              <a:buSzPts val="1100"/>
+              <a:tabLst/>
+              <a:defRPr/>
+            </a:pPr>
+            <a:r>
+              <a:rPr lang="en-US" dirty="0"/>
+              <a:t>Grouping </a:t>
             </a:r>
           </a:p>
           <a:p>
@@ -14933,33 +15153,29 @@
                 <a:spcPts val="0"/>
               </a:spcAft>
             </a:pPr>
-            <a:r>
-              <a:rPr lang="en-US" dirty="0"/>
-              <a:t>Go through the properties </a:t>
-            </a:r>
+            <a:endParaRPr lang="en-US" dirty="0"/>
           </a:p>
           <a:p>
-            <a:pPr marL="171450" lvl="0" indent="-171450" algn="l" rtl="0">
-              <a:spcBef>
-                <a:spcPts val="0"/>
-              </a:spcBef>
-              <a:spcAft>
-                <a:spcPts val="0"/>
-              </a:spcAft>
+            <a:pPr marL="0" lvl="0" indent="0" algn="l" rtl="0">
+              <a:spcBef>
+                <a:spcPts val="0"/>
+              </a:spcBef>
+              <a:spcAft>
+                <a:spcPts val="0"/>
+              </a:spcAft>
+              <a:buNone/>
             </a:pPr>
-            <a:r>
-              <a:rPr lang="en-US" dirty="0"/>
-              <a:t>In terms of relationships you can see there is a many to one relationship between articles and companies, and a one to many relationship between company and keywords </a:t>
-            </a:r>
+            <a:endParaRPr lang="en-US" dirty="0"/>
           </a:p>
           <a:p>
-            <a:pPr marL="171450" lvl="0" indent="-171450" algn="l" rtl="0">
-              <a:spcBef>
-                <a:spcPts val="0"/>
-              </a:spcBef>
-              <a:spcAft>
-                <a:spcPts val="0"/>
-              </a:spcAft>
+            <a:pPr marL="0" lvl="0" indent="0" algn="l" rtl="0">
+              <a:spcBef>
+                <a:spcPts val="0"/>
+              </a:spcBef>
+              <a:spcAft>
+                <a:spcPts val="0"/>
+              </a:spcAft>
+              <a:buNone/>
             </a:pPr>
             <a:endParaRPr lang="en-US" dirty="0"/>
           </a:p>
@@ -15014,7 +15230,7 @@
     </p:spTree>
     <p:extLst>
       <p:ext uri="{BB962C8B-B14F-4D97-AF65-F5344CB8AC3E}">
-        <p14:creationId xmlns:p14="http://schemas.microsoft.com/office/powerpoint/2010/main" val="4000114108"/>
+        <p14:creationId xmlns:p14="http://schemas.microsoft.com/office/powerpoint/2010/main" val="4058027789"/>
       </p:ext>
     </p:extLst>
   </p:cSld>
@@ -30287,287 +30503,6 @@
   <p:cSld>
     <p:spTree>
       <p:nvGrpSpPr>
-        <p:cNvPr id="1" name="Shape 183"/>
-        <p:cNvGrpSpPr/>
-        <p:nvPr/>
-      </p:nvGrpSpPr>
-      <p:grpSpPr>
-        <a:xfrm>
-          <a:off x="0" y="0"/>
-          <a:ext cx="0" cy="0"/>
-          <a:chOff x="0" y="0"/>
-          <a:chExt cx="0" cy="0"/>
-        </a:xfrm>
-      </p:grpSpPr>
-      <p:sp>
-        <p:nvSpPr>
-          <p:cNvPr id="7" name="Google Shape;177;p33">
-            <a:extLst>
-              <a:ext uri="{FF2B5EF4-FFF2-40B4-BE49-F238E27FC236}">
-                <a16:creationId xmlns:a16="http://schemas.microsoft.com/office/drawing/2014/main" id="{A3DAEF02-5DDA-24D8-872C-591CD2F07B13}"/>
-              </a:ext>
-            </a:extLst>
-          </p:cNvPr>
-          <p:cNvSpPr txBox="1"/>
-          <p:nvPr/>
-        </p:nvSpPr>
-        <p:spPr>
-          <a:xfrm>
-            <a:off x="365498" y="159436"/>
-            <a:ext cx="4595121" cy="556055"/>
-          </a:xfrm>
-          <a:prstGeom prst="rect">
-            <a:avLst/>
-          </a:prstGeom>
-          <a:noFill/>
-          <a:ln>
-            <a:noFill/>
-          </a:ln>
-        </p:spPr>
-        <p:txBody>
-          <a:bodyPr spcFirstLastPara="1" wrap="square" lIns="68575" tIns="34275" rIns="68575" bIns="34275" anchor="t" anchorCtr="0">
-            <a:noAutofit/>
-          </a:bodyPr>
-          <a:lstStyle/>
-          <a:p>
-            <a:pPr marL="0" marR="0" lvl="0" indent="0" rtl="0">
-              <a:spcBef>
-                <a:spcPts val="0"/>
-              </a:spcBef>
-              <a:spcAft>
-                <a:spcPts val="0"/>
-              </a:spcAft>
-              <a:buClr>
-                <a:schemeClr val="dk1"/>
-              </a:buClr>
-              <a:buSzPts val="3000"/>
-              <a:buFont typeface="Calibri"/>
-              <a:buNone/>
-            </a:pPr>
-            <a:r>
-              <a:rPr lang="en-US" sz="2400" b="1" dirty="0">
-                <a:solidFill>
-                  <a:srgbClr val="002060"/>
-                </a:solidFill>
-                <a:latin typeface="Calibri" panose="020F0502020204030204" pitchFamily="34" charset="0"/>
-                <a:cs typeface="Calibri" panose="020F0502020204030204" pitchFamily="34" charset="0"/>
-              </a:rPr>
-              <a:t>Duplicate Consolidation </a:t>
-            </a:r>
-          </a:p>
-        </p:txBody>
-      </p:sp>
-      <p:sp>
-        <p:nvSpPr>
-          <p:cNvPr id="9" name="AutoShape 4">
-            <a:extLst>
-              <a:ext uri="{FF2B5EF4-FFF2-40B4-BE49-F238E27FC236}">
-                <a16:creationId xmlns:a16="http://schemas.microsoft.com/office/drawing/2014/main" id="{E4ECAF40-1FD1-ECE1-0FD1-E9A4924DB084}"/>
-              </a:ext>
-            </a:extLst>
-          </p:cNvPr>
-          <p:cNvSpPr>
-            <a:spLocks noChangeAspect="1" noChangeArrowheads="1"/>
-          </p:cNvSpPr>
-          <p:nvPr/>
-        </p:nvSpPr>
-        <p:spPr bwMode="auto">
-          <a:xfrm>
-            <a:off x="6278828" y="35423"/>
-            <a:ext cx="304800" cy="304800"/>
-          </a:xfrm>
-          <a:prstGeom prst="rect">
-            <a:avLst/>
-          </a:prstGeom>
-          <a:noFill/>
-          <a:extLst>
-            <a:ext uri="{909E8E84-426E-40DD-AFC4-6F175D3DCCD1}">
-              <a14:hiddenFill xmlns:a14="http://schemas.microsoft.com/office/drawing/2010/main">
-                <a:solidFill>
-                  <a:srgbClr val="FFFFFF"/>
-                </a:solidFill>
-              </a14:hiddenFill>
-            </a:ext>
-          </a:extLst>
-        </p:spPr>
-        <p:txBody>
-          <a:bodyPr vert="horz" wrap="square" lIns="91440" tIns="45720" rIns="91440" bIns="45720" numCol="1" anchor="t" anchorCtr="0" compatLnSpc="1">
-            <a:prstTxWarp prst="textNoShape">
-              <a:avLst/>
-            </a:prstTxWarp>
-          </a:bodyPr>
-          <a:lstStyle/>
-          <a:p>
-            <a:endParaRPr lang="en-US"/>
-          </a:p>
-        </p:txBody>
-      </p:sp>
-      <p:graphicFrame>
-        <p:nvGraphicFramePr>
-          <p:cNvPr id="26" name="Diagram 25">
-            <a:extLst>
-              <a:ext uri="{FF2B5EF4-FFF2-40B4-BE49-F238E27FC236}">
-                <a16:creationId xmlns:a16="http://schemas.microsoft.com/office/drawing/2014/main" id="{CEAD9CDC-71EC-B323-367B-9B06948F6431}"/>
-              </a:ext>
-            </a:extLst>
-          </p:cNvPr>
-          <p:cNvGraphicFramePr/>
-          <p:nvPr>
-            <p:extLst>
-              <p:ext uri="{D42A27DB-BD31-4B8C-83A1-F6EECF244321}">
-                <p14:modId xmlns:p14="http://schemas.microsoft.com/office/powerpoint/2010/main" val="3408310467"/>
-              </p:ext>
-            </p:extLst>
-          </p:nvPr>
-        </p:nvGraphicFramePr>
-        <p:xfrm>
-          <a:off x="188567" y="750020"/>
-          <a:ext cx="3131312" cy="4181870"/>
-        </p:xfrm>
-        <a:graphic>
-          <a:graphicData uri="http://schemas.openxmlformats.org/drawingml/2006/diagram">
-            <dgm:relIds xmlns:dgm="http://schemas.openxmlformats.org/drawingml/2006/diagram" xmlns:r="http://schemas.openxmlformats.org/officeDocument/2006/relationships" r:dm="rId3" r:lo="rId4" r:qs="rId5" r:cs="rId6"/>
-          </a:graphicData>
-        </a:graphic>
-      </p:graphicFrame>
-      <p:pic>
-        <p:nvPicPr>
-          <p:cNvPr id="27" name="Picture 26" descr="A screenshot of a phone&#10;&#10;Description automatically generated">
-            <a:extLst>
-              <a:ext uri="{FF2B5EF4-FFF2-40B4-BE49-F238E27FC236}">
-                <a16:creationId xmlns:a16="http://schemas.microsoft.com/office/drawing/2014/main" id="{2CF97C0D-A19C-80E4-FFCA-DB19770A975A}"/>
-              </a:ext>
-            </a:extLst>
-          </p:cNvPr>
-          <p:cNvPicPr>
-            <a:picLocks noChangeAspect="1"/>
-          </p:cNvPicPr>
-          <p:nvPr/>
-        </p:nvPicPr>
-        <p:blipFill>
-          <a:blip r:embed="rId8"/>
-          <a:stretch>
-            <a:fillRect/>
-          </a:stretch>
-        </p:blipFill>
-        <p:spPr>
-          <a:xfrm>
-            <a:off x="6431228" y="934517"/>
-            <a:ext cx="2485098" cy="3599813"/>
-          </a:xfrm>
-          <a:prstGeom prst="rect">
-            <a:avLst/>
-          </a:prstGeom>
-        </p:spPr>
-      </p:pic>
-      <p:pic>
-        <p:nvPicPr>
-          <p:cNvPr id="28" name="Picture 27" descr="A screenshot of a chat&#10;&#10;Description automatically generated">
-            <a:extLst>
-              <a:ext uri="{FF2B5EF4-FFF2-40B4-BE49-F238E27FC236}">
-                <a16:creationId xmlns:a16="http://schemas.microsoft.com/office/drawing/2014/main" id="{92363934-1106-AE5D-9BE7-008AFEF81639}"/>
-              </a:ext>
-            </a:extLst>
-          </p:cNvPr>
-          <p:cNvPicPr>
-            <a:picLocks noChangeAspect="1"/>
-          </p:cNvPicPr>
-          <p:nvPr/>
-        </p:nvPicPr>
-        <p:blipFill>
-          <a:blip r:embed="rId9"/>
-          <a:stretch>
-            <a:fillRect/>
-          </a:stretch>
-        </p:blipFill>
-        <p:spPr>
-          <a:xfrm>
-            <a:off x="3883064" y="3441842"/>
-            <a:ext cx="2395764" cy="1490048"/>
-          </a:xfrm>
-          <a:prstGeom prst="rect">
-            <a:avLst/>
-          </a:prstGeom>
-        </p:spPr>
-      </p:pic>
-      <p:pic>
-        <p:nvPicPr>
-          <p:cNvPr id="29" name="Picture 28" descr="A screenshot of a chat&#10;&#10;Description automatically generated">
-            <a:extLst>
-              <a:ext uri="{FF2B5EF4-FFF2-40B4-BE49-F238E27FC236}">
-                <a16:creationId xmlns:a16="http://schemas.microsoft.com/office/drawing/2014/main" id="{8967A14D-907C-8807-6985-F272E3FFF9EC}"/>
-              </a:ext>
-            </a:extLst>
-          </p:cNvPr>
-          <p:cNvPicPr>
-            <a:picLocks noChangeAspect="1"/>
-          </p:cNvPicPr>
-          <p:nvPr/>
-        </p:nvPicPr>
-        <p:blipFill>
-          <a:blip r:embed="rId10"/>
-          <a:stretch>
-            <a:fillRect/>
-          </a:stretch>
-        </p:blipFill>
-        <p:spPr>
-          <a:xfrm>
-            <a:off x="3905461" y="1836465"/>
-            <a:ext cx="2376286" cy="1470570"/>
-          </a:xfrm>
-          <a:prstGeom prst="rect">
-            <a:avLst/>
-          </a:prstGeom>
-        </p:spPr>
-      </p:pic>
-      <p:pic>
-        <p:nvPicPr>
-          <p:cNvPr id="30" name="Picture 29" descr="A screenshot of a chat&#10;&#10;Description automatically generated">
-            <a:extLst>
-              <a:ext uri="{FF2B5EF4-FFF2-40B4-BE49-F238E27FC236}">
-                <a16:creationId xmlns:a16="http://schemas.microsoft.com/office/drawing/2014/main" id="{350400FE-E726-FBBB-655F-392DC272C75A}"/>
-              </a:ext>
-            </a:extLst>
-          </p:cNvPr>
-          <p:cNvPicPr>
-            <a:picLocks noChangeAspect="1"/>
-          </p:cNvPicPr>
-          <p:nvPr/>
-        </p:nvPicPr>
-        <p:blipFill>
-          <a:blip r:embed="rId11"/>
-          <a:stretch>
-            <a:fillRect/>
-          </a:stretch>
-        </p:blipFill>
-        <p:spPr>
-          <a:xfrm>
-            <a:off x="3902542" y="224783"/>
-            <a:ext cx="2376286" cy="1522001"/>
-          </a:xfrm>
-          <a:prstGeom prst="rect">
-            <a:avLst/>
-          </a:prstGeom>
-        </p:spPr>
-      </p:pic>
-    </p:spTree>
-    <p:extLst>
-      <p:ext uri="{BB962C8B-B14F-4D97-AF65-F5344CB8AC3E}">
-        <p14:creationId xmlns:p14="http://schemas.microsoft.com/office/powerpoint/2010/main" val="418915767"/>
-      </p:ext>
-    </p:extLst>
-  </p:cSld>
-  <p:clrMapOvr>
-    <a:masterClrMapping/>
-  </p:clrMapOvr>
-</p:sld>
-</file>
-
-<file path=ppt/slides/slide11.xml><?xml version="1.0" encoding="utf-8"?>
-<p:sld xmlns:a="http://schemas.openxmlformats.org/drawingml/2006/main" xmlns:r="http://schemas.openxmlformats.org/officeDocument/2006/relationships" xmlns:p="http://schemas.openxmlformats.org/presentationml/2006/main">
-  <p:cSld>
-    <p:spTree>
-      <p:nvGrpSpPr>
         <p:cNvPr id="1" name="Shape 208"/>
         <p:cNvGrpSpPr/>
         <p:nvPr/>
@@ -30675,7 +30610,7 @@
 </p:sld>
 </file>
 
-<file path=ppt/slides/slide12.xml><?xml version="1.0" encoding="utf-8"?>
+<file path=ppt/slides/slide11.xml><?xml version="1.0" encoding="utf-8"?>
 <p:sld xmlns:a="http://schemas.openxmlformats.org/drawingml/2006/main" xmlns:r="http://schemas.openxmlformats.org/officeDocument/2006/relationships" xmlns:p="http://schemas.openxmlformats.org/presentationml/2006/main">
   <p:cSld>
     <p:spTree>
@@ -30770,17 +30705,6 @@
               <a:buFont typeface="Calibri"/>
               <a:buNone/>
             </a:pPr>
-            <a:r>
-              <a:rPr lang="en-US" sz="2400" b="1" i="0" dirty="0">
-                <a:solidFill>
-                  <a:srgbClr val="002060"/>
-                </a:solidFill>
-                <a:effectLst/>
-                <a:latin typeface="Calibri" panose="020F0502020204030204" pitchFamily="34" charset="0"/>
-                <a:cs typeface="Calibri" panose="020F0502020204030204" pitchFamily="34" charset="0"/>
-              </a:rPr>
-              <a:t>News360 – </a:t>
-            </a:r>
             <a:r>
               <a:rPr lang="en" sz="2400" b="1" dirty="0">
                 <a:solidFill>
@@ -30940,7 +30864,7 @@
 </p:sld>
 </file>
 
-<file path=ppt/slides/slide13.xml><?xml version="1.0" encoding="utf-8"?>
+<file path=ppt/slides/slide12.xml><?xml version="1.0" encoding="utf-8"?>
 <p:sld xmlns:a="http://schemas.openxmlformats.org/drawingml/2006/main" xmlns:r="http://schemas.openxmlformats.org/officeDocument/2006/relationships" xmlns:p="http://schemas.openxmlformats.org/presentationml/2006/main">
   <p:cSld>
     <p:spTree>
@@ -31218,7 +31142,7 @@
 </p:sld>
 </file>
 
-<file path=ppt/slides/slide14.xml><?xml version="1.0" encoding="utf-8"?>
+<file path=ppt/slides/slide13.xml><?xml version="1.0" encoding="utf-8"?>
 <p:sld xmlns:a="http://schemas.openxmlformats.org/drawingml/2006/main" xmlns:r="http://schemas.openxmlformats.org/officeDocument/2006/relationships" xmlns:p="http://schemas.openxmlformats.org/presentationml/2006/main">
   <p:cSld>
     <p:spTree>
@@ -31325,7 +31249,7 @@
 </p:sld>
 </file>
 
-<file path=ppt/slides/slide15.xml><?xml version="1.0" encoding="utf-8"?>
+<file path=ppt/slides/slide14.xml><?xml version="1.0" encoding="utf-8"?>
 <p:sld xmlns:a="http://schemas.openxmlformats.org/drawingml/2006/main" xmlns:r="http://schemas.openxmlformats.org/officeDocument/2006/relationships" xmlns:p="http://schemas.openxmlformats.org/presentationml/2006/main">
   <p:cSld>
     <p:spTree>
@@ -31432,1389 +31356,7 @@
 </p:sld>
 </file>
 
-<file path=ppt/slides/slide2.xml><?xml version="1.0" encoding="utf-8"?>
-<p:sld xmlns:a="http://schemas.openxmlformats.org/drawingml/2006/main" xmlns:r="http://schemas.openxmlformats.org/officeDocument/2006/relationships" xmlns:p="http://schemas.openxmlformats.org/presentationml/2006/main">
-  <p:cSld>
-    <p:bg>
-      <p:bgPr>
-        <a:solidFill>
-          <a:schemeClr val="bg1"/>
-        </a:solidFill>
-        <a:effectLst/>
-      </p:bgPr>
-    </p:bg>
-    <p:spTree>
-      <p:nvGrpSpPr>
-        <p:cNvPr id="1" name="Shape 176"/>
-        <p:cNvGrpSpPr/>
-        <p:nvPr/>
-      </p:nvGrpSpPr>
-      <p:grpSpPr>
-        <a:xfrm>
-          <a:off x="0" y="0"/>
-          <a:ext cx="0" cy="0"/>
-          <a:chOff x="0" y="0"/>
-          <a:chExt cx="0" cy="0"/>
-        </a:xfrm>
-      </p:grpSpPr>
-      <p:sp useBgFill="1">
-        <p:nvSpPr>
-          <p:cNvPr id="183" name="Slide Background">
-            <a:extLst>
-              <a:ext uri="{FF2B5EF4-FFF2-40B4-BE49-F238E27FC236}">
-                <a16:creationId xmlns:a16="http://schemas.microsoft.com/office/drawing/2014/main" id="{C0763A76-9F1C-4FC5-82B7-DD475DA461B2}"/>
-              </a:ext>
-              <a:ext uri="{C183D7F6-B498-43B3-948B-1728B52AA6E4}">
-                <adec:decorative xmlns:adec="http://schemas.microsoft.com/office/drawing/2017/decorative" val="1"/>
-              </a:ext>
-            </a:extLst>
-          </p:cNvPr>
-          <p:cNvSpPr>
-            <a:spLocks noGrp="1" noRot="1" noChangeAspect="1" noMove="1" noResize="1" noEditPoints="1" noAdjustHandles="1" noChangeArrowheads="1" noChangeShapeType="1" noTextEdit="1"/>
-          </p:cNvSpPr>
-          <p:nvPr>
-            <p:extLst>
-              <p:ext uri="{386F3935-93C4-4BCD-93E2-E3B085C9AB24}">
-                <p16:designElem xmlns:p16="http://schemas.microsoft.com/office/powerpoint/2015/main" val="1"/>
-              </p:ext>
-            </p:extLst>
-          </p:nvPr>
-        </p:nvSpPr>
-        <p:spPr bwMode="white">
-          <a:xfrm>
-            <a:off x="0" y="0"/>
-            <a:ext cx="9143998" cy="5143500"/>
-          </a:xfrm>
-          <a:prstGeom prst="rect">
-            <a:avLst/>
-          </a:prstGeom>
-          <a:ln>
-            <a:noFill/>
-          </a:ln>
-        </p:spPr>
-        <p:style>
-          <a:lnRef idx="2">
-            <a:schemeClr val="accent1">
-              <a:shade val="50000"/>
-            </a:schemeClr>
-          </a:lnRef>
-          <a:fillRef idx="1">
-            <a:schemeClr val="accent1"/>
-          </a:fillRef>
-          <a:effectRef idx="0">
-            <a:schemeClr val="accent1"/>
-          </a:effectRef>
-          <a:fontRef idx="minor">
-            <a:schemeClr val="lt1"/>
-          </a:fontRef>
-        </p:style>
-        <p:txBody>
-          <a:bodyPr rtlCol="0" anchor="ctr"/>
-          <a:lstStyle>
-            <a:defPPr>
-              <a:defRPr lang="en-US"/>
-            </a:defPPr>
-            <a:lvl1pPr marL="0" algn="l" defTabSz="914400" rtl="0" eaLnBrk="1" latinLnBrk="0" hangingPunct="1">
-              <a:defRPr sz="1800" kern="1200">
-                <a:solidFill>
-                  <a:schemeClr val="lt1"/>
-                </a:solidFill>
-                <a:latin typeface="+mn-lt"/>
-                <a:ea typeface="+mn-ea"/>
-                <a:cs typeface="+mn-cs"/>
-              </a:defRPr>
-            </a:lvl1pPr>
-            <a:lvl2pPr marL="457200" algn="l" defTabSz="914400" rtl="0" eaLnBrk="1" latinLnBrk="0" hangingPunct="1">
-              <a:defRPr sz="1800" kern="1200">
-                <a:solidFill>
-                  <a:schemeClr val="lt1"/>
-                </a:solidFill>
-                <a:latin typeface="+mn-lt"/>
-                <a:ea typeface="+mn-ea"/>
-                <a:cs typeface="+mn-cs"/>
-              </a:defRPr>
-            </a:lvl2pPr>
-            <a:lvl3pPr marL="914400" algn="l" defTabSz="914400" rtl="0" eaLnBrk="1" latinLnBrk="0" hangingPunct="1">
-              <a:defRPr sz="1800" kern="1200">
-                <a:solidFill>
-                  <a:schemeClr val="lt1"/>
-                </a:solidFill>
-                <a:latin typeface="+mn-lt"/>
-                <a:ea typeface="+mn-ea"/>
-                <a:cs typeface="+mn-cs"/>
-              </a:defRPr>
-            </a:lvl3pPr>
-            <a:lvl4pPr marL="1371600" algn="l" defTabSz="914400" rtl="0" eaLnBrk="1" latinLnBrk="0" hangingPunct="1">
-              <a:defRPr sz="1800" kern="1200">
-                <a:solidFill>
-                  <a:schemeClr val="lt1"/>
-                </a:solidFill>
-                <a:latin typeface="+mn-lt"/>
-                <a:ea typeface="+mn-ea"/>
-                <a:cs typeface="+mn-cs"/>
-              </a:defRPr>
-            </a:lvl4pPr>
-            <a:lvl5pPr marL="1828800" algn="l" defTabSz="914400" rtl="0" eaLnBrk="1" latinLnBrk="0" hangingPunct="1">
-              <a:defRPr sz="1800" kern="1200">
-                <a:solidFill>
-                  <a:schemeClr val="lt1"/>
-                </a:solidFill>
-                <a:latin typeface="+mn-lt"/>
-                <a:ea typeface="+mn-ea"/>
-                <a:cs typeface="+mn-cs"/>
-              </a:defRPr>
-            </a:lvl5pPr>
-            <a:lvl6pPr marL="2286000" algn="l" defTabSz="914400" rtl="0" eaLnBrk="1" latinLnBrk="0" hangingPunct="1">
-              <a:defRPr sz="1800" kern="1200">
-                <a:solidFill>
-                  <a:schemeClr val="lt1"/>
-                </a:solidFill>
-                <a:latin typeface="+mn-lt"/>
-                <a:ea typeface="+mn-ea"/>
-                <a:cs typeface="+mn-cs"/>
-              </a:defRPr>
-            </a:lvl6pPr>
-            <a:lvl7pPr marL="2743200" algn="l" defTabSz="914400" rtl="0" eaLnBrk="1" latinLnBrk="0" hangingPunct="1">
-              <a:defRPr sz="1800" kern="1200">
-                <a:solidFill>
-                  <a:schemeClr val="lt1"/>
-                </a:solidFill>
-                <a:latin typeface="+mn-lt"/>
-                <a:ea typeface="+mn-ea"/>
-                <a:cs typeface="+mn-cs"/>
-              </a:defRPr>
-            </a:lvl7pPr>
-            <a:lvl8pPr marL="3200400" algn="l" defTabSz="914400" rtl="0" eaLnBrk="1" latinLnBrk="0" hangingPunct="1">
-              <a:defRPr sz="1800" kern="1200">
-                <a:solidFill>
-                  <a:schemeClr val="lt1"/>
-                </a:solidFill>
-                <a:latin typeface="+mn-lt"/>
-                <a:ea typeface="+mn-ea"/>
-                <a:cs typeface="+mn-cs"/>
-              </a:defRPr>
-            </a:lvl8pPr>
-            <a:lvl9pPr marL="3657600" algn="l" defTabSz="914400" rtl="0" eaLnBrk="1" latinLnBrk="0" hangingPunct="1">
-              <a:defRPr sz="1800" kern="1200">
-                <a:solidFill>
-                  <a:schemeClr val="lt1"/>
-                </a:solidFill>
-                <a:latin typeface="+mn-lt"/>
-                <a:ea typeface="+mn-ea"/>
-                <a:cs typeface="+mn-cs"/>
-              </a:defRPr>
-            </a:lvl9pPr>
-          </a:lstStyle>
-          <a:p>
-            <a:pPr algn="ctr"/>
-            <a:endParaRPr lang="en-US"/>
-          </a:p>
-        </p:txBody>
-      </p:sp>
-      <p:sp useBgFill="1">
-        <p:nvSpPr>
-          <p:cNvPr id="185" name="Rectangle 184">
-            <a:extLst>
-              <a:ext uri="{FF2B5EF4-FFF2-40B4-BE49-F238E27FC236}">
-                <a16:creationId xmlns:a16="http://schemas.microsoft.com/office/drawing/2014/main" id="{E81BF4F6-F2CF-4984-9D14-D6966D92F99F}"/>
-              </a:ext>
-              <a:ext uri="{C183D7F6-B498-43B3-948B-1728B52AA6E4}">
-                <adec:decorative xmlns:adec="http://schemas.microsoft.com/office/drawing/2017/decorative" val="1"/>
-              </a:ext>
-            </a:extLst>
-          </p:cNvPr>
-          <p:cNvSpPr>
-            <a:spLocks noGrp="1" noRot="1" noChangeAspect="1" noMove="1" noResize="1" noEditPoints="1" noAdjustHandles="1" noChangeArrowheads="1" noChangeShapeType="1" noTextEdit="1"/>
-          </p:cNvSpPr>
-          <p:nvPr>
-            <p:extLst>
-              <p:ext uri="{386F3935-93C4-4BCD-93E2-E3B085C9AB24}">
-                <p16:designElem xmlns:p16="http://schemas.microsoft.com/office/powerpoint/2015/main" val="1"/>
-              </p:ext>
-            </p:extLst>
-          </p:nvPr>
-        </p:nvSpPr>
-        <p:spPr>
-          <a:xfrm>
-            <a:off x="0" y="0"/>
-            <a:ext cx="6391835" cy="1714499"/>
-          </a:xfrm>
-          <a:prstGeom prst="rect">
-            <a:avLst/>
-          </a:prstGeom>
-          <a:ln>
-            <a:noFill/>
-          </a:ln>
-          <a:effectLst>
-            <a:outerShdw blurRad="596900" dist="304800" dir="7140000" sx="90000" sy="90000" algn="t" rotWithShape="0">
-              <a:srgbClr val="000000">
-                <a:alpha val="15000"/>
-              </a:srgbClr>
-            </a:outerShdw>
-          </a:effectLst>
-        </p:spPr>
-        <p:style>
-          <a:lnRef idx="2">
-            <a:schemeClr val="accent1">
-              <a:shade val="50000"/>
-            </a:schemeClr>
-          </a:lnRef>
-          <a:fillRef idx="1">
-            <a:schemeClr val="accent1"/>
-          </a:fillRef>
-          <a:effectRef idx="0">
-            <a:schemeClr val="accent1"/>
-          </a:effectRef>
-          <a:fontRef idx="minor">
-            <a:schemeClr val="lt1"/>
-          </a:fontRef>
-        </p:style>
-        <p:txBody>
-          <a:bodyPr rtlCol="0" anchor="ctr"/>
-          <a:lstStyle/>
-          <a:p>
-            <a:pPr algn="ctr"/>
-            <a:endParaRPr lang="en-US"/>
-          </a:p>
-        </p:txBody>
-      </p:sp>
-      <p:sp>
-        <p:nvSpPr>
-          <p:cNvPr id="177" name="Google Shape;177;p33"/>
-          <p:cNvSpPr txBox="1"/>
-          <p:nvPr/>
-        </p:nvSpPr>
-        <p:spPr>
-          <a:xfrm>
-            <a:off x="571352" y="262647"/>
-            <a:ext cx="3485178" cy="1218390"/>
-          </a:xfrm>
-          <a:prstGeom prst="rect">
-            <a:avLst/>
-          </a:prstGeom>
-        </p:spPr>
-        <p:txBody>
-          <a:bodyPr spcFirstLastPara="1" vert="horz" lIns="91440" tIns="45720" rIns="91440" bIns="45720" rtlCol="0" anchor="ctr" anchorCtr="0">
-            <a:normAutofit/>
-          </a:bodyPr>
-          <a:lstStyle/>
-          <a:p>
-            <a:pPr marL="0" marR="0" lvl="0" indent="0" algn="l" rtl="0">
-              <a:spcBef>
-                <a:spcPts val="0"/>
-              </a:spcBef>
-              <a:spcAft>
-                <a:spcPts val="0"/>
-              </a:spcAft>
-              <a:buClr>
-                <a:schemeClr val="dk1"/>
-              </a:buClr>
-              <a:buSzPts val="3000"/>
-              <a:buFont typeface="Calibri"/>
-              <a:buNone/>
-            </a:pPr>
-            <a:r>
-              <a:rPr lang="en-US" sz="3200" b="1" dirty="0">
-                <a:solidFill>
-                  <a:srgbClr val="002060"/>
-                </a:solidFill>
-                <a:latin typeface="Calibri" panose="020F0502020204030204" pitchFamily="34" charset="0"/>
-                <a:cs typeface="Calibri" panose="020F0502020204030204" pitchFamily="34" charset="0"/>
-              </a:rPr>
-              <a:t>About Me</a:t>
-            </a:r>
-            <a:endParaRPr lang="en-US" sz="3200" b="1" dirty="0">
-              <a:solidFill>
-                <a:srgbClr val="002060"/>
-              </a:solidFill>
-              <a:latin typeface="Calibri" panose="020F0502020204030204" pitchFamily="34" charset="0"/>
-              <a:cs typeface="Calibri" panose="020F0502020204030204" pitchFamily="34" charset="0"/>
-              <a:sym typeface="Calibri"/>
-            </a:endParaRPr>
-          </a:p>
-        </p:txBody>
-      </p:sp>
-      <p:sp>
-        <p:nvSpPr>
-          <p:cNvPr id="15" name="TextBox 14">
-            <a:extLst>
-              <a:ext uri="{FF2B5EF4-FFF2-40B4-BE49-F238E27FC236}">
-                <a16:creationId xmlns:a16="http://schemas.microsoft.com/office/drawing/2014/main" id="{DEE0C737-23CE-E95A-074E-0DE671FB77F2}"/>
-              </a:ext>
-            </a:extLst>
-          </p:cNvPr>
-          <p:cNvSpPr txBox="1"/>
-          <p:nvPr/>
-        </p:nvSpPr>
-        <p:spPr>
-          <a:xfrm>
-            <a:off x="255449" y="1714499"/>
-            <a:ext cx="4058816" cy="2709861"/>
-          </a:xfrm>
-          <a:prstGeom prst="rect">
-            <a:avLst/>
-          </a:prstGeom>
-        </p:spPr>
-        <p:txBody>
-          <a:bodyPr vert="horz" lIns="91440" tIns="45720" rIns="91440" bIns="45720" rtlCol="0" anchor="ctr">
-            <a:normAutofit/>
-          </a:bodyPr>
-          <a:lstStyle/>
-          <a:p>
-            <a:pPr>
-              <a:lnSpc>
-                <a:spcPct val="90000"/>
-              </a:lnSpc>
-              <a:spcAft>
-                <a:spcPts val="600"/>
-              </a:spcAft>
-            </a:pPr>
-            <a:r>
-              <a:rPr lang="en-US" sz="1500" kern="1200" dirty="0">
-                <a:solidFill>
-                  <a:schemeClr val="tx1"/>
-                </a:solidFill>
-                <a:latin typeface="+mn-lt"/>
-                <a:ea typeface="+mn-ea"/>
-                <a:cs typeface="+mn-cs"/>
-              </a:rPr>
-              <a:t>The University of Texas at Austin (May 2026)</a:t>
-            </a:r>
-          </a:p>
-          <a:p>
-            <a:pPr>
-              <a:lnSpc>
-                <a:spcPct val="90000"/>
-              </a:lnSpc>
-              <a:spcAft>
-                <a:spcPts val="600"/>
-              </a:spcAft>
-            </a:pPr>
-            <a:r>
-              <a:rPr lang="en-US" sz="1500" kern="1200" dirty="0">
-                <a:solidFill>
-                  <a:schemeClr val="tx1"/>
-                </a:solidFill>
-                <a:latin typeface="+mn-lt"/>
-                <a:ea typeface="+mn-ea"/>
-                <a:cs typeface="+mn-cs"/>
-              </a:rPr>
-              <a:t>Computer Science and Business Honors</a:t>
-            </a:r>
-          </a:p>
-          <a:p>
-            <a:pPr>
-              <a:lnSpc>
-                <a:spcPct val="90000"/>
-              </a:lnSpc>
-              <a:spcAft>
-                <a:spcPts val="600"/>
-              </a:spcAft>
-            </a:pPr>
-            <a:r>
-              <a:rPr lang="en-US" sz="1500" kern="1200" dirty="0">
-                <a:solidFill>
-                  <a:schemeClr val="tx1"/>
-                </a:solidFill>
-                <a:latin typeface="+mn-lt"/>
-                <a:ea typeface="+mn-ea"/>
-                <a:cs typeface="+mn-cs"/>
-              </a:rPr>
-              <a:t> </a:t>
-            </a:r>
-          </a:p>
-          <a:p>
-            <a:pPr>
-              <a:lnSpc>
-                <a:spcPct val="90000"/>
-              </a:lnSpc>
-              <a:spcAft>
-                <a:spcPts val="600"/>
-              </a:spcAft>
-            </a:pPr>
-            <a:r>
-              <a:rPr lang="en-US" sz="1500" kern="1200" dirty="0">
-                <a:solidFill>
-                  <a:schemeClr val="tx1"/>
-                </a:solidFill>
-                <a:latin typeface="+mn-lt"/>
-                <a:ea typeface="+mn-ea"/>
-                <a:cs typeface="+mn-cs"/>
-              </a:rPr>
-              <a:t>Software Engineer Intern</a:t>
-            </a:r>
-          </a:p>
-          <a:p>
-            <a:pPr>
-              <a:lnSpc>
-                <a:spcPct val="90000"/>
-              </a:lnSpc>
-              <a:spcAft>
-                <a:spcPts val="600"/>
-              </a:spcAft>
-            </a:pPr>
-            <a:r>
-              <a:rPr lang="en-US" sz="1500" kern="1200" dirty="0">
-                <a:solidFill>
-                  <a:schemeClr val="tx1"/>
-                </a:solidFill>
-                <a:latin typeface="+mn-lt"/>
-                <a:ea typeface="+mn-ea"/>
-                <a:cs typeface="+mn-cs"/>
-              </a:rPr>
-              <a:t>GCB/BB &amp; Enterprise CRM Technology</a:t>
-            </a:r>
-          </a:p>
-          <a:p>
-            <a:pPr>
-              <a:lnSpc>
-                <a:spcPct val="90000"/>
-              </a:lnSpc>
-              <a:spcAft>
-                <a:spcPts val="600"/>
-              </a:spcAft>
-            </a:pPr>
-            <a:r>
-              <a:rPr lang="en-US" sz="1500" kern="1200" dirty="0">
-                <a:solidFill>
-                  <a:schemeClr val="tx1"/>
-                </a:solidFill>
-                <a:latin typeface="+mn-lt"/>
-                <a:ea typeface="+mn-ea"/>
-                <a:cs typeface="+mn-cs"/>
-              </a:rPr>
-              <a:t>Manager – Deanna </a:t>
-            </a:r>
-            <a:r>
-              <a:rPr lang="en-US" sz="1500" kern="1200" dirty="0" err="1">
-                <a:solidFill>
-                  <a:schemeClr val="tx1"/>
-                </a:solidFill>
-                <a:latin typeface="+mn-lt"/>
-                <a:ea typeface="+mn-ea"/>
-                <a:cs typeface="+mn-cs"/>
-              </a:rPr>
-              <a:t>Tufano</a:t>
-            </a:r>
-            <a:endParaRPr lang="en-US" sz="1500" kern="1200" dirty="0">
-              <a:solidFill>
-                <a:schemeClr val="tx1"/>
-              </a:solidFill>
-              <a:latin typeface="+mn-lt"/>
-              <a:ea typeface="+mn-ea"/>
-              <a:cs typeface="+mn-cs"/>
-            </a:endParaRPr>
-          </a:p>
-        </p:txBody>
-      </p:sp>
-      <p:pic>
-        <p:nvPicPr>
-          <p:cNvPr id="17" name="Picture 16">
-            <a:extLst>
-              <a:ext uri="{FF2B5EF4-FFF2-40B4-BE49-F238E27FC236}">
-                <a16:creationId xmlns:a16="http://schemas.microsoft.com/office/drawing/2014/main" id="{74660A83-BF73-6834-1D22-7609532DC238}"/>
-              </a:ext>
-            </a:extLst>
-          </p:cNvPr>
-          <p:cNvPicPr>
-            <a:picLocks noChangeAspect="1"/>
-          </p:cNvPicPr>
-          <p:nvPr/>
-        </p:nvPicPr>
-        <p:blipFill>
-          <a:blip r:embed="rId3"/>
-          <a:srcRect t="12542" b="12542"/>
-          <a:stretch/>
-        </p:blipFill>
-        <p:spPr>
-          <a:xfrm>
-            <a:off x="4572000" y="10"/>
-            <a:ext cx="4577118" cy="5143490"/>
-          </a:xfrm>
-          <a:prstGeom prst="rect">
-            <a:avLst/>
-          </a:prstGeom>
-        </p:spPr>
-      </p:pic>
-      <p:pic>
-        <p:nvPicPr>
-          <p:cNvPr id="178" name="Google Shape;178;p33"/>
-          <p:cNvPicPr preferRelativeResize="0"/>
-          <p:nvPr/>
-        </p:nvPicPr>
-        <p:blipFill rotWithShape="1">
-          <a:blip r:embed="rId4">
-            <a:alphaModFix/>
-          </a:blip>
-          <a:srcRect/>
-          <a:stretch/>
-        </p:blipFill>
-        <p:spPr>
-          <a:xfrm>
-            <a:off x="104550" y="4825359"/>
-            <a:ext cx="521898" cy="282380"/>
-          </a:xfrm>
-          <a:prstGeom prst="rect">
-            <a:avLst/>
-          </a:prstGeom>
-          <a:noFill/>
-          <a:ln>
-            <a:noFill/>
-          </a:ln>
-        </p:spPr>
-      </p:pic>
-      <p:pic>
-        <p:nvPicPr>
-          <p:cNvPr id="1026" name="Picture 2" descr="Supporting Marks | Brand">
-            <a:extLst>
-              <a:ext uri="{FF2B5EF4-FFF2-40B4-BE49-F238E27FC236}">
-                <a16:creationId xmlns:a16="http://schemas.microsoft.com/office/drawing/2014/main" id="{395D4834-A032-2AB0-CEB4-569E0F86773F}"/>
-              </a:ext>
-            </a:extLst>
-          </p:cNvPr>
-          <p:cNvPicPr>
-            <a:picLocks noChangeAspect="1" noChangeArrowheads="1"/>
-          </p:cNvPicPr>
-          <p:nvPr/>
-        </p:nvPicPr>
-        <p:blipFill>
-          <a:blip r:embed="rId5">
-            <a:extLst>
-              <a:ext uri="{28A0092B-C50C-407E-A947-70E740481C1C}">
-                <a14:useLocalDpi xmlns:a14="http://schemas.microsoft.com/office/drawing/2010/main" val="0"/>
-              </a:ext>
-            </a:extLst>
-          </a:blip>
-          <a:srcRect/>
-          <a:stretch>
-            <a:fillRect/>
-          </a:stretch>
-        </p:blipFill>
-        <p:spPr bwMode="auto">
-          <a:xfrm>
-            <a:off x="3803519" y="4773293"/>
-            <a:ext cx="639614" cy="323855"/>
-          </a:xfrm>
-          <a:prstGeom prst="rect">
-            <a:avLst/>
-          </a:prstGeom>
-          <a:noFill/>
-          <a:extLst>
-            <a:ext uri="{909E8E84-426E-40DD-AFC4-6F175D3DCCD1}">
-              <a14:hiddenFill xmlns:a14="http://schemas.microsoft.com/office/drawing/2010/main">
-                <a:solidFill>
-                  <a:srgbClr val="FFFFFF"/>
-                </a:solidFill>
-              </a14:hiddenFill>
-            </a:ext>
-          </a:extLst>
-        </p:spPr>
-      </p:pic>
-    </p:spTree>
-    <p:extLst>
-      <p:ext uri="{BB962C8B-B14F-4D97-AF65-F5344CB8AC3E}">
-        <p14:creationId xmlns:p14="http://schemas.microsoft.com/office/powerpoint/2010/main" val="1723179464"/>
-      </p:ext>
-    </p:extLst>
-  </p:cSld>
-  <p:clrMapOvr>
-    <a:masterClrMapping/>
-  </p:clrMapOvr>
-</p:sld>
-</file>
-
-<file path=ppt/slides/slide3.xml><?xml version="1.0" encoding="utf-8"?>
-<p:sld xmlns:a="http://schemas.openxmlformats.org/drawingml/2006/main" xmlns:r="http://schemas.openxmlformats.org/officeDocument/2006/relationships" xmlns:p="http://schemas.openxmlformats.org/presentationml/2006/main">
-  <p:cSld>
-    <p:spTree>
-      <p:nvGrpSpPr>
-        <p:cNvPr id="1" name="Shape 169"/>
-        <p:cNvGrpSpPr/>
-        <p:nvPr/>
-      </p:nvGrpSpPr>
-      <p:grpSpPr>
-        <a:xfrm>
-          <a:off x="0" y="0"/>
-          <a:ext cx="0" cy="0"/>
-          <a:chOff x="0" y="0"/>
-          <a:chExt cx="0" cy="0"/>
-        </a:xfrm>
-      </p:grpSpPr>
-      <p:pic>
-        <p:nvPicPr>
-          <p:cNvPr id="171" name="Google Shape;171;p32"/>
-          <p:cNvPicPr preferRelativeResize="0"/>
-          <p:nvPr/>
-        </p:nvPicPr>
-        <p:blipFill rotWithShape="1">
-          <a:blip r:embed="rId3">
-            <a:alphaModFix/>
-          </a:blip>
-          <a:srcRect/>
-          <a:stretch/>
-        </p:blipFill>
-        <p:spPr>
-          <a:xfrm>
-            <a:off x="104550" y="4825359"/>
-            <a:ext cx="521898" cy="282380"/>
-          </a:xfrm>
-          <a:prstGeom prst="rect">
-            <a:avLst/>
-          </a:prstGeom>
-          <a:noFill/>
-          <a:ln>
-            <a:noFill/>
-          </a:ln>
-        </p:spPr>
-      </p:pic>
-      <p:sp>
-        <p:nvSpPr>
-          <p:cNvPr id="2" name="Google Shape;177;p33">
-            <a:extLst>
-              <a:ext uri="{FF2B5EF4-FFF2-40B4-BE49-F238E27FC236}">
-                <a16:creationId xmlns:a16="http://schemas.microsoft.com/office/drawing/2014/main" id="{F8625211-F468-4169-D7B5-5C2C7C6DE3D6}"/>
-              </a:ext>
-            </a:extLst>
-          </p:cNvPr>
-          <p:cNvSpPr txBox="1"/>
-          <p:nvPr/>
-        </p:nvSpPr>
-        <p:spPr>
-          <a:xfrm>
-            <a:off x="365499" y="159436"/>
-            <a:ext cx="3661378" cy="556055"/>
-          </a:xfrm>
-          <a:prstGeom prst="rect">
-            <a:avLst/>
-          </a:prstGeom>
-          <a:noFill/>
-          <a:ln>
-            <a:noFill/>
-          </a:ln>
-        </p:spPr>
-        <p:txBody>
-          <a:bodyPr spcFirstLastPara="1" wrap="square" lIns="68575" tIns="34275" rIns="68575" bIns="34275" anchor="t" anchorCtr="0">
-            <a:noAutofit/>
-          </a:bodyPr>
-          <a:lstStyle/>
-          <a:p>
-            <a:pPr marL="0" marR="0" lvl="0" indent="0" rtl="0">
-              <a:spcBef>
-                <a:spcPts val="0"/>
-              </a:spcBef>
-              <a:spcAft>
-                <a:spcPts val="0"/>
-              </a:spcAft>
-              <a:buClr>
-                <a:schemeClr val="dk1"/>
-              </a:buClr>
-              <a:buSzPts val="3000"/>
-              <a:buFont typeface="Calibri"/>
-              <a:buNone/>
-            </a:pPr>
-            <a:r>
-              <a:rPr lang="en-US" sz="2400" b="1" dirty="0">
-                <a:solidFill>
-                  <a:srgbClr val="002060"/>
-                </a:solidFill>
-                <a:latin typeface="Calibri"/>
-                <a:ea typeface="Calibri"/>
-                <a:cs typeface="Calibri"/>
-                <a:sym typeface="Calibri"/>
-              </a:rPr>
-              <a:t>Overview</a:t>
-            </a:r>
-            <a:r>
-              <a:rPr lang="en-US" sz="2400" b="1" dirty="0">
-                <a:solidFill>
-                  <a:srgbClr val="002060"/>
-                </a:solidFill>
-                <a:latin typeface="Calibri" panose="020F0502020204030204" pitchFamily="34" charset="0"/>
-                <a:cs typeface="Calibri" panose="020F0502020204030204" pitchFamily="34" charset="0"/>
-              </a:rPr>
-              <a:t> </a:t>
-            </a:r>
-          </a:p>
-        </p:txBody>
-      </p:sp>
-      <p:graphicFrame>
-        <p:nvGraphicFramePr>
-          <p:cNvPr id="4" name="Diagram 3">
-            <a:extLst>
-              <a:ext uri="{FF2B5EF4-FFF2-40B4-BE49-F238E27FC236}">
-                <a16:creationId xmlns:a16="http://schemas.microsoft.com/office/drawing/2014/main" id="{2CC183DF-A123-D10E-7F53-EBCA072B2871}"/>
-              </a:ext>
-            </a:extLst>
-          </p:cNvPr>
-          <p:cNvGraphicFramePr/>
-          <p:nvPr>
-            <p:extLst>
-              <p:ext uri="{D42A27DB-BD31-4B8C-83A1-F6EECF244321}">
-                <p14:modId xmlns:p14="http://schemas.microsoft.com/office/powerpoint/2010/main" val="4013501184"/>
-              </p:ext>
-            </p:extLst>
-          </p:nvPr>
-        </p:nvGraphicFramePr>
-        <p:xfrm>
-          <a:off x="127488" y="1048689"/>
-          <a:ext cx="8889023" cy="3046121"/>
-        </p:xfrm>
-        <a:graphic>
-          <a:graphicData uri="http://schemas.openxmlformats.org/drawingml/2006/diagram">
-            <dgm:relIds xmlns:dgm="http://schemas.openxmlformats.org/drawingml/2006/diagram" xmlns:r="http://schemas.openxmlformats.org/officeDocument/2006/relationships" r:dm="rId4" r:lo="rId5" r:qs="rId6" r:cs="rId7"/>
-          </a:graphicData>
-        </a:graphic>
-      </p:graphicFrame>
-    </p:spTree>
-    <p:extLst>
-      <p:ext uri="{BB962C8B-B14F-4D97-AF65-F5344CB8AC3E}">
-        <p14:creationId xmlns:p14="http://schemas.microsoft.com/office/powerpoint/2010/main" val="46586986"/>
-      </p:ext>
-    </p:extLst>
-  </p:cSld>
-  <p:clrMapOvr>
-    <a:masterClrMapping/>
-  </p:clrMapOvr>
-</p:sld>
-</file>
-
-<file path=ppt/slides/slide4.xml><?xml version="1.0" encoding="utf-8"?>
-<p:sld xmlns:a="http://schemas.openxmlformats.org/drawingml/2006/main" xmlns:r="http://schemas.openxmlformats.org/officeDocument/2006/relationships" xmlns:p="http://schemas.openxmlformats.org/presentationml/2006/main">
-  <p:cSld>
-    <p:spTree>
-      <p:nvGrpSpPr>
-        <p:cNvPr id="1" name="Shape 176"/>
-        <p:cNvGrpSpPr/>
-        <p:nvPr/>
-      </p:nvGrpSpPr>
-      <p:grpSpPr>
-        <a:xfrm>
-          <a:off x="0" y="0"/>
-          <a:ext cx="0" cy="0"/>
-          <a:chOff x="0" y="0"/>
-          <a:chExt cx="0" cy="0"/>
-        </a:xfrm>
-      </p:grpSpPr>
-      <p:pic>
-        <p:nvPicPr>
-          <p:cNvPr id="178" name="Google Shape;178;p33"/>
-          <p:cNvPicPr preferRelativeResize="0"/>
-          <p:nvPr/>
-        </p:nvPicPr>
-        <p:blipFill rotWithShape="1">
-          <a:blip r:embed="rId3">
-            <a:alphaModFix/>
-          </a:blip>
-          <a:srcRect/>
-          <a:stretch/>
-        </p:blipFill>
-        <p:spPr>
-          <a:xfrm>
-            <a:off x="104550" y="4825359"/>
-            <a:ext cx="521898" cy="282380"/>
-          </a:xfrm>
-          <a:prstGeom prst="rect">
-            <a:avLst/>
-          </a:prstGeom>
-          <a:noFill/>
-          <a:ln>
-            <a:noFill/>
-          </a:ln>
-        </p:spPr>
-      </p:pic>
-      <p:sp>
-        <p:nvSpPr>
-          <p:cNvPr id="4" name="Google Shape;177;p33">
-            <a:extLst>
-              <a:ext uri="{FF2B5EF4-FFF2-40B4-BE49-F238E27FC236}">
-                <a16:creationId xmlns:a16="http://schemas.microsoft.com/office/drawing/2014/main" id="{64965E7C-B954-A76D-F348-4E556FB9D596}"/>
-              </a:ext>
-            </a:extLst>
-          </p:cNvPr>
-          <p:cNvSpPr txBox="1"/>
-          <p:nvPr/>
-        </p:nvSpPr>
-        <p:spPr>
-          <a:xfrm>
-            <a:off x="365499" y="159436"/>
-            <a:ext cx="6984000" cy="556055"/>
-          </a:xfrm>
-          <a:prstGeom prst="rect">
-            <a:avLst/>
-          </a:prstGeom>
-          <a:noFill/>
-          <a:ln>
-            <a:noFill/>
-          </a:ln>
-        </p:spPr>
-        <p:txBody>
-          <a:bodyPr spcFirstLastPara="1" wrap="square" lIns="68575" tIns="34275" rIns="68575" bIns="34275" anchor="t" anchorCtr="0">
-            <a:noAutofit/>
-          </a:bodyPr>
-          <a:lstStyle/>
-          <a:p>
-            <a:pPr marL="0" marR="0" lvl="0" indent="0" algn="l" rtl="0">
-              <a:spcBef>
-                <a:spcPts val="0"/>
-              </a:spcBef>
-              <a:spcAft>
-                <a:spcPts val="0"/>
-              </a:spcAft>
-              <a:buClr>
-                <a:schemeClr val="dk1"/>
-              </a:buClr>
-              <a:buSzPts val="3000"/>
-              <a:buFont typeface="Calibri"/>
-              <a:buNone/>
-            </a:pPr>
-            <a:r>
-              <a:rPr lang="en-US" sz="2400" b="1" dirty="0">
-                <a:solidFill>
-                  <a:srgbClr val="002060"/>
-                </a:solidFill>
-                <a:latin typeface="Calibri" panose="020F0502020204030204" pitchFamily="34" charset="0"/>
-                <a:cs typeface="Calibri" panose="020F0502020204030204" pitchFamily="34" charset="0"/>
-              </a:rPr>
-              <a:t>Project Motivation</a:t>
-            </a:r>
-            <a:endParaRPr lang="en-US" sz="2400" b="1" dirty="0">
-              <a:solidFill>
-                <a:srgbClr val="002060"/>
-              </a:solidFill>
-              <a:latin typeface="Calibri" panose="020F0502020204030204" pitchFamily="34" charset="0"/>
-              <a:cs typeface="Calibri" panose="020F0502020204030204" pitchFamily="34" charset="0"/>
-              <a:sym typeface="Calibri"/>
-            </a:endParaRPr>
-          </a:p>
-        </p:txBody>
-      </p:sp>
-      <p:graphicFrame>
-        <p:nvGraphicFramePr>
-          <p:cNvPr id="8" name="Diagram 7">
-            <a:extLst>
-              <a:ext uri="{FF2B5EF4-FFF2-40B4-BE49-F238E27FC236}">
-                <a16:creationId xmlns:a16="http://schemas.microsoft.com/office/drawing/2014/main" id="{59241769-23F8-5601-15C3-7F7BD5D65D97}"/>
-              </a:ext>
-            </a:extLst>
-          </p:cNvPr>
-          <p:cNvGraphicFramePr/>
-          <p:nvPr>
-            <p:extLst>
-              <p:ext uri="{D42A27DB-BD31-4B8C-83A1-F6EECF244321}">
-                <p14:modId xmlns:p14="http://schemas.microsoft.com/office/powerpoint/2010/main" val="372837347"/>
-              </p:ext>
-            </p:extLst>
-          </p:nvPr>
-        </p:nvGraphicFramePr>
-        <p:xfrm>
-          <a:off x="365498" y="892230"/>
-          <a:ext cx="8450027" cy="3466706"/>
-        </p:xfrm>
-        <a:graphic>
-          <a:graphicData uri="http://schemas.openxmlformats.org/drawingml/2006/diagram">
-            <dgm:relIds xmlns:dgm="http://schemas.openxmlformats.org/drawingml/2006/diagram" xmlns:r="http://schemas.openxmlformats.org/officeDocument/2006/relationships" r:dm="rId4" r:lo="rId5" r:qs="rId6" r:cs="rId7"/>
-          </a:graphicData>
-        </a:graphic>
-      </p:graphicFrame>
-    </p:spTree>
-    <p:extLst>
-      <p:ext uri="{BB962C8B-B14F-4D97-AF65-F5344CB8AC3E}">
-        <p14:creationId xmlns:p14="http://schemas.microsoft.com/office/powerpoint/2010/main" val="927191729"/>
-      </p:ext>
-    </p:extLst>
-  </p:cSld>
-  <p:clrMapOvr>
-    <a:masterClrMapping/>
-  </p:clrMapOvr>
-</p:sld>
-</file>
-
-<file path=ppt/slides/slide5.xml><?xml version="1.0" encoding="utf-8"?>
-<p:sld xmlns:a="http://schemas.openxmlformats.org/drawingml/2006/main" xmlns:r="http://schemas.openxmlformats.org/officeDocument/2006/relationships" xmlns:p="http://schemas.openxmlformats.org/presentationml/2006/main">
-  <p:cSld>
-    <p:spTree>
-      <p:nvGrpSpPr>
-        <p:cNvPr id="1" name="Shape 176"/>
-        <p:cNvGrpSpPr/>
-        <p:nvPr/>
-      </p:nvGrpSpPr>
-      <p:grpSpPr>
-        <a:xfrm>
-          <a:off x="0" y="0"/>
-          <a:ext cx="0" cy="0"/>
-          <a:chOff x="0" y="0"/>
-          <a:chExt cx="0" cy="0"/>
-        </a:xfrm>
-      </p:grpSpPr>
-      <p:pic>
-        <p:nvPicPr>
-          <p:cNvPr id="16" name="Picture 15" descr="A screenshot of a computer&#10;&#10;Description automatically generated">
-            <a:extLst>
-              <a:ext uri="{FF2B5EF4-FFF2-40B4-BE49-F238E27FC236}">
-                <a16:creationId xmlns:a16="http://schemas.microsoft.com/office/drawing/2014/main" id="{585AB329-F495-6D79-CC54-9A6E1D18124F}"/>
-              </a:ext>
-            </a:extLst>
-          </p:cNvPr>
-          <p:cNvPicPr>
-            <a:picLocks noChangeAspect="1"/>
-          </p:cNvPicPr>
-          <p:nvPr/>
-        </p:nvPicPr>
-        <p:blipFill>
-          <a:blip r:embed="rId3"/>
-          <a:stretch>
-            <a:fillRect/>
-          </a:stretch>
-        </p:blipFill>
-        <p:spPr>
-          <a:xfrm>
-            <a:off x="427724" y="1133588"/>
-            <a:ext cx="3986063" cy="2996119"/>
-          </a:xfrm>
-          <a:prstGeom prst="rect">
-            <a:avLst/>
-          </a:prstGeom>
-          <a:effectLst>
-            <a:outerShdw blurRad="342900" dir="5400000" sx="99000" sy="99000" algn="ctr" rotWithShape="0">
-              <a:srgbClr val="000000">
-                <a:alpha val="28000"/>
-              </a:srgbClr>
-            </a:outerShdw>
-          </a:effectLst>
-        </p:spPr>
-      </p:pic>
-      <p:pic>
-        <p:nvPicPr>
-          <p:cNvPr id="18" name="Picture 17" descr="A screenshot of a computer&#10;&#10;Description automatically generated">
-            <a:extLst>
-              <a:ext uri="{FF2B5EF4-FFF2-40B4-BE49-F238E27FC236}">
-                <a16:creationId xmlns:a16="http://schemas.microsoft.com/office/drawing/2014/main" id="{3D87943A-6570-7F83-4FED-C0C4BF4173E3}"/>
-              </a:ext>
-            </a:extLst>
-          </p:cNvPr>
-          <p:cNvPicPr>
-            <a:picLocks noChangeAspect="1"/>
-          </p:cNvPicPr>
-          <p:nvPr/>
-        </p:nvPicPr>
-        <p:blipFill>
-          <a:blip r:embed="rId4"/>
-          <a:stretch>
-            <a:fillRect/>
-          </a:stretch>
-        </p:blipFill>
-        <p:spPr>
-          <a:xfrm>
-            <a:off x="4880894" y="1133588"/>
-            <a:ext cx="3888946" cy="2996119"/>
-          </a:xfrm>
-          <a:prstGeom prst="rect">
-            <a:avLst/>
-          </a:prstGeom>
-          <a:effectLst>
-            <a:outerShdw blurRad="342900" dir="5400000" sx="99000" sy="99000" algn="ctr" rotWithShape="0">
-              <a:srgbClr val="000000">
-                <a:alpha val="28000"/>
-              </a:srgbClr>
-            </a:outerShdw>
-          </a:effectLst>
-        </p:spPr>
-      </p:pic>
-      <p:pic>
-        <p:nvPicPr>
-          <p:cNvPr id="178" name="Google Shape;178;p33"/>
-          <p:cNvPicPr preferRelativeResize="0"/>
-          <p:nvPr/>
-        </p:nvPicPr>
-        <p:blipFill rotWithShape="1">
-          <a:blip r:embed="rId5">
-            <a:alphaModFix/>
-          </a:blip>
-          <a:srcRect/>
-          <a:stretch/>
-        </p:blipFill>
-        <p:spPr>
-          <a:xfrm>
-            <a:off x="104550" y="4825359"/>
-            <a:ext cx="521898" cy="282380"/>
-          </a:xfrm>
-          <a:prstGeom prst="rect">
-            <a:avLst/>
-          </a:prstGeom>
-          <a:noFill/>
-          <a:ln>
-            <a:noFill/>
-          </a:ln>
-        </p:spPr>
-      </p:pic>
-      <p:sp>
-        <p:nvSpPr>
-          <p:cNvPr id="4" name="Google Shape;177;p33">
-            <a:extLst>
-              <a:ext uri="{FF2B5EF4-FFF2-40B4-BE49-F238E27FC236}">
-                <a16:creationId xmlns:a16="http://schemas.microsoft.com/office/drawing/2014/main" id="{64965E7C-B954-A76D-F348-4E556FB9D596}"/>
-              </a:ext>
-            </a:extLst>
-          </p:cNvPr>
-          <p:cNvSpPr txBox="1"/>
-          <p:nvPr/>
-        </p:nvSpPr>
-        <p:spPr>
-          <a:xfrm>
-            <a:off x="365499" y="159436"/>
-            <a:ext cx="5231070" cy="556055"/>
-          </a:xfrm>
-          <a:prstGeom prst="rect">
-            <a:avLst/>
-          </a:prstGeom>
-          <a:noFill/>
-          <a:ln>
-            <a:noFill/>
-          </a:ln>
-        </p:spPr>
-        <p:txBody>
-          <a:bodyPr spcFirstLastPara="1" wrap="square" lIns="68575" tIns="34275" rIns="68575" bIns="34275" anchor="t" anchorCtr="0">
-            <a:noAutofit/>
-          </a:bodyPr>
-          <a:lstStyle/>
-          <a:p>
-            <a:pPr marL="0" marR="0" lvl="0" indent="0" algn="l" rtl="0">
-              <a:spcBef>
-                <a:spcPts val="0"/>
-              </a:spcBef>
-              <a:spcAft>
-                <a:spcPts val="0"/>
-              </a:spcAft>
-              <a:buClr>
-                <a:schemeClr val="dk1"/>
-              </a:buClr>
-              <a:buSzPts val="3000"/>
-              <a:buFont typeface="Calibri"/>
-              <a:buNone/>
-            </a:pPr>
-            <a:r>
-              <a:rPr lang="en-US" sz="2400" b="1" dirty="0">
-                <a:solidFill>
-                  <a:srgbClr val="002060"/>
-                </a:solidFill>
-                <a:latin typeface="Calibri" panose="020F0502020204030204" pitchFamily="34" charset="0"/>
-                <a:cs typeface="Calibri" panose="020F0502020204030204" pitchFamily="34" charset="0"/>
-              </a:rPr>
-              <a:t>Solution: </a:t>
-            </a:r>
-            <a:r>
-              <a:rPr lang="en-US" sz="2400" b="1" dirty="0" err="1">
-                <a:solidFill>
-                  <a:srgbClr val="002060"/>
-                </a:solidFill>
-                <a:latin typeface="Calibri" panose="020F0502020204030204" pitchFamily="34" charset="0"/>
-                <a:cs typeface="Calibri" panose="020F0502020204030204" pitchFamily="34" charset="0"/>
-              </a:rPr>
-              <a:t>NewsNudge</a:t>
-            </a:r>
-            <a:endParaRPr lang="en-US" sz="2400" b="1" dirty="0">
-              <a:solidFill>
-                <a:srgbClr val="002060"/>
-              </a:solidFill>
-              <a:latin typeface="Calibri" panose="020F0502020204030204" pitchFamily="34" charset="0"/>
-              <a:cs typeface="Calibri" panose="020F0502020204030204" pitchFamily="34" charset="0"/>
-            </a:endParaRPr>
-          </a:p>
-          <a:p>
-            <a:pPr marL="0" marR="0" lvl="0" indent="0" algn="l" rtl="0">
-              <a:spcBef>
-                <a:spcPts val="0"/>
-              </a:spcBef>
-              <a:spcAft>
-                <a:spcPts val="0"/>
-              </a:spcAft>
-              <a:buClr>
-                <a:schemeClr val="dk1"/>
-              </a:buClr>
-              <a:buSzPts val="3000"/>
-              <a:buFont typeface="Calibri"/>
-              <a:buNone/>
-            </a:pPr>
-            <a:endParaRPr lang="en-US" sz="2400" b="1" dirty="0">
-              <a:solidFill>
-                <a:srgbClr val="002060"/>
-              </a:solidFill>
-              <a:latin typeface="Calibri" panose="020F0502020204030204" pitchFamily="34" charset="0"/>
-              <a:cs typeface="Calibri" panose="020F0502020204030204" pitchFamily="34" charset="0"/>
-              <a:sym typeface="Calibri"/>
-            </a:endParaRPr>
-          </a:p>
-        </p:txBody>
-      </p:sp>
-      <p:pic>
-        <p:nvPicPr>
-          <p:cNvPr id="9" name="Picture 8" descr="A close-up of a message&#10;&#10;Description automatically generated">
-            <a:extLst>
-              <a:ext uri="{FF2B5EF4-FFF2-40B4-BE49-F238E27FC236}">
-                <a16:creationId xmlns:a16="http://schemas.microsoft.com/office/drawing/2014/main" id="{6D3DF4EB-9292-2DA7-D48F-4E27513124E8}"/>
-              </a:ext>
-            </a:extLst>
-          </p:cNvPr>
-          <p:cNvPicPr>
-            <a:picLocks noChangeAspect="1"/>
-          </p:cNvPicPr>
-          <p:nvPr/>
-        </p:nvPicPr>
-        <p:blipFill>
-          <a:blip r:embed="rId6"/>
-          <a:stretch>
-            <a:fillRect/>
-          </a:stretch>
-        </p:blipFill>
-        <p:spPr>
-          <a:xfrm>
-            <a:off x="2996594" y="3743473"/>
-            <a:ext cx="1417193" cy="343562"/>
-          </a:xfrm>
-          <a:prstGeom prst="rect">
-            <a:avLst/>
-          </a:prstGeom>
-        </p:spPr>
-      </p:pic>
-      <p:pic>
-        <p:nvPicPr>
-          <p:cNvPr id="10" name="Picture 9" descr="A close-up of a message&#10;&#10;Description automatically generated">
-            <a:extLst>
-              <a:ext uri="{FF2B5EF4-FFF2-40B4-BE49-F238E27FC236}">
-                <a16:creationId xmlns:a16="http://schemas.microsoft.com/office/drawing/2014/main" id="{DBA70519-B173-427A-B271-3C25D1ECFF37}"/>
-              </a:ext>
-            </a:extLst>
-          </p:cNvPr>
-          <p:cNvPicPr>
-            <a:picLocks noChangeAspect="1"/>
-          </p:cNvPicPr>
-          <p:nvPr/>
-        </p:nvPicPr>
-        <p:blipFill>
-          <a:blip r:embed="rId6"/>
-          <a:stretch>
-            <a:fillRect/>
-          </a:stretch>
-        </p:blipFill>
-        <p:spPr>
-          <a:xfrm>
-            <a:off x="7352647" y="3743473"/>
-            <a:ext cx="1417193" cy="343562"/>
-          </a:xfrm>
-          <a:prstGeom prst="rect">
-            <a:avLst/>
-          </a:prstGeom>
-        </p:spPr>
-      </p:pic>
-    </p:spTree>
-    <p:extLst>
-      <p:ext uri="{BB962C8B-B14F-4D97-AF65-F5344CB8AC3E}">
-        <p14:creationId xmlns:p14="http://schemas.microsoft.com/office/powerpoint/2010/main" val="1052389954"/>
-      </p:ext>
-    </p:extLst>
-  </p:cSld>
-  <p:clrMapOvr>
-    <a:masterClrMapping/>
-  </p:clrMapOvr>
-</p:sld>
-</file>
-
-<file path=ppt/slides/slide6.xml><?xml version="1.0" encoding="utf-8"?>
-<p:sld xmlns:a="http://schemas.openxmlformats.org/drawingml/2006/main" xmlns:r="http://schemas.openxmlformats.org/officeDocument/2006/relationships" xmlns:p="http://schemas.openxmlformats.org/presentationml/2006/main">
-  <p:cSld>
-    <p:spTree>
-      <p:nvGrpSpPr>
-        <p:cNvPr id="1" name="Shape 176"/>
-        <p:cNvGrpSpPr/>
-        <p:nvPr/>
-      </p:nvGrpSpPr>
-      <p:grpSpPr>
-        <a:xfrm>
-          <a:off x="0" y="0"/>
-          <a:ext cx="0" cy="0"/>
-          <a:chOff x="0" y="0"/>
-          <a:chExt cx="0" cy="0"/>
-        </a:xfrm>
-      </p:grpSpPr>
-      <p:pic>
-        <p:nvPicPr>
-          <p:cNvPr id="178" name="Google Shape;178;p33"/>
-          <p:cNvPicPr preferRelativeResize="0"/>
-          <p:nvPr/>
-        </p:nvPicPr>
-        <p:blipFill rotWithShape="1">
-          <a:blip r:embed="rId3">
-            <a:alphaModFix/>
-          </a:blip>
-          <a:srcRect/>
-          <a:stretch/>
-        </p:blipFill>
-        <p:spPr>
-          <a:xfrm>
-            <a:off x="104550" y="4825359"/>
-            <a:ext cx="521898" cy="282380"/>
-          </a:xfrm>
-          <a:prstGeom prst="rect">
-            <a:avLst/>
-          </a:prstGeom>
-          <a:noFill/>
-          <a:ln>
-            <a:noFill/>
-          </a:ln>
-        </p:spPr>
-      </p:pic>
-      <p:sp>
-        <p:nvSpPr>
-          <p:cNvPr id="4" name="Google Shape;177;p33">
-            <a:extLst>
-              <a:ext uri="{FF2B5EF4-FFF2-40B4-BE49-F238E27FC236}">
-                <a16:creationId xmlns:a16="http://schemas.microsoft.com/office/drawing/2014/main" id="{64965E7C-B954-A76D-F348-4E556FB9D596}"/>
-              </a:ext>
-            </a:extLst>
-          </p:cNvPr>
-          <p:cNvSpPr txBox="1"/>
-          <p:nvPr/>
-        </p:nvSpPr>
-        <p:spPr>
-          <a:xfrm>
-            <a:off x="365499" y="159436"/>
-            <a:ext cx="5231070" cy="556055"/>
-          </a:xfrm>
-          <a:prstGeom prst="rect">
-            <a:avLst/>
-          </a:prstGeom>
-          <a:noFill/>
-          <a:ln>
-            <a:noFill/>
-          </a:ln>
-        </p:spPr>
-        <p:txBody>
-          <a:bodyPr spcFirstLastPara="1" wrap="square" lIns="68575" tIns="34275" rIns="68575" bIns="34275" anchor="t" anchorCtr="0">
-            <a:noAutofit/>
-          </a:bodyPr>
-          <a:lstStyle/>
-          <a:p>
-            <a:pPr marL="0" marR="0" lvl="0" indent="0" algn="l" rtl="0">
-              <a:spcBef>
-                <a:spcPts val="0"/>
-              </a:spcBef>
-              <a:spcAft>
-                <a:spcPts val="0"/>
-              </a:spcAft>
-              <a:buClr>
-                <a:schemeClr val="dk1"/>
-              </a:buClr>
-              <a:buSzPts val="3000"/>
-              <a:buFont typeface="Calibri"/>
-              <a:buNone/>
-            </a:pPr>
-            <a:r>
-              <a:rPr lang="en-US" sz="2400" b="1" dirty="0">
-                <a:solidFill>
-                  <a:srgbClr val="002060"/>
-                </a:solidFill>
-                <a:latin typeface="Calibri" panose="020F0502020204030204" pitchFamily="34" charset="0"/>
-                <a:cs typeface="Calibri" panose="020F0502020204030204" pitchFamily="34" charset="0"/>
-              </a:rPr>
-              <a:t>Solution: </a:t>
-            </a:r>
-            <a:r>
-              <a:rPr lang="en-US" sz="2400" b="1" dirty="0" err="1">
-                <a:solidFill>
-                  <a:srgbClr val="002060"/>
-                </a:solidFill>
-                <a:latin typeface="Calibri" panose="020F0502020204030204" pitchFamily="34" charset="0"/>
-                <a:cs typeface="Calibri" panose="020F0502020204030204" pitchFamily="34" charset="0"/>
-              </a:rPr>
-              <a:t>NewsNudge</a:t>
-            </a:r>
-            <a:r>
-              <a:rPr lang="en-US" sz="2400" b="1" dirty="0">
-                <a:solidFill>
-                  <a:srgbClr val="002060"/>
-                </a:solidFill>
-                <a:latin typeface="Calibri" panose="020F0502020204030204" pitchFamily="34" charset="0"/>
-                <a:cs typeface="Calibri" panose="020F0502020204030204" pitchFamily="34" charset="0"/>
-              </a:rPr>
-              <a:t> </a:t>
-            </a:r>
-          </a:p>
-          <a:p>
-            <a:pPr marL="0" marR="0" lvl="0" indent="0" algn="l" rtl="0">
-              <a:spcBef>
-                <a:spcPts val="0"/>
-              </a:spcBef>
-              <a:spcAft>
-                <a:spcPts val="0"/>
-              </a:spcAft>
-              <a:buClr>
-                <a:schemeClr val="dk1"/>
-              </a:buClr>
-              <a:buSzPts val="3000"/>
-              <a:buFont typeface="Calibri"/>
-              <a:buNone/>
-            </a:pPr>
-            <a:endParaRPr lang="en-US" sz="2400" b="1" dirty="0">
-              <a:solidFill>
-                <a:srgbClr val="002060"/>
-              </a:solidFill>
-              <a:latin typeface="Calibri" panose="020F0502020204030204" pitchFamily="34" charset="0"/>
-              <a:cs typeface="Calibri" panose="020F0502020204030204" pitchFamily="34" charset="0"/>
-              <a:sym typeface="Calibri"/>
-            </a:endParaRPr>
-          </a:p>
-        </p:txBody>
-      </p:sp>
-      <p:pic>
-        <p:nvPicPr>
-          <p:cNvPr id="5" name="Picture 4" descr="A screenshot of a computer&#10;&#10;Description automatically generated">
-            <a:extLst>
-              <a:ext uri="{FF2B5EF4-FFF2-40B4-BE49-F238E27FC236}">
-                <a16:creationId xmlns:a16="http://schemas.microsoft.com/office/drawing/2014/main" id="{191DA9B7-E225-29D0-B071-0D927CD29464}"/>
-              </a:ext>
-            </a:extLst>
-          </p:cNvPr>
-          <p:cNvPicPr>
-            <a:picLocks noChangeAspect="1"/>
-          </p:cNvPicPr>
-          <p:nvPr/>
-        </p:nvPicPr>
-        <p:blipFill rotWithShape="1">
-          <a:blip r:embed="rId4"/>
-          <a:srcRect b="3724"/>
-          <a:stretch/>
-        </p:blipFill>
-        <p:spPr>
-          <a:xfrm>
-            <a:off x="1103317" y="910855"/>
-            <a:ext cx="6937365" cy="3601189"/>
-          </a:xfrm>
-          <a:prstGeom prst="rect">
-            <a:avLst/>
-          </a:prstGeom>
-          <a:effectLst>
-            <a:outerShdw blurRad="342900" dir="5400000" sx="99000" sy="99000" algn="ctr" rotWithShape="0">
-              <a:srgbClr val="000000">
-                <a:alpha val="28000"/>
-              </a:srgbClr>
-            </a:outerShdw>
-          </a:effectLst>
-        </p:spPr>
-      </p:pic>
-    </p:spTree>
-    <p:extLst>
-      <p:ext uri="{BB962C8B-B14F-4D97-AF65-F5344CB8AC3E}">
-        <p14:creationId xmlns:p14="http://schemas.microsoft.com/office/powerpoint/2010/main" val="1552297168"/>
-      </p:ext>
-    </p:extLst>
-  </p:cSld>
-  <p:clrMapOvr>
-    <a:masterClrMapping/>
-  </p:clrMapOvr>
-</p:sld>
-</file>
-
-<file path=ppt/slides/slide7.xml><?xml version="1.0" encoding="utf-8"?>
+<file path=ppt/slides/slide15.xml><?xml version="1.0" encoding="utf-8"?>
 <p:sld xmlns:a="http://schemas.openxmlformats.org/drawingml/2006/main" xmlns:r="http://schemas.openxmlformats.org/officeDocument/2006/relationships" xmlns:p="http://schemas.openxmlformats.org/presentationml/2006/main">
   <p:cSld>
     <p:spTree>
@@ -33677,6 +32219,1828 @@
 </p:sld>
 </file>
 
+<file path=ppt/slides/slide16.xml><?xml version="1.0" encoding="utf-8"?>
+<p:sld xmlns:a="http://schemas.openxmlformats.org/drawingml/2006/main" xmlns:r="http://schemas.openxmlformats.org/officeDocument/2006/relationships" xmlns:p="http://schemas.openxmlformats.org/presentationml/2006/main">
+  <p:cSld>
+    <p:spTree>
+      <p:nvGrpSpPr>
+        <p:cNvPr id="1" name="Shape 183"/>
+        <p:cNvGrpSpPr/>
+        <p:nvPr/>
+      </p:nvGrpSpPr>
+      <p:grpSpPr>
+        <a:xfrm>
+          <a:off x="0" y="0"/>
+          <a:ext cx="0" cy="0"/>
+          <a:chOff x="0" y="0"/>
+          <a:chExt cx="0" cy="0"/>
+        </a:xfrm>
+      </p:grpSpPr>
+      <p:pic>
+        <p:nvPicPr>
+          <p:cNvPr id="203" name="Google Shape;203;p34"/>
+          <p:cNvPicPr preferRelativeResize="0"/>
+          <p:nvPr/>
+        </p:nvPicPr>
+        <p:blipFill rotWithShape="1">
+          <a:blip r:embed="rId3">
+            <a:alphaModFix/>
+          </a:blip>
+          <a:srcRect/>
+          <a:stretch/>
+        </p:blipFill>
+        <p:spPr>
+          <a:xfrm>
+            <a:off x="104550" y="4825359"/>
+            <a:ext cx="521898" cy="282380"/>
+          </a:xfrm>
+          <a:prstGeom prst="rect">
+            <a:avLst/>
+          </a:prstGeom>
+          <a:noFill/>
+          <a:ln>
+            <a:noFill/>
+          </a:ln>
+        </p:spPr>
+      </p:pic>
+      <p:sp>
+        <p:nvSpPr>
+          <p:cNvPr id="7" name="Google Shape;177;p33">
+            <a:extLst>
+              <a:ext uri="{FF2B5EF4-FFF2-40B4-BE49-F238E27FC236}">
+                <a16:creationId xmlns:a16="http://schemas.microsoft.com/office/drawing/2014/main" id="{A3DAEF02-5DDA-24D8-872C-591CD2F07B13}"/>
+              </a:ext>
+            </a:extLst>
+          </p:cNvPr>
+          <p:cNvSpPr txBox="1"/>
+          <p:nvPr/>
+        </p:nvSpPr>
+        <p:spPr>
+          <a:xfrm>
+            <a:off x="365498" y="159436"/>
+            <a:ext cx="4595121" cy="556055"/>
+          </a:xfrm>
+          <a:prstGeom prst="rect">
+            <a:avLst/>
+          </a:prstGeom>
+          <a:noFill/>
+          <a:ln>
+            <a:noFill/>
+          </a:ln>
+        </p:spPr>
+        <p:txBody>
+          <a:bodyPr spcFirstLastPara="1" wrap="square" lIns="68575" tIns="34275" rIns="68575" bIns="34275" anchor="t" anchorCtr="0">
+            <a:noAutofit/>
+          </a:bodyPr>
+          <a:lstStyle/>
+          <a:p>
+            <a:pPr marL="0" marR="0" lvl="0" indent="0" rtl="0">
+              <a:spcBef>
+                <a:spcPts val="0"/>
+              </a:spcBef>
+              <a:spcAft>
+                <a:spcPts val="0"/>
+              </a:spcAft>
+              <a:buClr>
+                <a:schemeClr val="dk1"/>
+              </a:buClr>
+              <a:buSzPts val="3000"/>
+              <a:buFont typeface="Calibri"/>
+              <a:buNone/>
+            </a:pPr>
+            <a:r>
+              <a:rPr lang="en-US" sz="2400" b="1" i="0" dirty="0">
+                <a:solidFill>
+                  <a:srgbClr val="002060"/>
+                </a:solidFill>
+                <a:effectLst/>
+                <a:latin typeface="Calibri" panose="020F0502020204030204" pitchFamily="34" charset="0"/>
+                <a:cs typeface="Calibri" panose="020F0502020204030204" pitchFamily="34" charset="0"/>
+              </a:rPr>
+              <a:t>Database Schema</a:t>
+            </a:r>
+            <a:endParaRPr sz="2400" b="1" dirty="0">
+              <a:solidFill>
+                <a:srgbClr val="002060"/>
+              </a:solidFill>
+              <a:latin typeface="Calibri" panose="020F0502020204030204" pitchFamily="34" charset="0"/>
+              <a:cs typeface="Calibri" panose="020F0502020204030204" pitchFamily="34" charset="0"/>
+            </a:endParaRPr>
+          </a:p>
+        </p:txBody>
+      </p:sp>
+      <p:sp>
+        <p:nvSpPr>
+          <p:cNvPr id="9" name="AutoShape 4">
+            <a:extLst>
+              <a:ext uri="{FF2B5EF4-FFF2-40B4-BE49-F238E27FC236}">
+                <a16:creationId xmlns:a16="http://schemas.microsoft.com/office/drawing/2014/main" id="{E4ECAF40-1FD1-ECE1-0FD1-E9A4924DB084}"/>
+              </a:ext>
+            </a:extLst>
+          </p:cNvPr>
+          <p:cNvSpPr>
+            <a:spLocks noChangeAspect="1" noChangeArrowheads="1"/>
+          </p:cNvSpPr>
+          <p:nvPr/>
+        </p:nvSpPr>
+        <p:spPr bwMode="auto">
+          <a:xfrm>
+            <a:off x="6278828" y="35423"/>
+            <a:ext cx="304800" cy="304800"/>
+          </a:xfrm>
+          <a:prstGeom prst="rect">
+            <a:avLst/>
+          </a:prstGeom>
+          <a:noFill/>
+          <a:extLst>
+            <a:ext uri="{909E8E84-426E-40DD-AFC4-6F175D3DCCD1}">
+              <a14:hiddenFill xmlns:a14="http://schemas.microsoft.com/office/drawing/2010/main">
+                <a:solidFill>
+                  <a:srgbClr val="FFFFFF"/>
+                </a:solidFill>
+              </a14:hiddenFill>
+            </a:ext>
+          </a:extLst>
+        </p:spPr>
+        <p:txBody>
+          <a:bodyPr vert="horz" wrap="square" lIns="91440" tIns="45720" rIns="91440" bIns="45720" numCol="1" anchor="t" anchorCtr="0" compatLnSpc="1">
+            <a:prstTxWarp prst="textNoShape">
+              <a:avLst/>
+            </a:prstTxWarp>
+          </a:bodyPr>
+          <a:lstStyle/>
+          <a:p>
+            <a:endParaRPr lang="en-US"/>
+          </a:p>
+        </p:txBody>
+      </p:sp>
+      <p:pic>
+        <p:nvPicPr>
+          <p:cNvPr id="17" name="Picture 16" descr="A screenshot of a computer&#10;&#10;Description automatically generated">
+            <a:extLst>
+              <a:ext uri="{FF2B5EF4-FFF2-40B4-BE49-F238E27FC236}">
+                <a16:creationId xmlns:a16="http://schemas.microsoft.com/office/drawing/2014/main" id="{6D57CDE0-2F1D-8B36-3E62-B10EA5DBA1AF}"/>
+              </a:ext>
+            </a:extLst>
+          </p:cNvPr>
+          <p:cNvPicPr>
+            <a:picLocks noChangeAspect="1"/>
+          </p:cNvPicPr>
+          <p:nvPr/>
+        </p:nvPicPr>
+        <p:blipFill>
+          <a:blip r:embed="rId4"/>
+          <a:stretch>
+            <a:fillRect/>
+          </a:stretch>
+        </p:blipFill>
+        <p:spPr>
+          <a:xfrm>
+            <a:off x="626448" y="715491"/>
+            <a:ext cx="7772400" cy="3839480"/>
+          </a:xfrm>
+          <a:prstGeom prst="rect">
+            <a:avLst/>
+          </a:prstGeom>
+        </p:spPr>
+      </p:pic>
+    </p:spTree>
+    <p:extLst>
+      <p:ext uri="{BB962C8B-B14F-4D97-AF65-F5344CB8AC3E}">
+        <p14:creationId xmlns:p14="http://schemas.microsoft.com/office/powerpoint/2010/main" val="3310445579"/>
+      </p:ext>
+    </p:extLst>
+  </p:cSld>
+  <p:clrMapOvr>
+    <a:masterClrMapping/>
+  </p:clrMapOvr>
+</p:sld>
+</file>
+
+<file path=ppt/slides/slide2.xml><?xml version="1.0" encoding="utf-8"?>
+<p:sld xmlns:a="http://schemas.openxmlformats.org/drawingml/2006/main" xmlns:r="http://schemas.openxmlformats.org/officeDocument/2006/relationships" xmlns:p="http://schemas.openxmlformats.org/presentationml/2006/main">
+  <p:cSld>
+    <p:bg>
+      <p:bgPr>
+        <a:solidFill>
+          <a:schemeClr val="bg1"/>
+        </a:solidFill>
+        <a:effectLst/>
+      </p:bgPr>
+    </p:bg>
+    <p:spTree>
+      <p:nvGrpSpPr>
+        <p:cNvPr id="1" name="Shape 176"/>
+        <p:cNvGrpSpPr/>
+        <p:nvPr/>
+      </p:nvGrpSpPr>
+      <p:grpSpPr>
+        <a:xfrm>
+          <a:off x="0" y="0"/>
+          <a:ext cx="0" cy="0"/>
+          <a:chOff x="0" y="0"/>
+          <a:chExt cx="0" cy="0"/>
+        </a:xfrm>
+      </p:grpSpPr>
+      <p:sp useBgFill="1">
+        <p:nvSpPr>
+          <p:cNvPr id="183" name="Slide Background">
+            <a:extLst>
+              <a:ext uri="{FF2B5EF4-FFF2-40B4-BE49-F238E27FC236}">
+                <a16:creationId xmlns:a16="http://schemas.microsoft.com/office/drawing/2014/main" id="{C0763A76-9F1C-4FC5-82B7-DD475DA461B2}"/>
+              </a:ext>
+              <a:ext uri="{C183D7F6-B498-43B3-948B-1728B52AA6E4}">
+                <adec:decorative xmlns:adec="http://schemas.microsoft.com/office/drawing/2017/decorative" val="1"/>
+              </a:ext>
+            </a:extLst>
+          </p:cNvPr>
+          <p:cNvSpPr>
+            <a:spLocks noGrp="1" noRot="1" noChangeAspect="1" noMove="1" noResize="1" noEditPoints="1" noAdjustHandles="1" noChangeArrowheads="1" noChangeShapeType="1" noTextEdit="1"/>
+          </p:cNvSpPr>
+          <p:nvPr>
+            <p:extLst>
+              <p:ext uri="{386F3935-93C4-4BCD-93E2-E3B085C9AB24}">
+                <p16:designElem xmlns:p16="http://schemas.microsoft.com/office/powerpoint/2015/main" val="1"/>
+              </p:ext>
+            </p:extLst>
+          </p:nvPr>
+        </p:nvSpPr>
+        <p:spPr bwMode="white">
+          <a:xfrm>
+            <a:off x="0" y="0"/>
+            <a:ext cx="9143998" cy="5143500"/>
+          </a:xfrm>
+          <a:prstGeom prst="rect">
+            <a:avLst/>
+          </a:prstGeom>
+          <a:ln>
+            <a:noFill/>
+          </a:ln>
+        </p:spPr>
+        <p:style>
+          <a:lnRef idx="2">
+            <a:schemeClr val="accent1">
+              <a:shade val="50000"/>
+            </a:schemeClr>
+          </a:lnRef>
+          <a:fillRef idx="1">
+            <a:schemeClr val="accent1"/>
+          </a:fillRef>
+          <a:effectRef idx="0">
+            <a:schemeClr val="accent1"/>
+          </a:effectRef>
+          <a:fontRef idx="minor">
+            <a:schemeClr val="lt1"/>
+          </a:fontRef>
+        </p:style>
+        <p:txBody>
+          <a:bodyPr rtlCol="0" anchor="ctr"/>
+          <a:lstStyle>
+            <a:defPPr>
+              <a:defRPr lang="en-US"/>
+            </a:defPPr>
+            <a:lvl1pPr marL="0" algn="l" defTabSz="914400" rtl="0" eaLnBrk="1" latinLnBrk="0" hangingPunct="1">
+              <a:defRPr sz="1800" kern="1200">
+                <a:solidFill>
+                  <a:schemeClr val="lt1"/>
+                </a:solidFill>
+                <a:latin typeface="+mn-lt"/>
+                <a:ea typeface="+mn-ea"/>
+                <a:cs typeface="+mn-cs"/>
+              </a:defRPr>
+            </a:lvl1pPr>
+            <a:lvl2pPr marL="457200" algn="l" defTabSz="914400" rtl="0" eaLnBrk="1" latinLnBrk="0" hangingPunct="1">
+              <a:defRPr sz="1800" kern="1200">
+                <a:solidFill>
+                  <a:schemeClr val="lt1"/>
+                </a:solidFill>
+                <a:latin typeface="+mn-lt"/>
+                <a:ea typeface="+mn-ea"/>
+                <a:cs typeface="+mn-cs"/>
+              </a:defRPr>
+            </a:lvl2pPr>
+            <a:lvl3pPr marL="914400" algn="l" defTabSz="914400" rtl="0" eaLnBrk="1" latinLnBrk="0" hangingPunct="1">
+              <a:defRPr sz="1800" kern="1200">
+                <a:solidFill>
+                  <a:schemeClr val="lt1"/>
+                </a:solidFill>
+                <a:latin typeface="+mn-lt"/>
+                <a:ea typeface="+mn-ea"/>
+                <a:cs typeface="+mn-cs"/>
+              </a:defRPr>
+            </a:lvl3pPr>
+            <a:lvl4pPr marL="1371600" algn="l" defTabSz="914400" rtl="0" eaLnBrk="1" latinLnBrk="0" hangingPunct="1">
+              <a:defRPr sz="1800" kern="1200">
+                <a:solidFill>
+                  <a:schemeClr val="lt1"/>
+                </a:solidFill>
+                <a:latin typeface="+mn-lt"/>
+                <a:ea typeface="+mn-ea"/>
+                <a:cs typeface="+mn-cs"/>
+              </a:defRPr>
+            </a:lvl4pPr>
+            <a:lvl5pPr marL="1828800" algn="l" defTabSz="914400" rtl="0" eaLnBrk="1" latinLnBrk="0" hangingPunct="1">
+              <a:defRPr sz="1800" kern="1200">
+                <a:solidFill>
+                  <a:schemeClr val="lt1"/>
+                </a:solidFill>
+                <a:latin typeface="+mn-lt"/>
+                <a:ea typeface="+mn-ea"/>
+                <a:cs typeface="+mn-cs"/>
+              </a:defRPr>
+            </a:lvl5pPr>
+            <a:lvl6pPr marL="2286000" algn="l" defTabSz="914400" rtl="0" eaLnBrk="1" latinLnBrk="0" hangingPunct="1">
+              <a:defRPr sz="1800" kern="1200">
+                <a:solidFill>
+                  <a:schemeClr val="lt1"/>
+                </a:solidFill>
+                <a:latin typeface="+mn-lt"/>
+                <a:ea typeface="+mn-ea"/>
+                <a:cs typeface="+mn-cs"/>
+              </a:defRPr>
+            </a:lvl6pPr>
+            <a:lvl7pPr marL="2743200" algn="l" defTabSz="914400" rtl="0" eaLnBrk="1" latinLnBrk="0" hangingPunct="1">
+              <a:defRPr sz="1800" kern="1200">
+                <a:solidFill>
+                  <a:schemeClr val="lt1"/>
+                </a:solidFill>
+                <a:latin typeface="+mn-lt"/>
+                <a:ea typeface="+mn-ea"/>
+                <a:cs typeface="+mn-cs"/>
+              </a:defRPr>
+            </a:lvl7pPr>
+            <a:lvl8pPr marL="3200400" algn="l" defTabSz="914400" rtl="0" eaLnBrk="1" latinLnBrk="0" hangingPunct="1">
+              <a:defRPr sz="1800" kern="1200">
+                <a:solidFill>
+                  <a:schemeClr val="lt1"/>
+                </a:solidFill>
+                <a:latin typeface="+mn-lt"/>
+                <a:ea typeface="+mn-ea"/>
+                <a:cs typeface="+mn-cs"/>
+              </a:defRPr>
+            </a:lvl8pPr>
+            <a:lvl9pPr marL="3657600" algn="l" defTabSz="914400" rtl="0" eaLnBrk="1" latinLnBrk="0" hangingPunct="1">
+              <a:defRPr sz="1800" kern="1200">
+                <a:solidFill>
+                  <a:schemeClr val="lt1"/>
+                </a:solidFill>
+                <a:latin typeface="+mn-lt"/>
+                <a:ea typeface="+mn-ea"/>
+                <a:cs typeface="+mn-cs"/>
+              </a:defRPr>
+            </a:lvl9pPr>
+          </a:lstStyle>
+          <a:p>
+            <a:pPr algn="ctr"/>
+            <a:endParaRPr lang="en-US"/>
+          </a:p>
+        </p:txBody>
+      </p:sp>
+      <p:sp useBgFill="1">
+        <p:nvSpPr>
+          <p:cNvPr id="185" name="Rectangle 184">
+            <a:extLst>
+              <a:ext uri="{FF2B5EF4-FFF2-40B4-BE49-F238E27FC236}">
+                <a16:creationId xmlns:a16="http://schemas.microsoft.com/office/drawing/2014/main" id="{E81BF4F6-F2CF-4984-9D14-D6966D92F99F}"/>
+              </a:ext>
+              <a:ext uri="{C183D7F6-B498-43B3-948B-1728B52AA6E4}">
+                <adec:decorative xmlns:adec="http://schemas.microsoft.com/office/drawing/2017/decorative" val="1"/>
+              </a:ext>
+            </a:extLst>
+          </p:cNvPr>
+          <p:cNvSpPr>
+            <a:spLocks noGrp="1" noRot="1" noChangeAspect="1" noMove="1" noResize="1" noEditPoints="1" noAdjustHandles="1" noChangeArrowheads="1" noChangeShapeType="1" noTextEdit="1"/>
+          </p:cNvSpPr>
+          <p:nvPr>
+            <p:extLst>
+              <p:ext uri="{386F3935-93C4-4BCD-93E2-E3B085C9AB24}">
+                <p16:designElem xmlns:p16="http://schemas.microsoft.com/office/powerpoint/2015/main" val="1"/>
+              </p:ext>
+            </p:extLst>
+          </p:nvPr>
+        </p:nvSpPr>
+        <p:spPr>
+          <a:xfrm>
+            <a:off x="0" y="0"/>
+            <a:ext cx="6391835" cy="1714499"/>
+          </a:xfrm>
+          <a:prstGeom prst="rect">
+            <a:avLst/>
+          </a:prstGeom>
+          <a:ln>
+            <a:noFill/>
+          </a:ln>
+          <a:effectLst>
+            <a:outerShdw blurRad="596900" dist="304800" dir="7140000" sx="90000" sy="90000" algn="t" rotWithShape="0">
+              <a:srgbClr val="000000">
+                <a:alpha val="15000"/>
+              </a:srgbClr>
+            </a:outerShdw>
+          </a:effectLst>
+        </p:spPr>
+        <p:style>
+          <a:lnRef idx="2">
+            <a:schemeClr val="accent1">
+              <a:shade val="50000"/>
+            </a:schemeClr>
+          </a:lnRef>
+          <a:fillRef idx="1">
+            <a:schemeClr val="accent1"/>
+          </a:fillRef>
+          <a:effectRef idx="0">
+            <a:schemeClr val="accent1"/>
+          </a:effectRef>
+          <a:fontRef idx="minor">
+            <a:schemeClr val="lt1"/>
+          </a:fontRef>
+        </p:style>
+        <p:txBody>
+          <a:bodyPr rtlCol="0" anchor="ctr"/>
+          <a:lstStyle/>
+          <a:p>
+            <a:pPr algn="ctr"/>
+            <a:endParaRPr lang="en-US"/>
+          </a:p>
+        </p:txBody>
+      </p:sp>
+      <p:sp>
+        <p:nvSpPr>
+          <p:cNvPr id="177" name="Google Shape;177;p33"/>
+          <p:cNvSpPr txBox="1"/>
+          <p:nvPr/>
+        </p:nvSpPr>
+        <p:spPr>
+          <a:xfrm>
+            <a:off x="571352" y="262647"/>
+            <a:ext cx="3485178" cy="1218390"/>
+          </a:xfrm>
+          <a:prstGeom prst="rect">
+            <a:avLst/>
+          </a:prstGeom>
+        </p:spPr>
+        <p:txBody>
+          <a:bodyPr spcFirstLastPara="1" vert="horz" lIns="91440" tIns="45720" rIns="91440" bIns="45720" rtlCol="0" anchor="ctr" anchorCtr="0">
+            <a:normAutofit/>
+          </a:bodyPr>
+          <a:lstStyle/>
+          <a:p>
+            <a:pPr marL="0" marR="0" lvl="0" indent="0" algn="l" rtl="0">
+              <a:spcBef>
+                <a:spcPts val="0"/>
+              </a:spcBef>
+              <a:spcAft>
+                <a:spcPts val="0"/>
+              </a:spcAft>
+              <a:buClr>
+                <a:schemeClr val="dk1"/>
+              </a:buClr>
+              <a:buSzPts val="3000"/>
+              <a:buFont typeface="Calibri"/>
+              <a:buNone/>
+            </a:pPr>
+            <a:r>
+              <a:rPr lang="en-US" sz="3200" b="1" dirty="0">
+                <a:solidFill>
+                  <a:srgbClr val="002060"/>
+                </a:solidFill>
+                <a:latin typeface="Calibri" panose="020F0502020204030204" pitchFamily="34" charset="0"/>
+                <a:cs typeface="Calibri" panose="020F0502020204030204" pitchFamily="34" charset="0"/>
+              </a:rPr>
+              <a:t>About Me</a:t>
+            </a:r>
+            <a:endParaRPr lang="en-US" sz="3200" b="1" dirty="0">
+              <a:solidFill>
+                <a:srgbClr val="002060"/>
+              </a:solidFill>
+              <a:latin typeface="Calibri" panose="020F0502020204030204" pitchFamily="34" charset="0"/>
+              <a:cs typeface="Calibri" panose="020F0502020204030204" pitchFamily="34" charset="0"/>
+              <a:sym typeface="Calibri"/>
+            </a:endParaRPr>
+          </a:p>
+        </p:txBody>
+      </p:sp>
+      <p:sp>
+        <p:nvSpPr>
+          <p:cNvPr id="15" name="TextBox 14">
+            <a:extLst>
+              <a:ext uri="{FF2B5EF4-FFF2-40B4-BE49-F238E27FC236}">
+                <a16:creationId xmlns:a16="http://schemas.microsoft.com/office/drawing/2014/main" id="{DEE0C737-23CE-E95A-074E-0DE671FB77F2}"/>
+              </a:ext>
+            </a:extLst>
+          </p:cNvPr>
+          <p:cNvSpPr txBox="1"/>
+          <p:nvPr/>
+        </p:nvSpPr>
+        <p:spPr>
+          <a:xfrm>
+            <a:off x="255449" y="1714499"/>
+            <a:ext cx="4058816" cy="2709861"/>
+          </a:xfrm>
+          <a:prstGeom prst="rect">
+            <a:avLst/>
+          </a:prstGeom>
+        </p:spPr>
+        <p:txBody>
+          <a:bodyPr vert="horz" lIns="91440" tIns="45720" rIns="91440" bIns="45720" rtlCol="0" anchor="ctr">
+            <a:normAutofit/>
+          </a:bodyPr>
+          <a:lstStyle/>
+          <a:p>
+            <a:pPr>
+              <a:lnSpc>
+                <a:spcPct val="90000"/>
+              </a:lnSpc>
+              <a:spcAft>
+                <a:spcPts val="600"/>
+              </a:spcAft>
+            </a:pPr>
+            <a:r>
+              <a:rPr lang="en-US" sz="1500" kern="1200" dirty="0">
+                <a:solidFill>
+                  <a:schemeClr val="tx1"/>
+                </a:solidFill>
+                <a:latin typeface="+mn-lt"/>
+                <a:ea typeface="+mn-ea"/>
+                <a:cs typeface="+mn-cs"/>
+              </a:rPr>
+              <a:t>The University of Texas at Austin (May 2026)</a:t>
+            </a:r>
+          </a:p>
+          <a:p>
+            <a:pPr>
+              <a:lnSpc>
+                <a:spcPct val="90000"/>
+              </a:lnSpc>
+              <a:spcAft>
+                <a:spcPts val="600"/>
+              </a:spcAft>
+            </a:pPr>
+            <a:r>
+              <a:rPr lang="en-US" sz="1500" kern="1200" dirty="0">
+                <a:solidFill>
+                  <a:schemeClr val="tx1"/>
+                </a:solidFill>
+                <a:latin typeface="+mn-lt"/>
+                <a:ea typeface="+mn-ea"/>
+                <a:cs typeface="+mn-cs"/>
+              </a:rPr>
+              <a:t>Computer Science and Business Honors</a:t>
+            </a:r>
+          </a:p>
+          <a:p>
+            <a:pPr>
+              <a:lnSpc>
+                <a:spcPct val="90000"/>
+              </a:lnSpc>
+              <a:spcAft>
+                <a:spcPts val="600"/>
+              </a:spcAft>
+            </a:pPr>
+            <a:r>
+              <a:rPr lang="en-US" sz="1500" kern="1200" dirty="0">
+                <a:solidFill>
+                  <a:schemeClr val="tx1"/>
+                </a:solidFill>
+                <a:latin typeface="+mn-lt"/>
+                <a:ea typeface="+mn-ea"/>
+                <a:cs typeface="+mn-cs"/>
+              </a:rPr>
+              <a:t> </a:t>
+            </a:r>
+          </a:p>
+          <a:p>
+            <a:pPr>
+              <a:lnSpc>
+                <a:spcPct val="90000"/>
+              </a:lnSpc>
+              <a:spcAft>
+                <a:spcPts val="600"/>
+              </a:spcAft>
+            </a:pPr>
+            <a:r>
+              <a:rPr lang="en-US" sz="1500" kern="1200" dirty="0">
+                <a:solidFill>
+                  <a:schemeClr val="tx1"/>
+                </a:solidFill>
+                <a:latin typeface="+mn-lt"/>
+                <a:ea typeface="+mn-ea"/>
+                <a:cs typeface="+mn-cs"/>
+              </a:rPr>
+              <a:t>Software Engineer Intern</a:t>
+            </a:r>
+          </a:p>
+          <a:p>
+            <a:pPr>
+              <a:lnSpc>
+                <a:spcPct val="90000"/>
+              </a:lnSpc>
+              <a:spcAft>
+                <a:spcPts val="600"/>
+              </a:spcAft>
+            </a:pPr>
+            <a:r>
+              <a:rPr lang="en-US" sz="1500" kern="1200" dirty="0">
+                <a:solidFill>
+                  <a:schemeClr val="tx1"/>
+                </a:solidFill>
+                <a:latin typeface="+mn-lt"/>
+                <a:ea typeface="+mn-ea"/>
+                <a:cs typeface="+mn-cs"/>
+              </a:rPr>
+              <a:t>GCB Tech — Data Science</a:t>
+            </a:r>
+          </a:p>
+          <a:p>
+            <a:pPr>
+              <a:lnSpc>
+                <a:spcPct val="90000"/>
+              </a:lnSpc>
+              <a:spcAft>
+                <a:spcPts val="600"/>
+              </a:spcAft>
+            </a:pPr>
+            <a:r>
+              <a:rPr lang="en-US" sz="1500" kern="1200" dirty="0">
+                <a:solidFill>
+                  <a:schemeClr val="tx1"/>
+                </a:solidFill>
+                <a:latin typeface="+mn-lt"/>
+                <a:ea typeface="+mn-ea"/>
+                <a:cs typeface="+mn-cs"/>
+              </a:rPr>
+              <a:t>Manager — Deanna </a:t>
+            </a:r>
+            <a:r>
+              <a:rPr lang="en-US" sz="1500" kern="1200" dirty="0" err="1">
+                <a:solidFill>
+                  <a:schemeClr val="tx1"/>
+                </a:solidFill>
+                <a:latin typeface="+mn-lt"/>
+                <a:ea typeface="+mn-ea"/>
+                <a:cs typeface="+mn-cs"/>
+              </a:rPr>
+              <a:t>Tufano</a:t>
+            </a:r>
+            <a:endParaRPr lang="en-US" sz="1500" kern="1200" dirty="0">
+              <a:solidFill>
+                <a:schemeClr val="tx1"/>
+              </a:solidFill>
+              <a:latin typeface="+mn-lt"/>
+              <a:ea typeface="+mn-ea"/>
+              <a:cs typeface="+mn-cs"/>
+            </a:endParaRPr>
+          </a:p>
+        </p:txBody>
+      </p:sp>
+      <p:pic>
+        <p:nvPicPr>
+          <p:cNvPr id="17" name="Picture 16">
+            <a:extLst>
+              <a:ext uri="{FF2B5EF4-FFF2-40B4-BE49-F238E27FC236}">
+                <a16:creationId xmlns:a16="http://schemas.microsoft.com/office/drawing/2014/main" id="{74660A83-BF73-6834-1D22-7609532DC238}"/>
+              </a:ext>
+            </a:extLst>
+          </p:cNvPr>
+          <p:cNvPicPr>
+            <a:picLocks noChangeAspect="1"/>
+          </p:cNvPicPr>
+          <p:nvPr/>
+        </p:nvPicPr>
+        <p:blipFill>
+          <a:blip r:embed="rId3"/>
+          <a:srcRect t="12542" b="12542"/>
+          <a:stretch/>
+        </p:blipFill>
+        <p:spPr>
+          <a:xfrm>
+            <a:off x="4572000" y="10"/>
+            <a:ext cx="4577118" cy="5143490"/>
+          </a:xfrm>
+          <a:prstGeom prst="rect">
+            <a:avLst/>
+          </a:prstGeom>
+        </p:spPr>
+      </p:pic>
+      <p:pic>
+        <p:nvPicPr>
+          <p:cNvPr id="178" name="Google Shape;178;p33"/>
+          <p:cNvPicPr preferRelativeResize="0"/>
+          <p:nvPr/>
+        </p:nvPicPr>
+        <p:blipFill rotWithShape="1">
+          <a:blip r:embed="rId4">
+            <a:alphaModFix/>
+          </a:blip>
+          <a:srcRect/>
+          <a:stretch/>
+        </p:blipFill>
+        <p:spPr>
+          <a:xfrm>
+            <a:off x="104550" y="4825359"/>
+            <a:ext cx="521898" cy="282380"/>
+          </a:xfrm>
+          <a:prstGeom prst="rect">
+            <a:avLst/>
+          </a:prstGeom>
+          <a:noFill/>
+          <a:ln>
+            <a:noFill/>
+          </a:ln>
+        </p:spPr>
+      </p:pic>
+      <p:pic>
+        <p:nvPicPr>
+          <p:cNvPr id="1026" name="Picture 2" descr="Supporting Marks | Brand">
+            <a:extLst>
+              <a:ext uri="{FF2B5EF4-FFF2-40B4-BE49-F238E27FC236}">
+                <a16:creationId xmlns:a16="http://schemas.microsoft.com/office/drawing/2014/main" id="{395D4834-A032-2AB0-CEB4-569E0F86773F}"/>
+              </a:ext>
+            </a:extLst>
+          </p:cNvPr>
+          <p:cNvPicPr>
+            <a:picLocks noChangeAspect="1" noChangeArrowheads="1"/>
+          </p:cNvPicPr>
+          <p:nvPr/>
+        </p:nvPicPr>
+        <p:blipFill>
+          <a:blip r:embed="rId5">
+            <a:extLst>
+              <a:ext uri="{28A0092B-C50C-407E-A947-70E740481C1C}">
+                <a14:useLocalDpi xmlns:a14="http://schemas.microsoft.com/office/drawing/2010/main" val="0"/>
+              </a:ext>
+            </a:extLst>
+          </a:blip>
+          <a:srcRect/>
+          <a:stretch>
+            <a:fillRect/>
+          </a:stretch>
+        </p:blipFill>
+        <p:spPr bwMode="auto">
+          <a:xfrm>
+            <a:off x="3803519" y="4773293"/>
+            <a:ext cx="639614" cy="323855"/>
+          </a:xfrm>
+          <a:prstGeom prst="rect">
+            <a:avLst/>
+          </a:prstGeom>
+          <a:noFill/>
+          <a:extLst>
+            <a:ext uri="{909E8E84-426E-40DD-AFC4-6F175D3DCCD1}">
+              <a14:hiddenFill xmlns:a14="http://schemas.microsoft.com/office/drawing/2010/main">
+                <a:solidFill>
+                  <a:srgbClr val="FFFFFF"/>
+                </a:solidFill>
+              </a14:hiddenFill>
+            </a:ext>
+          </a:extLst>
+        </p:spPr>
+      </p:pic>
+    </p:spTree>
+    <p:extLst>
+      <p:ext uri="{BB962C8B-B14F-4D97-AF65-F5344CB8AC3E}">
+        <p14:creationId xmlns:p14="http://schemas.microsoft.com/office/powerpoint/2010/main" val="1723179464"/>
+      </p:ext>
+    </p:extLst>
+  </p:cSld>
+  <p:clrMapOvr>
+    <a:masterClrMapping/>
+  </p:clrMapOvr>
+</p:sld>
+</file>
+
+<file path=ppt/slides/slide3.xml><?xml version="1.0" encoding="utf-8"?>
+<p:sld xmlns:a="http://schemas.openxmlformats.org/drawingml/2006/main" xmlns:r="http://schemas.openxmlformats.org/officeDocument/2006/relationships" xmlns:p="http://schemas.openxmlformats.org/presentationml/2006/main">
+  <p:cSld>
+    <p:spTree>
+      <p:nvGrpSpPr>
+        <p:cNvPr id="1" name="Shape 169"/>
+        <p:cNvGrpSpPr/>
+        <p:nvPr/>
+      </p:nvGrpSpPr>
+      <p:grpSpPr>
+        <a:xfrm>
+          <a:off x="0" y="0"/>
+          <a:ext cx="0" cy="0"/>
+          <a:chOff x="0" y="0"/>
+          <a:chExt cx="0" cy="0"/>
+        </a:xfrm>
+      </p:grpSpPr>
+      <p:pic>
+        <p:nvPicPr>
+          <p:cNvPr id="171" name="Google Shape;171;p32"/>
+          <p:cNvPicPr preferRelativeResize="0"/>
+          <p:nvPr/>
+        </p:nvPicPr>
+        <p:blipFill rotWithShape="1">
+          <a:blip r:embed="rId3">
+            <a:alphaModFix/>
+          </a:blip>
+          <a:srcRect/>
+          <a:stretch/>
+        </p:blipFill>
+        <p:spPr>
+          <a:xfrm>
+            <a:off x="104550" y="4825359"/>
+            <a:ext cx="521898" cy="282380"/>
+          </a:xfrm>
+          <a:prstGeom prst="rect">
+            <a:avLst/>
+          </a:prstGeom>
+          <a:noFill/>
+          <a:ln>
+            <a:noFill/>
+          </a:ln>
+        </p:spPr>
+      </p:pic>
+      <p:sp>
+        <p:nvSpPr>
+          <p:cNvPr id="2" name="Google Shape;177;p33">
+            <a:extLst>
+              <a:ext uri="{FF2B5EF4-FFF2-40B4-BE49-F238E27FC236}">
+                <a16:creationId xmlns:a16="http://schemas.microsoft.com/office/drawing/2014/main" id="{F8625211-F468-4169-D7B5-5C2C7C6DE3D6}"/>
+              </a:ext>
+            </a:extLst>
+          </p:cNvPr>
+          <p:cNvSpPr txBox="1"/>
+          <p:nvPr/>
+        </p:nvSpPr>
+        <p:spPr>
+          <a:xfrm>
+            <a:off x="365499" y="159436"/>
+            <a:ext cx="3661378" cy="556055"/>
+          </a:xfrm>
+          <a:prstGeom prst="rect">
+            <a:avLst/>
+          </a:prstGeom>
+          <a:noFill/>
+          <a:ln>
+            <a:noFill/>
+          </a:ln>
+        </p:spPr>
+        <p:txBody>
+          <a:bodyPr spcFirstLastPara="1" wrap="square" lIns="68575" tIns="34275" rIns="68575" bIns="34275" anchor="t" anchorCtr="0">
+            <a:noAutofit/>
+          </a:bodyPr>
+          <a:lstStyle/>
+          <a:p>
+            <a:pPr marL="0" marR="0" lvl="0" indent="0" rtl="0">
+              <a:spcBef>
+                <a:spcPts val="0"/>
+              </a:spcBef>
+              <a:spcAft>
+                <a:spcPts val="0"/>
+              </a:spcAft>
+              <a:buClr>
+                <a:schemeClr val="dk1"/>
+              </a:buClr>
+              <a:buSzPts val="3000"/>
+              <a:buFont typeface="Calibri"/>
+              <a:buNone/>
+            </a:pPr>
+            <a:r>
+              <a:rPr lang="en-US" sz="2400" b="1" dirty="0">
+                <a:solidFill>
+                  <a:srgbClr val="002060"/>
+                </a:solidFill>
+                <a:latin typeface="Calibri"/>
+                <a:ea typeface="Calibri"/>
+                <a:cs typeface="Calibri"/>
+                <a:sym typeface="Calibri"/>
+              </a:rPr>
+              <a:t>Overview</a:t>
+            </a:r>
+            <a:r>
+              <a:rPr lang="en-US" sz="2400" b="1" dirty="0">
+                <a:solidFill>
+                  <a:srgbClr val="002060"/>
+                </a:solidFill>
+                <a:latin typeface="Calibri" panose="020F0502020204030204" pitchFamily="34" charset="0"/>
+                <a:cs typeface="Calibri" panose="020F0502020204030204" pitchFamily="34" charset="0"/>
+              </a:rPr>
+              <a:t> </a:t>
+            </a:r>
+          </a:p>
+        </p:txBody>
+      </p:sp>
+      <p:graphicFrame>
+        <p:nvGraphicFramePr>
+          <p:cNvPr id="4" name="Diagram 3">
+            <a:extLst>
+              <a:ext uri="{FF2B5EF4-FFF2-40B4-BE49-F238E27FC236}">
+                <a16:creationId xmlns:a16="http://schemas.microsoft.com/office/drawing/2014/main" id="{2CC183DF-A123-D10E-7F53-EBCA072B2871}"/>
+              </a:ext>
+            </a:extLst>
+          </p:cNvPr>
+          <p:cNvGraphicFramePr/>
+          <p:nvPr>
+            <p:extLst>
+              <p:ext uri="{D42A27DB-BD31-4B8C-83A1-F6EECF244321}">
+                <p14:modId xmlns:p14="http://schemas.microsoft.com/office/powerpoint/2010/main" val="4013501184"/>
+              </p:ext>
+            </p:extLst>
+          </p:nvPr>
+        </p:nvGraphicFramePr>
+        <p:xfrm>
+          <a:off x="127488" y="1048689"/>
+          <a:ext cx="8889023" cy="3046121"/>
+        </p:xfrm>
+        <a:graphic>
+          <a:graphicData uri="http://schemas.openxmlformats.org/drawingml/2006/diagram">
+            <dgm:relIds xmlns:dgm="http://schemas.openxmlformats.org/drawingml/2006/diagram" xmlns:r="http://schemas.openxmlformats.org/officeDocument/2006/relationships" r:dm="rId4" r:lo="rId5" r:qs="rId6" r:cs="rId7"/>
+          </a:graphicData>
+        </a:graphic>
+      </p:graphicFrame>
+    </p:spTree>
+    <p:extLst>
+      <p:ext uri="{BB962C8B-B14F-4D97-AF65-F5344CB8AC3E}">
+        <p14:creationId xmlns:p14="http://schemas.microsoft.com/office/powerpoint/2010/main" val="46586986"/>
+      </p:ext>
+    </p:extLst>
+  </p:cSld>
+  <p:clrMapOvr>
+    <a:masterClrMapping/>
+  </p:clrMapOvr>
+</p:sld>
+</file>
+
+<file path=ppt/slides/slide4.xml><?xml version="1.0" encoding="utf-8"?>
+<p:sld xmlns:a="http://schemas.openxmlformats.org/drawingml/2006/main" xmlns:r="http://schemas.openxmlformats.org/officeDocument/2006/relationships" xmlns:p="http://schemas.openxmlformats.org/presentationml/2006/main">
+  <p:cSld>
+    <p:spTree>
+      <p:nvGrpSpPr>
+        <p:cNvPr id="1" name="Shape 176"/>
+        <p:cNvGrpSpPr/>
+        <p:nvPr/>
+      </p:nvGrpSpPr>
+      <p:grpSpPr>
+        <a:xfrm>
+          <a:off x="0" y="0"/>
+          <a:ext cx="0" cy="0"/>
+          <a:chOff x="0" y="0"/>
+          <a:chExt cx="0" cy="0"/>
+        </a:xfrm>
+      </p:grpSpPr>
+      <p:pic>
+        <p:nvPicPr>
+          <p:cNvPr id="178" name="Google Shape;178;p33"/>
+          <p:cNvPicPr preferRelativeResize="0"/>
+          <p:nvPr/>
+        </p:nvPicPr>
+        <p:blipFill rotWithShape="1">
+          <a:blip r:embed="rId3">
+            <a:alphaModFix/>
+          </a:blip>
+          <a:srcRect/>
+          <a:stretch/>
+        </p:blipFill>
+        <p:spPr>
+          <a:xfrm>
+            <a:off x="104550" y="4825359"/>
+            <a:ext cx="521898" cy="282380"/>
+          </a:xfrm>
+          <a:prstGeom prst="rect">
+            <a:avLst/>
+          </a:prstGeom>
+          <a:noFill/>
+          <a:ln>
+            <a:noFill/>
+          </a:ln>
+        </p:spPr>
+      </p:pic>
+      <p:sp>
+        <p:nvSpPr>
+          <p:cNvPr id="4" name="Google Shape;177;p33">
+            <a:extLst>
+              <a:ext uri="{FF2B5EF4-FFF2-40B4-BE49-F238E27FC236}">
+                <a16:creationId xmlns:a16="http://schemas.microsoft.com/office/drawing/2014/main" id="{64965E7C-B954-A76D-F348-4E556FB9D596}"/>
+              </a:ext>
+            </a:extLst>
+          </p:cNvPr>
+          <p:cNvSpPr txBox="1"/>
+          <p:nvPr/>
+        </p:nvSpPr>
+        <p:spPr>
+          <a:xfrm>
+            <a:off x="365499" y="159436"/>
+            <a:ext cx="6984000" cy="556055"/>
+          </a:xfrm>
+          <a:prstGeom prst="rect">
+            <a:avLst/>
+          </a:prstGeom>
+          <a:noFill/>
+          <a:ln>
+            <a:noFill/>
+          </a:ln>
+        </p:spPr>
+        <p:txBody>
+          <a:bodyPr spcFirstLastPara="1" wrap="square" lIns="68575" tIns="34275" rIns="68575" bIns="34275" anchor="t" anchorCtr="0">
+            <a:noAutofit/>
+          </a:bodyPr>
+          <a:lstStyle/>
+          <a:p>
+            <a:pPr marL="0" marR="0" lvl="0" indent="0" algn="l" rtl="0">
+              <a:spcBef>
+                <a:spcPts val="0"/>
+              </a:spcBef>
+              <a:spcAft>
+                <a:spcPts val="0"/>
+              </a:spcAft>
+              <a:buClr>
+                <a:schemeClr val="dk1"/>
+              </a:buClr>
+              <a:buSzPts val="3000"/>
+              <a:buFont typeface="Calibri"/>
+              <a:buNone/>
+            </a:pPr>
+            <a:r>
+              <a:rPr lang="en-US" sz="2400" b="1" dirty="0">
+                <a:solidFill>
+                  <a:srgbClr val="002060"/>
+                </a:solidFill>
+                <a:latin typeface="Calibri" panose="020F0502020204030204" pitchFamily="34" charset="0"/>
+                <a:cs typeface="Calibri" panose="020F0502020204030204" pitchFamily="34" charset="0"/>
+              </a:rPr>
+              <a:t>Project Motivation</a:t>
+            </a:r>
+            <a:endParaRPr lang="en-US" sz="2400" b="1" dirty="0">
+              <a:solidFill>
+                <a:srgbClr val="002060"/>
+              </a:solidFill>
+              <a:latin typeface="Calibri" panose="020F0502020204030204" pitchFamily="34" charset="0"/>
+              <a:cs typeface="Calibri" panose="020F0502020204030204" pitchFamily="34" charset="0"/>
+              <a:sym typeface="Calibri"/>
+            </a:endParaRPr>
+          </a:p>
+        </p:txBody>
+      </p:sp>
+      <p:graphicFrame>
+        <p:nvGraphicFramePr>
+          <p:cNvPr id="8" name="Diagram 7">
+            <a:extLst>
+              <a:ext uri="{FF2B5EF4-FFF2-40B4-BE49-F238E27FC236}">
+                <a16:creationId xmlns:a16="http://schemas.microsoft.com/office/drawing/2014/main" id="{59241769-23F8-5601-15C3-7F7BD5D65D97}"/>
+              </a:ext>
+            </a:extLst>
+          </p:cNvPr>
+          <p:cNvGraphicFramePr/>
+          <p:nvPr>
+            <p:extLst>
+              <p:ext uri="{D42A27DB-BD31-4B8C-83A1-F6EECF244321}">
+                <p14:modId xmlns:p14="http://schemas.microsoft.com/office/powerpoint/2010/main" val="2892527043"/>
+              </p:ext>
+            </p:extLst>
+          </p:nvPr>
+        </p:nvGraphicFramePr>
+        <p:xfrm>
+          <a:off x="365498" y="892230"/>
+          <a:ext cx="8450027" cy="3466706"/>
+        </p:xfrm>
+        <a:graphic>
+          <a:graphicData uri="http://schemas.openxmlformats.org/drawingml/2006/diagram">
+            <dgm:relIds xmlns:dgm="http://schemas.openxmlformats.org/drawingml/2006/diagram" xmlns:r="http://schemas.openxmlformats.org/officeDocument/2006/relationships" r:dm="rId4" r:lo="rId5" r:qs="rId6" r:cs="rId7"/>
+          </a:graphicData>
+        </a:graphic>
+      </p:graphicFrame>
+    </p:spTree>
+    <p:extLst>
+      <p:ext uri="{BB962C8B-B14F-4D97-AF65-F5344CB8AC3E}">
+        <p14:creationId xmlns:p14="http://schemas.microsoft.com/office/powerpoint/2010/main" val="927191729"/>
+      </p:ext>
+    </p:extLst>
+  </p:cSld>
+  <p:clrMapOvr>
+    <a:masterClrMapping/>
+  </p:clrMapOvr>
+</p:sld>
+</file>
+
+<file path=ppt/slides/slide5.xml><?xml version="1.0" encoding="utf-8"?>
+<p:sld xmlns:a="http://schemas.openxmlformats.org/drawingml/2006/main" xmlns:r="http://schemas.openxmlformats.org/officeDocument/2006/relationships" xmlns:p="http://schemas.openxmlformats.org/presentationml/2006/main">
+  <p:cSld>
+    <p:spTree>
+      <p:nvGrpSpPr>
+        <p:cNvPr id="1" name="Shape 176"/>
+        <p:cNvGrpSpPr/>
+        <p:nvPr/>
+      </p:nvGrpSpPr>
+      <p:grpSpPr>
+        <a:xfrm>
+          <a:off x="0" y="0"/>
+          <a:ext cx="0" cy="0"/>
+          <a:chOff x="0" y="0"/>
+          <a:chExt cx="0" cy="0"/>
+        </a:xfrm>
+      </p:grpSpPr>
+      <p:pic>
+        <p:nvPicPr>
+          <p:cNvPr id="16" name="Picture 15" descr="A screenshot of a computer&#10;&#10;Description automatically generated">
+            <a:extLst>
+              <a:ext uri="{FF2B5EF4-FFF2-40B4-BE49-F238E27FC236}">
+                <a16:creationId xmlns:a16="http://schemas.microsoft.com/office/drawing/2014/main" id="{585AB329-F495-6D79-CC54-9A6E1D18124F}"/>
+              </a:ext>
+            </a:extLst>
+          </p:cNvPr>
+          <p:cNvPicPr>
+            <a:picLocks noChangeAspect="1"/>
+          </p:cNvPicPr>
+          <p:nvPr/>
+        </p:nvPicPr>
+        <p:blipFill>
+          <a:blip r:embed="rId3"/>
+          <a:stretch>
+            <a:fillRect/>
+          </a:stretch>
+        </p:blipFill>
+        <p:spPr>
+          <a:xfrm>
+            <a:off x="427724" y="1133588"/>
+            <a:ext cx="3986063" cy="2996119"/>
+          </a:xfrm>
+          <a:prstGeom prst="rect">
+            <a:avLst/>
+          </a:prstGeom>
+          <a:effectLst>
+            <a:outerShdw blurRad="342900" dir="5400000" sx="99000" sy="99000" algn="ctr" rotWithShape="0">
+              <a:srgbClr val="000000">
+                <a:alpha val="28000"/>
+              </a:srgbClr>
+            </a:outerShdw>
+          </a:effectLst>
+        </p:spPr>
+      </p:pic>
+      <p:pic>
+        <p:nvPicPr>
+          <p:cNvPr id="18" name="Picture 17" descr="A screenshot of a computer&#10;&#10;Description automatically generated">
+            <a:extLst>
+              <a:ext uri="{FF2B5EF4-FFF2-40B4-BE49-F238E27FC236}">
+                <a16:creationId xmlns:a16="http://schemas.microsoft.com/office/drawing/2014/main" id="{3D87943A-6570-7F83-4FED-C0C4BF4173E3}"/>
+              </a:ext>
+            </a:extLst>
+          </p:cNvPr>
+          <p:cNvPicPr>
+            <a:picLocks noChangeAspect="1"/>
+          </p:cNvPicPr>
+          <p:nvPr/>
+        </p:nvPicPr>
+        <p:blipFill>
+          <a:blip r:embed="rId4"/>
+          <a:stretch>
+            <a:fillRect/>
+          </a:stretch>
+        </p:blipFill>
+        <p:spPr>
+          <a:xfrm>
+            <a:off x="4880894" y="1133588"/>
+            <a:ext cx="3888946" cy="2996119"/>
+          </a:xfrm>
+          <a:prstGeom prst="rect">
+            <a:avLst/>
+          </a:prstGeom>
+          <a:effectLst>
+            <a:outerShdw blurRad="342900" dir="5400000" sx="99000" sy="99000" algn="ctr" rotWithShape="0">
+              <a:srgbClr val="000000">
+                <a:alpha val="28000"/>
+              </a:srgbClr>
+            </a:outerShdw>
+          </a:effectLst>
+        </p:spPr>
+      </p:pic>
+      <p:pic>
+        <p:nvPicPr>
+          <p:cNvPr id="178" name="Google Shape;178;p33"/>
+          <p:cNvPicPr preferRelativeResize="0"/>
+          <p:nvPr/>
+        </p:nvPicPr>
+        <p:blipFill rotWithShape="1">
+          <a:blip r:embed="rId5">
+            <a:alphaModFix/>
+          </a:blip>
+          <a:srcRect/>
+          <a:stretch/>
+        </p:blipFill>
+        <p:spPr>
+          <a:xfrm>
+            <a:off x="104550" y="4825359"/>
+            <a:ext cx="521898" cy="282380"/>
+          </a:xfrm>
+          <a:prstGeom prst="rect">
+            <a:avLst/>
+          </a:prstGeom>
+          <a:noFill/>
+          <a:ln>
+            <a:noFill/>
+          </a:ln>
+        </p:spPr>
+      </p:pic>
+      <p:sp>
+        <p:nvSpPr>
+          <p:cNvPr id="4" name="Google Shape;177;p33">
+            <a:extLst>
+              <a:ext uri="{FF2B5EF4-FFF2-40B4-BE49-F238E27FC236}">
+                <a16:creationId xmlns:a16="http://schemas.microsoft.com/office/drawing/2014/main" id="{64965E7C-B954-A76D-F348-4E556FB9D596}"/>
+              </a:ext>
+            </a:extLst>
+          </p:cNvPr>
+          <p:cNvSpPr txBox="1"/>
+          <p:nvPr/>
+        </p:nvSpPr>
+        <p:spPr>
+          <a:xfrm>
+            <a:off x="365499" y="159436"/>
+            <a:ext cx="5231070" cy="556055"/>
+          </a:xfrm>
+          <a:prstGeom prst="rect">
+            <a:avLst/>
+          </a:prstGeom>
+          <a:noFill/>
+          <a:ln>
+            <a:noFill/>
+          </a:ln>
+        </p:spPr>
+        <p:txBody>
+          <a:bodyPr spcFirstLastPara="1" wrap="square" lIns="68575" tIns="34275" rIns="68575" bIns="34275" anchor="t" anchorCtr="0">
+            <a:noAutofit/>
+          </a:bodyPr>
+          <a:lstStyle/>
+          <a:p>
+            <a:pPr marL="0" marR="0" lvl="0" indent="0" algn="l" rtl="0">
+              <a:spcBef>
+                <a:spcPts val="0"/>
+              </a:spcBef>
+              <a:spcAft>
+                <a:spcPts val="0"/>
+              </a:spcAft>
+              <a:buClr>
+                <a:schemeClr val="dk1"/>
+              </a:buClr>
+              <a:buSzPts val="3000"/>
+              <a:buFont typeface="Calibri"/>
+              <a:buNone/>
+            </a:pPr>
+            <a:r>
+              <a:rPr lang="en-US" sz="2400" b="1" dirty="0">
+                <a:solidFill>
+                  <a:srgbClr val="002060"/>
+                </a:solidFill>
+                <a:latin typeface="Calibri" panose="020F0502020204030204" pitchFamily="34" charset="0"/>
+                <a:cs typeface="Calibri" panose="020F0502020204030204" pitchFamily="34" charset="0"/>
+              </a:rPr>
+              <a:t>Solution: </a:t>
+            </a:r>
+            <a:r>
+              <a:rPr lang="en-US" sz="2400" b="1" dirty="0" err="1">
+                <a:solidFill>
+                  <a:srgbClr val="002060"/>
+                </a:solidFill>
+                <a:latin typeface="Calibri" panose="020F0502020204030204" pitchFamily="34" charset="0"/>
+                <a:cs typeface="Calibri" panose="020F0502020204030204" pitchFamily="34" charset="0"/>
+              </a:rPr>
+              <a:t>NewsNudge</a:t>
+            </a:r>
+            <a:endParaRPr lang="en-US" sz="2400" b="1" dirty="0">
+              <a:solidFill>
+                <a:srgbClr val="002060"/>
+              </a:solidFill>
+              <a:latin typeface="Calibri" panose="020F0502020204030204" pitchFamily="34" charset="0"/>
+              <a:cs typeface="Calibri" panose="020F0502020204030204" pitchFamily="34" charset="0"/>
+            </a:endParaRPr>
+          </a:p>
+          <a:p>
+            <a:pPr marL="0" marR="0" lvl="0" indent="0" algn="l" rtl="0">
+              <a:spcBef>
+                <a:spcPts val="0"/>
+              </a:spcBef>
+              <a:spcAft>
+                <a:spcPts val="0"/>
+              </a:spcAft>
+              <a:buClr>
+                <a:schemeClr val="dk1"/>
+              </a:buClr>
+              <a:buSzPts val="3000"/>
+              <a:buFont typeface="Calibri"/>
+              <a:buNone/>
+            </a:pPr>
+            <a:endParaRPr lang="en-US" sz="2400" b="1" dirty="0">
+              <a:solidFill>
+                <a:srgbClr val="002060"/>
+              </a:solidFill>
+              <a:latin typeface="Calibri" panose="020F0502020204030204" pitchFamily="34" charset="0"/>
+              <a:cs typeface="Calibri" panose="020F0502020204030204" pitchFamily="34" charset="0"/>
+              <a:sym typeface="Calibri"/>
+            </a:endParaRPr>
+          </a:p>
+        </p:txBody>
+      </p:sp>
+      <p:pic>
+        <p:nvPicPr>
+          <p:cNvPr id="9" name="Picture 8" descr="A close-up of a message&#10;&#10;Description automatically generated">
+            <a:extLst>
+              <a:ext uri="{FF2B5EF4-FFF2-40B4-BE49-F238E27FC236}">
+                <a16:creationId xmlns:a16="http://schemas.microsoft.com/office/drawing/2014/main" id="{6D3DF4EB-9292-2DA7-D48F-4E27513124E8}"/>
+              </a:ext>
+            </a:extLst>
+          </p:cNvPr>
+          <p:cNvPicPr>
+            <a:picLocks noChangeAspect="1"/>
+          </p:cNvPicPr>
+          <p:nvPr/>
+        </p:nvPicPr>
+        <p:blipFill>
+          <a:blip r:embed="rId6"/>
+          <a:stretch>
+            <a:fillRect/>
+          </a:stretch>
+        </p:blipFill>
+        <p:spPr>
+          <a:xfrm>
+            <a:off x="2996594" y="3743473"/>
+            <a:ext cx="1417193" cy="343562"/>
+          </a:xfrm>
+          <a:prstGeom prst="rect">
+            <a:avLst/>
+          </a:prstGeom>
+        </p:spPr>
+      </p:pic>
+      <p:pic>
+        <p:nvPicPr>
+          <p:cNvPr id="10" name="Picture 9" descr="A close-up of a message&#10;&#10;Description automatically generated">
+            <a:extLst>
+              <a:ext uri="{FF2B5EF4-FFF2-40B4-BE49-F238E27FC236}">
+                <a16:creationId xmlns:a16="http://schemas.microsoft.com/office/drawing/2014/main" id="{DBA70519-B173-427A-B271-3C25D1ECFF37}"/>
+              </a:ext>
+            </a:extLst>
+          </p:cNvPr>
+          <p:cNvPicPr>
+            <a:picLocks noChangeAspect="1"/>
+          </p:cNvPicPr>
+          <p:nvPr/>
+        </p:nvPicPr>
+        <p:blipFill>
+          <a:blip r:embed="rId6"/>
+          <a:stretch>
+            <a:fillRect/>
+          </a:stretch>
+        </p:blipFill>
+        <p:spPr>
+          <a:xfrm>
+            <a:off x="7352647" y="3743473"/>
+            <a:ext cx="1417193" cy="343562"/>
+          </a:xfrm>
+          <a:prstGeom prst="rect">
+            <a:avLst/>
+          </a:prstGeom>
+        </p:spPr>
+      </p:pic>
+    </p:spTree>
+    <p:extLst>
+      <p:ext uri="{BB962C8B-B14F-4D97-AF65-F5344CB8AC3E}">
+        <p14:creationId xmlns:p14="http://schemas.microsoft.com/office/powerpoint/2010/main" val="1052389954"/>
+      </p:ext>
+    </p:extLst>
+  </p:cSld>
+  <p:clrMapOvr>
+    <a:masterClrMapping/>
+  </p:clrMapOvr>
+</p:sld>
+</file>
+
+<file path=ppt/slides/slide6.xml><?xml version="1.0" encoding="utf-8"?>
+<p:sld xmlns:a="http://schemas.openxmlformats.org/drawingml/2006/main" xmlns:r="http://schemas.openxmlformats.org/officeDocument/2006/relationships" xmlns:p="http://schemas.openxmlformats.org/presentationml/2006/main">
+  <p:cSld>
+    <p:spTree>
+      <p:nvGrpSpPr>
+        <p:cNvPr id="1" name="Shape 176"/>
+        <p:cNvGrpSpPr/>
+        <p:nvPr/>
+      </p:nvGrpSpPr>
+      <p:grpSpPr>
+        <a:xfrm>
+          <a:off x="0" y="0"/>
+          <a:ext cx="0" cy="0"/>
+          <a:chOff x="0" y="0"/>
+          <a:chExt cx="0" cy="0"/>
+        </a:xfrm>
+      </p:grpSpPr>
+      <p:pic>
+        <p:nvPicPr>
+          <p:cNvPr id="178" name="Google Shape;178;p33"/>
+          <p:cNvPicPr preferRelativeResize="0"/>
+          <p:nvPr/>
+        </p:nvPicPr>
+        <p:blipFill rotWithShape="1">
+          <a:blip r:embed="rId3">
+            <a:alphaModFix/>
+          </a:blip>
+          <a:srcRect/>
+          <a:stretch/>
+        </p:blipFill>
+        <p:spPr>
+          <a:xfrm>
+            <a:off x="104550" y="4825359"/>
+            <a:ext cx="521898" cy="282380"/>
+          </a:xfrm>
+          <a:prstGeom prst="rect">
+            <a:avLst/>
+          </a:prstGeom>
+          <a:noFill/>
+          <a:ln>
+            <a:noFill/>
+          </a:ln>
+        </p:spPr>
+      </p:pic>
+      <p:sp>
+        <p:nvSpPr>
+          <p:cNvPr id="4" name="Google Shape;177;p33">
+            <a:extLst>
+              <a:ext uri="{FF2B5EF4-FFF2-40B4-BE49-F238E27FC236}">
+                <a16:creationId xmlns:a16="http://schemas.microsoft.com/office/drawing/2014/main" id="{64965E7C-B954-A76D-F348-4E556FB9D596}"/>
+              </a:ext>
+            </a:extLst>
+          </p:cNvPr>
+          <p:cNvSpPr txBox="1"/>
+          <p:nvPr/>
+        </p:nvSpPr>
+        <p:spPr>
+          <a:xfrm>
+            <a:off x="365499" y="159436"/>
+            <a:ext cx="5231070" cy="556055"/>
+          </a:xfrm>
+          <a:prstGeom prst="rect">
+            <a:avLst/>
+          </a:prstGeom>
+          <a:noFill/>
+          <a:ln>
+            <a:noFill/>
+          </a:ln>
+        </p:spPr>
+        <p:txBody>
+          <a:bodyPr spcFirstLastPara="1" wrap="square" lIns="68575" tIns="34275" rIns="68575" bIns="34275" anchor="t" anchorCtr="0">
+            <a:noAutofit/>
+          </a:bodyPr>
+          <a:lstStyle/>
+          <a:p>
+            <a:pPr marL="0" marR="0" lvl="0" indent="0" algn="l" rtl="0">
+              <a:spcBef>
+                <a:spcPts val="0"/>
+              </a:spcBef>
+              <a:spcAft>
+                <a:spcPts val="0"/>
+              </a:spcAft>
+              <a:buClr>
+                <a:schemeClr val="dk1"/>
+              </a:buClr>
+              <a:buSzPts val="3000"/>
+              <a:buFont typeface="Calibri"/>
+              <a:buNone/>
+            </a:pPr>
+            <a:r>
+              <a:rPr lang="en-US" sz="2400" b="1" dirty="0">
+                <a:solidFill>
+                  <a:srgbClr val="002060"/>
+                </a:solidFill>
+                <a:latin typeface="Calibri" panose="020F0502020204030204" pitchFamily="34" charset="0"/>
+                <a:cs typeface="Calibri" panose="020F0502020204030204" pitchFamily="34" charset="0"/>
+              </a:rPr>
+              <a:t>Solution: </a:t>
+            </a:r>
+            <a:r>
+              <a:rPr lang="en-US" sz="2400" b="1" dirty="0" err="1">
+                <a:solidFill>
+                  <a:srgbClr val="002060"/>
+                </a:solidFill>
+                <a:latin typeface="Calibri" panose="020F0502020204030204" pitchFamily="34" charset="0"/>
+                <a:cs typeface="Calibri" panose="020F0502020204030204" pitchFamily="34" charset="0"/>
+              </a:rPr>
+              <a:t>NewsNudge</a:t>
+            </a:r>
+            <a:r>
+              <a:rPr lang="en-US" sz="2400" b="1" dirty="0">
+                <a:solidFill>
+                  <a:srgbClr val="002060"/>
+                </a:solidFill>
+                <a:latin typeface="Calibri" panose="020F0502020204030204" pitchFamily="34" charset="0"/>
+                <a:cs typeface="Calibri" panose="020F0502020204030204" pitchFamily="34" charset="0"/>
+              </a:rPr>
+              <a:t> </a:t>
+            </a:r>
+          </a:p>
+          <a:p>
+            <a:pPr marL="0" marR="0" lvl="0" indent="0" algn="l" rtl="0">
+              <a:spcBef>
+                <a:spcPts val="0"/>
+              </a:spcBef>
+              <a:spcAft>
+                <a:spcPts val="0"/>
+              </a:spcAft>
+              <a:buClr>
+                <a:schemeClr val="dk1"/>
+              </a:buClr>
+              <a:buSzPts val="3000"/>
+              <a:buFont typeface="Calibri"/>
+              <a:buNone/>
+            </a:pPr>
+            <a:endParaRPr lang="en-US" sz="2400" b="1" dirty="0">
+              <a:solidFill>
+                <a:srgbClr val="002060"/>
+              </a:solidFill>
+              <a:latin typeface="Calibri" panose="020F0502020204030204" pitchFamily="34" charset="0"/>
+              <a:cs typeface="Calibri" panose="020F0502020204030204" pitchFamily="34" charset="0"/>
+              <a:sym typeface="Calibri"/>
+            </a:endParaRPr>
+          </a:p>
+        </p:txBody>
+      </p:sp>
+      <p:pic>
+        <p:nvPicPr>
+          <p:cNvPr id="5" name="Picture 4" descr="A screenshot of a computer&#10;&#10;Description automatically generated">
+            <a:extLst>
+              <a:ext uri="{FF2B5EF4-FFF2-40B4-BE49-F238E27FC236}">
+                <a16:creationId xmlns:a16="http://schemas.microsoft.com/office/drawing/2014/main" id="{191DA9B7-E225-29D0-B071-0D927CD29464}"/>
+              </a:ext>
+            </a:extLst>
+          </p:cNvPr>
+          <p:cNvPicPr>
+            <a:picLocks noChangeAspect="1"/>
+          </p:cNvPicPr>
+          <p:nvPr/>
+        </p:nvPicPr>
+        <p:blipFill rotWithShape="1">
+          <a:blip r:embed="rId4"/>
+          <a:srcRect b="3724"/>
+          <a:stretch/>
+        </p:blipFill>
+        <p:spPr>
+          <a:xfrm>
+            <a:off x="1103317" y="910855"/>
+            <a:ext cx="6937365" cy="3601189"/>
+          </a:xfrm>
+          <a:prstGeom prst="rect">
+            <a:avLst/>
+          </a:prstGeom>
+          <a:effectLst>
+            <a:outerShdw blurRad="342900" dir="5400000" sx="99000" sy="99000" algn="ctr" rotWithShape="0">
+              <a:srgbClr val="000000">
+                <a:alpha val="28000"/>
+              </a:srgbClr>
+            </a:outerShdw>
+          </a:effectLst>
+        </p:spPr>
+      </p:pic>
+    </p:spTree>
+    <p:extLst>
+      <p:ext uri="{BB962C8B-B14F-4D97-AF65-F5344CB8AC3E}">
+        <p14:creationId xmlns:p14="http://schemas.microsoft.com/office/powerpoint/2010/main" val="1552297168"/>
+      </p:ext>
+    </p:extLst>
+  </p:cSld>
+  <p:clrMapOvr>
+    <a:masterClrMapping/>
+  </p:clrMapOvr>
+</p:sld>
+</file>
+
+<file path=ppt/slides/slide7.xml><?xml version="1.0" encoding="utf-8"?>
+<p:sld xmlns:a="http://schemas.openxmlformats.org/drawingml/2006/main" xmlns:r="http://schemas.openxmlformats.org/officeDocument/2006/relationships" xmlns:p="http://schemas.openxmlformats.org/presentationml/2006/main">
+  <p:cSld>
+    <p:spTree>
+      <p:nvGrpSpPr>
+        <p:cNvPr id="1" name=""/>
+        <p:cNvGrpSpPr/>
+        <p:nvPr/>
+      </p:nvGrpSpPr>
+      <p:grpSpPr>
+        <a:xfrm>
+          <a:off x="0" y="0"/>
+          <a:ext cx="0" cy="0"/>
+          <a:chOff x="0" y="0"/>
+          <a:chExt cx="0" cy="0"/>
+        </a:xfrm>
+      </p:grpSpPr>
+      <p:pic>
+        <p:nvPicPr>
+          <p:cNvPr id="4" name="Google Shape;171;p32">
+            <a:extLst>
+              <a:ext uri="{FF2B5EF4-FFF2-40B4-BE49-F238E27FC236}">
+                <a16:creationId xmlns:a16="http://schemas.microsoft.com/office/drawing/2014/main" id="{B1191918-7EED-710C-4D40-5FCFEE064237}"/>
+              </a:ext>
+            </a:extLst>
+          </p:cNvPr>
+          <p:cNvPicPr preferRelativeResize="0"/>
+          <p:nvPr/>
+        </p:nvPicPr>
+        <p:blipFill rotWithShape="1">
+          <a:blip r:embed="rId3">
+            <a:alphaModFix/>
+          </a:blip>
+          <a:srcRect/>
+          <a:stretch/>
+        </p:blipFill>
+        <p:spPr>
+          <a:xfrm>
+            <a:off x="104550" y="4825359"/>
+            <a:ext cx="521898" cy="282380"/>
+          </a:xfrm>
+          <a:prstGeom prst="rect">
+            <a:avLst/>
+          </a:prstGeom>
+          <a:noFill/>
+          <a:ln>
+            <a:noFill/>
+          </a:ln>
+        </p:spPr>
+      </p:pic>
+      <p:sp>
+        <p:nvSpPr>
+          <p:cNvPr id="8" name="Google Shape;172;p32">
+            <a:extLst>
+              <a:ext uri="{FF2B5EF4-FFF2-40B4-BE49-F238E27FC236}">
+                <a16:creationId xmlns:a16="http://schemas.microsoft.com/office/drawing/2014/main" id="{BA693712-D0CB-2969-DC1A-2470B3AA6D1A}"/>
+              </a:ext>
+            </a:extLst>
+          </p:cNvPr>
+          <p:cNvSpPr txBox="1"/>
+          <p:nvPr/>
+        </p:nvSpPr>
+        <p:spPr>
+          <a:xfrm>
+            <a:off x="365498" y="715491"/>
+            <a:ext cx="8413003" cy="2908491"/>
+          </a:xfrm>
+          <a:prstGeom prst="rect">
+            <a:avLst/>
+          </a:prstGeom>
+          <a:noFill/>
+          <a:ln>
+            <a:noFill/>
+          </a:ln>
+        </p:spPr>
+        <p:txBody>
+          <a:bodyPr spcFirstLastPara="1" wrap="square" lIns="91425" tIns="91425" rIns="91425" bIns="91425" anchor="t" anchorCtr="0">
+            <a:noAutofit/>
+          </a:bodyPr>
+          <a:lstStyle/>
+          <a:p>
+            <a:pPr marL="285750" indent="-285750">
+              <a:lnSpc>
+                <a:spcPct val="150000"/>
+              </a:lnSpc>
+              <a:buFont typeface="Arial" panose="020B0604020202020204" pitchFamily="34" charset="0"/>
+              <a:buChar char="•"/>
+            </a:pPr>
+            <a:endParaRPr lang="en-US" sz="1600" dirty="0">
+              <a:latin typeface="Calibri" panose="020F0502020204030204" pitchFamily="34" charset="0"/>
+              <a:cs typeface="Calibri" panose="020F0502020204030204" pitchFamily="34" charset="0"/>
+            </a:endParaRPr>
+          </a:p>
+        </p:txBody>
+      </p:sp>
+      <p:sp>
+        <p:nvSpPr>
+          <p:cNvPr id="9" name="Google Shape;177;p33">
+            <a:extLst>
+              <a:ext uri="{FF2B5EF4-FFF2-40B4-BE49-F238E27FC236}">
+                <a16:creationId xmlns:a16="http://schemas.microsoft.com/office/drawing/2014/main" id="{08BC8216-C173-AEC6-04D7-8F087D1EED82}"/>
+              </a:ext>
+            </a:extLst>
+          </p:cNvPr>
+          <p:cNvSpPr txBox="1"/>
+          <p:nvPr/>
+        </p:nvSpPr>
+        <p:spPr>
+          <a:xfrm>
+            <a:off x="365498" y="159436"/>
+            <a:ext cx="5109471" cy="556055"/>
+          </a:xfrm>
+          <a:prstGeom prst="rect">
+            <a:avLst/>
+          </a:prstGeom>
+          <a:noFill/>
+          <a:ln>
+            <a:noFill/>
+          </a:ln>
+        </p:spPr>
+        <p:txBody>
+          <a:bodyPr spcFirstLastPara="1" wrap="square" lIns="68575" tIns="34275" rIns="68575" bIns="34275" anchor="t" anchorCtr="0">
+            <a:noAutofit/>
+          </a:bodyPr>
+          <a:lstStyle/>
+          <a:p>
+            <a:pPr marL="0" marR="0" lvl="0" indent="0" rtl="0">
+              <a:spcBef>
+                <a:spcPts val="0"/>
+              </a:spcBef>
+              <a:spcAft>
+                <a:spcPts val="0"/>
+              </a:spcAft>
+              <a:buClr>
+                <a:schemeClr val="dk1"/>
+              </a:buClr>
+              <a:buSzPts val="3000"/>
+              <a:buFont typeface="Calibri"/>
+              <a:buNone/>
+            </a:pPr>
+            <a:r>
+              <a:rPr lang="en-US" sz="2400" b="1" i="0" dirty="0">
+                <a:solidFill>
+                  <a:srgbClr val="002060"/>
+                </a:solidFill>
+                <a:effectLst/>
+                <a:latin typeface="Calibri" panose="020F0502020204030204" pitchFamily="34" charset="0"/>
+                <a:cs typeface="Calibri" panose="020F0502020204030204" pitchFamily="34" charset="0"/>
+              </a:rPr>
+              <a:t>Data</a:t>
+            </a:r>
+            <a:endParaRPr sz="2400" b="1" dirty="0">
+              <a:solidFill>
+                <a:srgbClr val="002060"/>
+              </a:solidFill>
+              <a:latin typeface="Calibri" panose="020F0502020204030204" pitchFamily="34" charset="0"/>
+              <a:cs typeface="Calibri" panose="020F0502020204030204" pitchFamily="34" charset="0"/>
+            </a:endParaRPr>
+          </a:p>
+        </p:txBody>
+      </p:sp>
+      <p:pic>
+        <p:nvPicPr>
+          <p:cNvPr id="3" name="Picture 2" descr="A blue and white logo&#10;&#10;Description automatically generated">
+            <a:extLst>
+              <a:ext uri="{FF2B5EF4-FFF2-40B4-BE49-F238E27FC236}">
+                <a16:creationId xmlns:a16="http://schemas.microsoft.com/office/drawing/2014/main" id="{B0B593CD-845C-EDB8-E90B-1F0F3F2ADA96}"/>
+              </a:ext>
+            </a:extLst>
+          </p:cNvPr>
+          <p:cNvPicPr>
+            <a:picLocks noChangeAspect="1"/>
+          </p:cNvPicPr>
+          <p:nvPr/>
+        </p:nvPicPr>
+        <p:blipFill rotWithShape="1">
+          <a:blip r:embed="rId4"/>
+          <a:srcRect l="6269" t="8947" r="4334" b="11911"/>
+          <a:stretch/>
+        </p:blipFill>
+        <p:spPr>
+          <a:xfrm>
+            <a:off x="5879162" y="2356574"/>
+            <a:ext cx="2765263" cy="797799"/>
+          </a:xfrm>
+          <a:prstGeom prst="rect">
+            <a:avLst/>
+          </a:prstGeom>
+          <a:effectLst>
+            <a:outerShdw sx="1000" sy="1000" algn="ctr" rotWithShape="0">
+              <a:srgbClr val="000000"/>
+            </a:outerShdw>
+          </a:effectLst>
+        </p:spPr>
+      </p:pic>
+      <p:pic>
+        <p:nvPicPr>
+          <p:cNvPr id="11" name="Picture 10" descr="A computer screen with text on it&#10;&#10;Description automatically generated">
+            <a:extLst>
+              <a:ext uri="{FF2B5EF4-FFF2-40B4-BE49-F238E27FC236}">
+                <a16:creationId xmlns:a16="http://schemas.microsoft.com/office/drawing/2014/main" id="{065A2798-D0D8-91EA-212F-0130DD84B1EA}"/>
+              </a:ext>
+            </a:extLst>
+          </p:cNvPr>
+          <p:cNvPicPr>
+            <a:picLocks noChangeAspect="1"/>
+          </p:cNvPicPr>
+          <p:nvPr/>
+        </p:nvPicPr>
+        <p:blipFill rotWithShape="1">
+          <a:blip r:embed="rId5"/>
+          <a:srcRect l="717" t="1402" r="1115" b="1431"/>
+          <a:stretch/>
+        </p:blipFill>
+        <p:spPr>
+          <a:xfrm>
+            <a:off x="499575" y="1195412"/>
+            <a:ext cx="4821788" cy="3149104"/>
+          </a:xfrm>
+          <a:prstGeom prst="rect">
+            <a:avLst/>
+          </a:prstGeom>
+          <a:effectLst>
+            <a:outerShdw sx="1000" sy="1000" algn="ctr" rotWithShape="0">
+              <a:srgbClr val="000000"/>
+            </a:outerShdw>
+          </a:effectLst>
+        </p:spPr>
+      </p:pic>
+    </p:spTree>
+    <p:extLst>
+      <p:ext uri="{BB962C8B-B14F-4D97-AF65-F5344CB8AC3E}">
+        <p14:creationId xmlns:p14="http://schemas.microsoft.com/office/powerpoint/2010/main" val="1949500377"/>
+      </p:ext>
+    </p:extLst>
+  </p:cSld>
+  <p:clrMapOvr>
+    <a:masterClrMapping/>
+  </p:clrMapOvr>
+</p:sld>
+</file>
+
 <file path=ppt/slides/slide8.xml><?xml version="1.0" encoding="utf-8"?>
 <p:sld xmlns:a="http://schemas.openxmlformats.org/drawingml/2006/main" xmlns:r="http://schemas.openxmlformats.org/officeDocument/2006/relationships" xmlns:p="http://schemas.openxmlformats.org/presentationml/2006/main">
   <p:cSld>
@@ -33818,15 +34182,14 @@
               <a:buNone/>
             </a:pPr>
             <a:r>
-              <a:rPr lang="en-US" sz="2400" b="1" i="0" dirty="0">
+              <a:rPr lang="en-US" sz="2400" b="1" dirty="0">
                 <a:solidFill>
                   <a:srgbClr val="002060"/>
                 </a:solidFill>
-                <a:effectLst/>
                 <a:latin typeface="Calibri" panose="020F0502020204030204" pitchFamily="34" charset="0"/>
                 <a:cs typeface="Calibri" panose="020F0502020204030204" pitchFamily="34" charset="0"/>
               </a:rPr>
-              <a:t>Data</a:t>
+              <a:t>Architecture / Tech Stack </a:t>
             </a:r>
             <a:endParaRPr sz="2400" b="1" dirty="0">
               <a:solidFill>
@@ -33840,10 +34203,10 @@
       </p:sp>
       <p:pic>
         <p:nvPicPr>
-          <p:cNvPr id="3" name="Picture 2" descr="A blue and white logo&#10;&#10;Description automatically generated">
+          <p:cNvPr id="12" name="Picture 11" descr="A diagram of a diagram of a company&#10;&#10;Description automatically generated with medium confidence">
             <a:extLst>
               <a:ext uri="{FF2B5EF4-FFF2-40B4-BE49-F238E27FC236}">
-                <a16:creationId xmlns:a16="http://schemas.microsoft.com/office/drawing/2014/main" id="{B0B593CD-845C-EDB8-E90B-1F0F3F2ADA96}"/>
+                <a16:creationId xmlns:a16="http://schemas.microsoft.com/office/drawing/2014/main" id="{438DBB78-889E-171C-77D0-D0A878168FFA}"/>
               </a:ext>
             </a:extLst>
           </p:cNvPr>
@@ -33852,64 +34215,26 @@
           </p:cNvPicPr>
           <p:nvPr/>
         </p:nvPicPr>
-        <p:blipFill rotWithShape="1">
+        <p:blipFill>
           <a:blip r:embed="rId4"/>
-          <a:srcRect l="6269" t="8947" r="4334" b="11911"/>
-          <a:stretch/>
+          <a:stretch>
+            <a:fillRect/>
+          </a:stretch>
         </p:blipFill>
         <p:spPr>
           <a:xfrm>
-            <a:off x="5879162" y="2356574"/>
-            <a:ext cx="2765263" cy="797799"/>
+            <a:off x="722495" y="634809"/>
+            <a:ext cx="7699007" cy="4067084"/>
           </a:xfrm>
           <a:prstGeom prst="rect">
             <a:avLst/>
           </a:prstGeom>
-          <a:effectLst>
-            <a:outerShdw sx="1000" sy="1000" algn="ctr" rotWithShape="0">
-              <a:srgbClr val="000000"/>
-            </a:outerShdw>
-          </a:effectLst>
-        </p:spPr>
-      </p:pic>
-      <p:pic>
-        <p:nvPicPr>
-          <p:cNvPr id="11" name="Picture 10" descr="A computer screen with text on it&#10;&#10;Description automatically generated">
-            <a:extLst>
-              <a:ext uri="{FF2B5EF4-FFF2-40B4-BE49-F238E27FC236}">
-                <a16:creationId xmlns:a16="http://schemas.microsoft.com/office/drawing/2014/main" id="{065A2798-D0D8-91EA-212F-0130DD84B1EA}"/>
-              </a:ext>
-            </a:extLst>
-          </p:cNvPr>
-          <p:cNvPicPr>
-            <a:picLocks noChangeAspect="1"/>
-          </p:cNvPicPr>
-          <p:nvPr/>
-        </p:nvPicPr>
-        <p:blipFill rotWithShape="1">
-          <a:blip r:embed="rId5"/>
-          <a:srcRect l="717" t="1402" r="1115" b="1431"/>
-          <a:stretch/>
-        </p:blipFill>
-        <p:spPr>
-          <a:xfrm>
-            <a:off x="499575" y="1195412"/>
-            <a:ext cx="4821788" cy="3149104"/>
-          </a:xfrm>
-          <a:prstGeom prst="rect">
-            <a:avLst/>
-          </a:prstGeom>
-          <a:effectLst>
-            <a:outerShdw sx="1000" sy="1000" algn="ctr" rotWithShape="0">
-              <a:srgbClr val="000000"/>
-            </a:outerShdw>
-          </a:effectLst>
         </p:spPr>
       </p:pic>
     </p:spTree>
     <p:extLst>
       <p:ext uri="{BB962C8B-B14F-4D97-AF65-F5344CB8AC3E}">
-        <p14:creationId xmlns:p14="http://schemas.microsoft.com/office/powerpoint/2010/main" val="1949500377"/>
+        <p14:creationId xmlns:p14="http://schemas.microsoft.com/office/powerpoint/2010/main" val="4024175052"/>
       </p:ext>
     </p:extLst>
   </p:cSld>
@@ -33936,33 +34261,6 @@
           <a:chExt cx="0" cy="0"/>
         </a:xfrm>
       </p:grpSpPr>
-      <p:pic>
-        <p:nvPicPr>
-          <p:cNvPr id="203" name="Google Shape;203;p34"/>
-          <p:cNvPicPr preferRelativeResize="0"/>
-          <p:nvPr/>
-        </p:nvPicPr>
-        <p:blipFill rotWithShape="1">
-          <a:blip r:embed="rId3">
-            <a:alphaModFix/>
-          </a:blip>
-          <a:srcRect/>
-          <a:stretch/>
-        </p:blipFill>
-        <p:spPr>
-          <a:xfrm>
-            <a:off x="104550" y="4825359"/>
-            <a:ext cx="521898" cy="282380"/>
-          </a:xfrm>
-          <a:prstGeom prst="rect">
-            <a:avLst/>
-          </a:prstGeom>
-          <a:noFill/>
-          <a:ln>
-            <a:noFill/>
-          </a:ln>
-        </p:spPr>
-      </p:pic>
       <p:sp>
         <p:nvSpPr>
           <p:cNvPr id="7" name="Google Shape;177;p33">
@@ -34009,23 +34307,15 @@
               <a:buNone/>
             </a:pPr>
             <a:r>
-              <a:rPr lang="en-US" sz="2400" b="1" i="0" dirty="0">
+              <a:rPr lang="en-US" sz="2400" b="1" dirty="0">
                 <a:solidFill>
                   <a:srgbClr val="002060"/>
                 </a:solidFill>
-                <a:effectLst/>
                 <a:latin typeface="Calibri" panose="020F0502020204030204" pitchFamily="34" charset="0"/>
                 <a:cs typeface="Calibri" panose="020F0502020204030204" pitchFamily="34" charset="0"/>
               </a:rPr>
-              <a:t>Database Schema</a:t>
+              <a:t>Duplicate Consolidation </a:t>
             </a:r>
-            <a:endParaRPr sz="2400" b="1" dirty="0">
-              <a:solidFill>
-                <a:srgbClr val="002060"/>
-              </a:solidFill>
-              <a:latin typeface="Calibri" panose="020F0502020204030204" pitchFamily="34" charset="0"/>
-              <a:cs typeface="Calibri" panose="020F0502020204030204" pitchFamily="34" charset="0"/>
-            </a:endParaRPr>
           </a:p>
         </p:txBody>
       </p:sp>
@@ -34074,12 +34364,40 @@
           </a:p>
         </p:txBody>
       </p:sp>
+      <p:graphicFrame>
+        <p:nvGraphicFramePr>
+          <p:cNvPr id="26" name="Diagram 25">
+            <a:extLst>
+              <a:ext uri="{FF2B5EF4-FFF2-40B4-BE49-F238E27FC236}">
+                <a16:creationId xmlns:a16="http://schemas.microsoft.com/office/drawing/2014/main" id="{CEAD9CDC-71EC-B323-367B-9B06948F6431}"/>
+              </a:ext>
+            </a:extLst>
+          </p:cNvPr>
+          <p:cNvGraphicFramePr/>
+          <p:nvPr>
+            <p:extLst>
+              <p:ext uri="{D42A27DB-BD31-4B8C-83A1-F6EECF244321}">
+                <p14:modId xmlns:p14="http://schemas.microsoft.com/office/powerpoint/2010/main" val="1630741090"/>
+              </p:ext>
+            </p:extLst>
+          </p:nvPr>
+        </p:nvGraphicFramePr>
+        <p:xfrm>
+          <a:off x="467967" y="750020"/>
+          <a:ext cx="4222566" cy="4181870"/>
+        </p:xfrm>
+        <a:graphic>
+          <a:graphicData uri="http://schemas.openxmlformats.org/drawingml/2006/diagram">
+            <dgm:relIds xmlns:dgm="http://schemas.openxmlformats.org/drawingml/2006/diagram" xmlns:r="http://schemas.openxmlformats.org/officeDocument/2006/relationships" r:dm="rId3" r:lo="rId4" r:qs="rId5" r:cs="rId6"/>
+          </a:graphicData>
+        </a:graphic>
+      </p:graphicFrame>
       <p:pic>
         <p:nvPicPr>
-          <p:cNvPr id="17" name="Picture 16" descr="A screenshot of a computer&#10;&#10;Description automatically generated">
+          <p:cNvPr id="27" name="Picture 26" descr="A screenshot of a phone&#10;&#10;Description automatically generated">
             <a:extLst>
               <a:ext uri="{FF2B5EF4-FFF2-40B4-BE49-F238E27FC236}">
-                <a16:creationId xmlns:a16="http://schemas.microsoft.com/office/drawing/2014/main" id="{6D57CDE0-2F1D-8B36-3E62-B10EA5DBA1AF}"/>
+                <a16:creationId xmlns:a16="http://schemas.microsoft.com/office/drawing/2014/main" id="{2CF97C0D-A19C-80E4-FFCA-DB19770A975A}"/>
               </a:ext>
             </a:extLst>
           </p:cNvPr>
@@ -34089,15 +34407,15 @@
           <p:nvPr/>
         </p:nvPicPr>
         <p:blipFill>
-          <a:blip r:embed="rId4"/>
+          <a:blip r:embed="rId8"/>
           <a:stretch>
             <a:fillRect/>
           </a:stretch>
         </p:blipFill>
         <p:spPr>
           <a:xfrm>
-            <a:off x="626448" y="715491"/>
-            <a:ext cx="7772400" cy="3839480"/>
+            <a:off x="5544721" y="340223"/>
+            <a:ext cx="3131312" cy="4535893"/>
           </a:xfrm>
           <a:prstGeom prst="rect">
             <a:avLst/>
@@ -34107,7 +34425,7 @@
     </p:spTree>
     <p:extLst>
       <p:ext uri="{BB962C8B-B14F-4D97-AF65-F5344CB8AC3E}">
-        <p14:creationId xmlns:p14="http://schemas.microsoft.com/office/powerpoint/2010/main" val="3310445579"/>
+        <p14:creationId xmlns:p14="http://schemas.microsoft.com/office/powerpoint/2010/main" val="418915767"/>
       </p:ext>
     </p:extLst>
   </p:cSld>
